--- a/poster_template.pptx
+++ b/poster_template.pptx
@@ -11803,12 +11803,7 @@
           </a:bodyPr>
           <a:lstStyle/>
           <a:p>
-            <a:pPr marL="0" marR="0" lvl="0" indent="0" algn="ctr" rtl="0">
-              <a:spcBef>
-                <a:spcPts val="0"/>
-              </a:spcBef>
-              <a:buNone/>
-            </a:pPr>
+            <a:pPr lvl="0" algn="ctr"/>
             <a:r>
               <a:rPr lang="en-US" altLang="zh-CN" sz="7200" dirty="0">
                 <a:solidFill>
@@ -11819,27 +11814,25 @@
                 <a:cs typeface="Calibri"/>
                 <a:sym typeface="Calibri"/>
               </a:rPr>
-              <a:t>Soulmate Recommendation System</a:t>
+              <a:t>Digital Music Recommendation </a:t>
             </a:r>
-            <a:endParaRPr lang="en-US" sz="5400" dirty="0">
-              <a:solidFill>
-                <a:schemeClr val="lt1"/>
-              </a:solidFill>
-              <a:latin typeface="Calibri"/>
-              <a:ea typeface="Calibri"/>
-              <a:cs typeface="Calibri"/>
-              <a:sym typeface="Calibri"/>
-            </a:endParaRPr>
-          </a:p>
-          <a:p>
-            <a:pPr marL="0" marR="0" lvl="0" indent="0" algn="ctr" rtl="0">
-              <a:spcBef>
-                <a:spcPts val="0"/>
-              </a:spcBef>
-              <a:buNone/>
-            </a:pPr>
             <a:r>
-              <a:rPr lang="en-US" altLang="zh-CN" sz="4400" dirty="0" err="1">
+              <a:rPr lang="en-US" altLang="zh-CN" sz="7200" dirty="0" smtClean="0">
+                <a:solidFill>
+                  <a:schemeClr val="lt1"/>
+                </a:solidFill>
+                <a:latin typeface="Calibri"/>
+                <a:ea typeface="Calibri"/>
+                <a:cs typeface="Calibri"/>
+                <a:sym typeface="Calibri"/>
+              </a:rPr>
+              <a:t>System</a:t>
+            </a:r>
+          </a:p>
+          <a:p>
+            <a:pPr lvl="0" algn="ctr"/>
+            <a:r>
+              <a:rPr lang="en-US" altLang="zh-CN" sz="4400" dirty="0" err="1" smtClean="0">
                 <a:solidFill>
                   <a:schemeClr val="lt1"/>
                 </a:solidFill>
@@ -11851,7 +11844,7 @@
               <a:t>Minjia</a:t>
             </a:r>
             <a:r>
-              <a:rPr lang="en-US" altLang="zh-CN" sz="4400" dirty="0">
+              <a:rPr lang="en-US" altLang="zh-CN" sz="4400" dirty="0" smtClean="0">
                 <a:solidFill>
                   <a:schemeClr val="lt1"/>
                 </a:solidFill>
@@ -11860,10 +11853,10 @@
                 <a:cs typeface="Times New Roman" panose="02020703060505090304"/>
                 <a:sym typeface="Times New Roman" panose="02020703060505090304"/>
               </a:rPr>
-              <a:t> Qian, Siyi Zheng, </a:t>
+              <a:t> Qian, </a:t>
             </a:r>
             <a:r>
-              <a:rPr lang="en-US" altLang="zh-CN" sz="4400" dirty="0" err="1">
+              <a:rPr lang="en-US" altLang="zh-CN" sz="4400" dirty="0" err="1" smtClean="0">
                 <a:solidFill>
                   <a:schemeClr val="lt1"/>
                 </a:solidFill>
@@ -11872,10 +11865,10 @@
                 <a:cs typeface="Times New Roman" panose="02020703060505090304"/>
                 <a:sym typeface="Times New Roman" panose="02020703060505090304"/>
               </a:rPr>
-              <a:t>Yuankun</a:t>
+              <a:t>Siyi</a:t>
             </a:r>
             <a:r>
-              <a:rPr lang="en-US" altLang="zh-CN" sz="4400" dirty="0">
+              <a:rPr lang="en-US" altLang="zh-CN" sz="4400" dirty="0" smtClean="0">
                 <a:solidFill>
                   <a:schemeClr val="lt1"/>
                 </a:solidFill>
@@ -11884,9 +11877,9 @@
                 <a:cs typeface="Times New Roman" panose="02020703060505090304"/>
                 <a:sym typeface="Times New Roman" panose="02020703060505090304"/>
               </a:rPr>
-              <a:t> Zhu</a:t>
+              <a:t> Zheng</a:t>
             </a:r>
-            <a:endParaRPr lang="en-US" sz="4400" dirty="0">
+            <a:endParaRPr lang="en-US" sz="4400" dirty="0" smtClean="0">
               <a:solidFill>
                 <a:schemeClr val="lt1"/>
               </a:solidFill>
@@ -11907,7 +11900,7 @@
               <a:buNone/>
             </a:pPr>
             <a:r>
-              <a:rPr lang="en-US" sz="4400" baseline="30000" dirty="0">
+              <a:rPr lang="en-US" sz="4400" baseline="30000" dirty="0" smtClean="0">
                 <a:solidFill>
                   <a:schemeClr val="lt1"/>
                 </a:solidFill>
@@ -11919,7 +11912,7 @@
               <a:t>1</a:t>
             </a:r>
             <a:r>
-              <a:rPr lang="en-US" sz="4400" dirty="0">
+              <a:rPr lang="en-US" sz="4400" dirty="0" smtClean="0">
                 <a:solidFill>
                   <a:schemeClr val="lt1"/>
                 </a:solidFill>
@@ -11931,7 +11924,7 @@
               <a:t> School of Information, </a:t>
             </a:r>
             <a:r>
-              <a:rPr lang="en-US" sz="4400" dirty="0">
+              <a:rPr lang="en-US" sz="4400" dirty="0" smtClean="0">
                 <a:solidFill>
                   <a:srgbClr val="FFFFFF"/>
                 </a:solidFill>
@@ -11942,6 +11935,15 @@
               </a:rPr>
               <a:t> University of Michigan</a:t>
             </a:r>
+            <a:endParaRPr lang="en-US" sz="4400" dirty="0">
+              <a:solidFill>
+                <a:srgbClr val="FFFFFF"/>
+              </a:solidFill>
+              <a:latin typeface="Times New Roman" panose="02020703060505090304"/>
+              <a:ea typeface="Times New Roman" panose="02020703060505090304"/>
+              <a:cs typeface="Times New Roman" panose="02020703060505090304"/>
+              <a:sym typeface="Times New Roman" panose="02020703060505090304"/>
+            </a:endParaRPr>
           </a:p>
         </p:txBody>
       </p:sp>
@@ -12088,7 +12090,7 @@
               <a:t>This is a final project presentation of SI </a:t>
             </a:r>
             <a:r>
-              <a:rPr lang="en-US" altLang="zh-CN" sz="2800" dirty="0">
+              <a:rPr lang="en-US" altLang="zh-CN" sz="2800" dirty="0" smtClean="0">
                 <a:solidFill>
                   <a:schemeClr val="lt1"/>
                 </a:solidFill>
@@ -12097,10 +12099,10 @@
                 <a:cs typeface="Calibri"/>
                 <a:sym typeface="Calibri"/>
               </a:rPr>
-              <a:t>650:</a:t>
+              <a:t>671:</a:t>
             </a:r>
             <a:r>
-              <a:rPr lang="zh-CN" altLang="en-US" sz="2800" dirty="0">
+              <a:rPr lang="zh-CN" altLang="en-US" sz="2800" dirty="0" smtClean="0">
                 <a:solidFill>
                   <a:schemeClr val="lt1"/>
                 </a:solidFill>
@@ -12112,7 +12114,7 @@
               <a:t> </a:t>
             </a:r>
             <a:r>
-              <a:rPr lang="en-US" altLang="zh-CN" sz="2800" dirty="0">
+              <a:rPr lang="en-US" altLang="zh-CN" sz="2800" dirty="0" smtClean="0">
                 <a:solidFill>
                   <a:schemeClr val="lt1"/>
                 </a:solidFill>
@@ -12121,31 +12123,7 @@
                 <a:cs typeface="Calibri"/>
                 <a:sym typeface="Calibri"/>
               </a:rPr>
-              <a:t>Information</a:t>
-            </a:r>
-            <a:r>
-              <a:rPr lang="zh-CN" altLang="en-US" sz="2800" dirty="0">
-                <a:solidFill>
-                  <a:schemeClr val="lt1"/>
-                </a:solidFill>
-                <a:latin typeface="Calibri"/>
-                <a:ea typeface="Calibri"/>
-                <a:cs typeface="Calibri"/>
-                <a:sym typeface="Calibri"/>
-              </a:rPr>
-              <a:t> </a:t>
-            </a:r>
-            <a:r>
-              <a:rPr lang="en-US" altLang="zh-CN" sz="2800" dirty="0">
-                <a:solidFill>
-                  <a:schemeClr val="lt1"/>
-                </a:solidFill>
-                <a:latin typeface="Calibri"/>
-                <a:ea typeface="Calibri"/>
-                <a:cs typeface="Calibri"/>
-                <a:sym typeface="Calibri"/>
-              </a:rPr>
-              <a:t>Retrieval</a:t>
+              <a:t>Data Mining</a:t>
             </a:r>
             <a:endParaRPr lang="en-US" sz="2800" dirty="0">
               <a:solidFill>
@@ -12988,7 +12966,7 @@
           </a:p>
           <a:p>
             <a:pPr algn="ctr"/>
-            <a:endParaRPr lang="en-US" sz="4000" b="1" u="sng" dirty="0">
+            <a:endParaRPr lang="en-US" sz="4000" b="1" u="sng" dirty="0" smtClean="0">
               <a:solidFill>
                 <a:srgbClr val="17365D"/>
               </a:solidFill>
@@ -13241,111 +13219,16 @@
       </p:sp>
       <p:grpSp>
         <p:nvGrpSpPr>
-          <p:cNvPr id="106" name="组合 105"/>
-          <p:cNvGrpSpPr/>
-          <p:nvPr/>
-        </p:nvGrpSpPr>
-        <p:grpSpPr>
-          <a:xfrm>
-            <a:off x="9823532" y="8878606"/>
-            <a:ext cx="7909211" cy="3216063"/>
-            <a:chOff x="9775956" y="5999610"/>
-            <a:chExt cx="7909211" cy="3216063"/>
-          </a:xfrm>
-        </p:grpSpPr>
-        <p:pic>
-          <p:nvPicPr>
-            <p:cNvPr id="5" name="图片 4"/>
-            <p:cNvPicPr>
-              <a:picLocks noChangeAspect="1"/>
-            </p:cNvPicPr>
-            <p:nvPr/>
-          </p:nvPicPr>
-          <p:blipFill>
-            <a:blip r:embed="rId5"/>
-            <a:stretch>
-              <a:fillRect/>
-            </a:stretch>
-          </p:blipFill>
-          <p:spPr>
-            <a:xfrm>
-              <a:off x="11100404" y="5999610"/>
-              <a:ext cx="5260316" cy="2246702"/>
-            </a:xfrm>
-            <a:prstGeom prst="rect">
-              <a:avLst/>
-            </a:prstGeom>
-          </p:spPr>
-        </p:pic>
-        <p:sp>
-          <p:nvSpPr>
-            <p:cNvPr id="32" name="文本框 31"/>
-            <p:cNvSpPr txBox="1"/>
-            <p:nvPr/>
-          </p:nvSpPr>
-          <p:spPr>
-            <a:xfrm>
-              <a:off x="9775956" y="8384676"/>
-              <a:ext cx="7909211" cy="830997"/>
-            </a:xfrm>
-            <a:prstGeom prst="rect">
-              <a:avLst/>
-            </a:prstGeom>
-            <a:noFill/>
-          </p:spPr>
-          <p:txBody>
-            <a:bodyPr wrap="square" rtlCol="0">
-              <a:spAutoFit/>
-            </a:bodyPr>
-            <a:lstStyle/>
-            <a:p>
-              <a:r>
-                <a:rPr lang="en-US" altLang="zh-CN" sz="2400" dirty="0">
-                  <a:solidFill>
-                    <a:srgbClr val="17365D"/>
-                  </a:solidFill>
-                  <a:latin typeface="Calibri" panose="020F0502020204030204" pitchFamily="34" charset="0"/>
-                  <a:sym typeface="Calibri" panose="020F0502020204030204" pitchFamily="34" charset="0"/>
-                </a:rPr>
-                <a:t> </a:t>
-              </a:r>
-              <a:r>
-                <a:rPr lang="en-US" altLang="zh-CN" sz="2400" b="1" dirty="0">
-                  <a:solidFill>
-                    <a:srgbClr val="17365D"/>
-                  </a:solidFill>
-                  <a:latin typeface="Calibri" panose="020F0502020204030204" pitchFamily="34" charset="0"/>
-                  <a:sym typeface="Calibri" panose="020F0502020204030204" pitchFamily="34" charset="0"/>
-                </a:rPr>
-                <a:t>Fig 3. </a:t>
-              </a:r>
-              <a:r>
-                <a:rPr lang="en-US" altLang="zh-CN" sz="2400" dirty="0">
-                  <a:solidFill>
-                    <a:srgbClr val="17365D"/>
-                  </a:solidFill>
-                  <a:latin typeface="Calibri" panose="020F0502020204030204" pitchFamily="34" charset="0"/>
-                  <a:sym typeface="Calibri" panose="020F0502020204030204" pitchFamily="34" charset="0"/>
-                </a:rPr>
-                <a:t>The songs in the playlists of one user. (The columns are the name and id of the songs, respectively.)</a:t>
-              </a:r>
-              <a:endParaRPr lang="zh-CN" altLang="en-US" sz="2400" dirty="0"/>
-            </a:p>
-          </p:txBody>
-        </p:sp>
-      </p:grpSp>
-      <p:grpSp>
-        <p:nvGrpSpPr>
           <p:cNvPr id="104" name="组合 103"/>
           <p:cNvGrpSpPr/>
           <p:nvPr/>
         </p:nvGrpSpPr>
         <p:grpSpPr>
           <a:xfrm>
-            <a:off x="896232" y="12536908"/>
-            <a:ext cx="7959965" cy="8679299"/>
+            <a:off x="964433" y="13202229"/>
+            <a:ext cx="7959965" cy="9171741"/>
             <a:chOff x="967665" y="11036063"/>
-            <a:chExt cx="7959965" cy="8679299"/>
+            <a:chExt cx="7959965" cy="9171741"/>
           </a:xfrm>
         </p:grpSpPr>
         <p:sp>
@@ -13394,7 +13277,7 @@
           <p:spPr>
             <a:xfrm>
               <a:off x="967665" y="11743949"/>
-              <a:ext cx="7920000" cy="7971413"/>
+              <a:ext cx="7920000" cy="8463855"/>
             </a:xfrm>
             <a:prstGeom prst="rect">
               <a:avLst/>
@@ -13419,7 +13302,17 @@
                   <a:latin typeface="Calibri" panose="020F0502020204030204" pitchFamily="34" charset="0"/>
                   <a:sym typeface="Calibri" panose="020F0502020204030204" pitchFamily="34" charset="0"/>
                 </a:rPr>
-                <a:t>Collect the data from NetEase Cloud Music, including the users’ personal information, users’ playlists, the reviews of the songs.</a:t>
+                <a:t>Cluster all the songs into different groups and extract some features / tags to characterize each song. Analyze the relationship between the users and their music preferences</a:t>
+              </a:r>
+              <a:r>
+                <a:rPr lang="en-US" altLang="zh-CN" sz="3200" dirty="0" smtClean="0">
+                  <a:solidFill>
+                    <a:srgbClr val="17375E"/>
+                  </a:solidFill>
+                  <a:latin typeface="Calibri" panose="020F0502020204030204" pitchFamily="34" charset="0"/>
+                  <a:sym typeface="Calibri" panose="020F0502020204030204" pitchFamily="34" charset="0"/>
+                </a:rPr>
+                <a:t>.</a:t>
               </a:r>
             </a:p>
             <a:p>
@@ -13435,8 +13328,55 @@
                   <a:latin typeface="Calibri" panose="020F0502020204030204" pitchFamily="34" charset="0"/>
                   <a:sym typeface="Calibri" panose="020F0502020204030204" pitchFamily="34" charset="0"/>
                 </a:rPr>
-                <a:t>Analyze the relationship between the users and the kinds of songs that they tend to put in the playlists. Vectorize every user according to their preference.</a:t>
+                <a:t>Experiment with four different methods, including machine learning algorithms in </a:t>
               </a:r>
+              <a:r>
+                <a:rPr lang="en-US" altLang="zh-CN" sz="3200" dirty="0" err="1">
+                  <a:solidFill>
+                    <a:srgbClr val="17375E"/>
+                  </a:solidFill>
+                  <a:latin typeface="Calibri" panose="020F0502020204030204" pitchFamily="34" charset="0"/>
+                  <a:sym typeface="Calibri" panose="020F0502020204030204" pitchFamily="34" charset="0"/>
+                </a:rPr>
+                <a:t>sklearn</a:t>
+              </a:r>
+              <a:r>
+                <a:rPr lang="en-US" altLang="zh-CN" sz="3200" dirty="0">
+                  <a:solidFill>
+                    <a:srgbClr val="17375E"/>
+                  </a:solidFill>
+                  <a:latin typeface="Calibri" panose="020F0502020204030204" pitchFamily="34" charset="0"/>
+                  <a:sym typeface="Calibri" panose="020F0502020204030204" pitchFamily="34" charset="0"/>
+                </a:rPr>
+                <a:t> and surprise, </a:t>
+              </a:r>
+              <a:r>
+                <a:rPr lang="en-US" altLang="zh-CN" sz="3200" dirty="0" err="1">
+                  <a:solidFill>
+                    <a:srgbClr val="17375E"/>
+                  </a:solidFill>
+                  <a:latin typeface="Calibri" panose="020F0502020204030204" pitchFamily="34" charset="0"/>
+                  <a:sym typeface="Calibri" panose="020F0502020204030204" pitchFamily="34" charset="0"/>
+                </a:rPr>
+                <a:t>tfidf</a:t>
+              </a:r>
+              <a:r>
+                <a:rPr lang="en-US" altLang="zh-CN" sz="3200" dirty="0">
+                  <a:solidFill>
+                    <a:srgbClr val="17375E"/>
+                  </a:solidFill>
+                  <a:latin typeface="Calibri" panose="020F0502020204030204" pitchFamily="34" charset="0"/>
+                  <a:sym typeface="Calibri" panose="020F0502020204030204" pitchFamily="34" charset="0"/>
+                </a:rPr>
+                <a:t> and traditional SVD. We may also compare the performance among these methods. </a:t>
+              </a:r>
+              <a:endParaRPr lang="en-US" altLang="zh-CN" sz="3200" dirty="0" smtClean="0">
+                <a:solidFill>
+                  <a:srgbClr val="17375E"/>
+                </a:solidFill>
+                <a:latin typeface="Calibri" panose="020F0502020204030204" pitchFamily="34" charset="0"/>
+                <a:sym typeface="Calibri" panose="020F0502020204030204" pitchFamily="34" charset="0"/>
+              </a:endParaRPr>
             </a:p>
             <a:p>
               <a:pPr marL="457200" indent="-457200" algn="just">
@@ -13451,149 +13391,76 @@
                   <a:latin typeface="Calibri" panose="020F0502020204030204" pitchFamily="34" charset="0"/>
                   <a:sym typeface="Calibri" panose="020F0502020204030204" pitchFamily="34" charset="0"/>
                 </a:rPr>
-                <a:t>The system will recommend a list of ranked soulmates to the user based on the users’ playlists and provide the basic personal information of the recommended soulmate.</a:t>
+                <a:t>For the validation and demonstration purpose, we will divide our data set into the training set and the validation set. After we build the model, we will apply it to the validation set and calculate the mean absolute error as the judgement of the performance.</a:t>
               </a:r>
-            </a:p>
-            <a:p>
-              <a:pPr marL="457200" indent="-457200" algn="just">
-                <a:buFont typeface="Arial" panose="020B0604020202090204" pitchFamily="34" charset="0"/>
-                <a:buChar char="•"/>
-              </a:pPr>
-              <a:r>
-                <a:rPr lang="en-US" altLang="zh-CN" sz="3200" dirty="0">
-                  <a:solidFill>
-                    <a:srgbClr val="17375E"/>
-                  </a:solidFill>
-                  <a:latin typeface="Calibri" panose="020F0502020204030204" pitchFamily="34" charset="0"/>
-                  <a:sym typeface="Calibri" panose="020F0502020204030204" pitchFamily="34" charset="0"/>
-                </a:rPr>
-                <a:t>For the validation and demonstration purpose, design a simple UI that takes users’ basic information like age, gender, and the users may also mark their music type preference to find their soulmates.</a:t>
-              </a:r>
+              <a:endParaRPr lang="en-US" altLang="zh-CN" sz="3200" dirty="0">
+                <a:solidFill>
+                  <a:srgbClr val="17375E"/>
+                </a:solidFill>
+                <a:latin typeface="Calibri" panose="020F0502020204030204" pitchFamily="34" charset="0"/>
+                <a:sym typeface="Calibri" panose="020F0502020204030204" pitchFamily="34" charset="0"/>
+              </a:endParaRPr>
             </a:p>
           </p:txBody>
         </p:sp>
       </p:grpSp>
-      <p:grpSp>
-        <p:nvGrpSpPr>
-          <p:cNvPr id="9" name="组合 8">
-            <a:extLst>
-              <a:ext uri="{FF2B5EF4-FFF2-40B4-BE49-F238E27FC236}">
-                <a16:creationId xmlns:a16="http://schemas.microsoft.com/office/drawing/2014/main" id="{109C8A90-8969-42EB-ABEB-E3D8330A1433}"/>
-              </a:ext>
-            </a:extLst>
-          </p:cNvPr>
-          <p:cNvGrpSpPr/>
+      <p:sp>
+        <p:nvSpPr>
+          <p:cNvPr id="29" name="文本框 28"/>
+          <p:cNvSpPr txBox="1"/>
           <p:nvPr/>
-        </p:nvGrpSpPr>
-        <p:grpSpPr>
+        </p:nvSpPr>
+        <p:spPr>
           <a:xfrm>
-            <a:off x="9785992" y="6111985"/>
-            <a:ext cx="7926373" cy="2602825"/>
-            <a:chOff x="20607446" y="25945092"/>
-            <a:chExt cx="7926373" cy="2602825"/>
+            <a:off x="9647260" y="8387734"/>
+            <a:ext cx="7926373" cy="461665"/>
           </a:xfrm>
-        </p:grpSpPr>
-        <p:sp>
-          <p:nvSpPr>
-            <p:cNvPr id="29" name="文本框 28"/>
-            <p:cNvSpPr txBox="1"/>
-            <p:nvPr/>
-          </p:nvSpPr>
-          <p:spPr>
-            <a:xfrm>
-              <a:off x="20607446" y="27716920"/>
-              <a:ext cx="7926373" cy="830997"/>
-            </a:xfrm>
-            <a:prstGeom prst="rect">
-              <a:avLst/>
-            </a:prstGeom>
-            <a:noFill/>
-          </p:spPr>
-          <p:txBody>
-            <a:bodyPr wrap="square" rtlCol="0">
-              <a:spAutoFit/>
-            </a:bodyPr>
-            <a:lstStyle/>
-            <a:p>
-              <a:r>
-                <a:rPr lang="en-US" altLang="zh-CN" sz="2400" dirty="0">
-                  <a:solidFill>
-                    <a:srgbClr val="17365D"/>
-                  </a:solidFill>
-                  <a:latin typeface="Calibri" panose="020F0502020204030204" pitchFamily="34" charset="0"/>
-                  <a:sym typeface="Calibri" panose="020F0502020204030204" pitchFamily="34" charset="0"/>
-                </a:rPr>
-                <a:t> </a:t>
-              </a:r>
-              <a:r>
-                <a:rPr lang="en-US" altLang="zh-CN" sz="2400" b="1" dirty="0">
-                  <a:solidFill>
-                    <a:srgbClr val="17365D"/>
-                  </a:solidFill>
-                  <a:latin typeface="Calibri" panose="020F0502020204030204" pitchFamily="34" charset="0"/>
-                  <a:sym typeface="Calibri" panose="020F0502020204030204" pitchFamily="34" charset="0"/>
-                </a:rPr>
-                <a:t>Fig 2. </a:t>
-              </a:r>
-              <a:r>
-                <a:rPr lang="en-US" altLang="zh-CN" sz="2400" dirty="0">
-                  <a:solidFill>
-                    <a:srgbClr val="17365D"/>
-                  </a:solidFill>
-                  <a:latin typeface="Calibri" panose="020F0502020204030204" pitchFamily="34" charset="0"/>
-                  <a:sym typeface="Calibri" panose="020F0502020204030204" pitchFamily="34" charset="0"/>
-                </a:rPr>
-                <a:t>The users and their playlists. (The columns are users id, title of the playlists, </a:t>
-              </a:r>
-              <a:r>
-                <a:rPr lang="en-US" altLang="zh-CN" sz="2400" dirty="0" err="1">
-                  <a:solidFill>
-                    <a:srgbClr val="17365D"/>
-                  </a:solidFill>
-                  <a:latin typeface="Calibri" panose="020F0502020204030204" pitchFamily="34" charset="0"/>
-                  <a:sym typeface="Calibri" panose="020F0502020204030204" pitchFamily="34" charset="0"/>
-                </a:rPr>
-                <a:t>url</a:t>
-              </a:r>
-              <a:r>
-                <a:rPr lang="en-US" altLang="zh-CN" sz="2400" dirty="0">
-                  <a:solidFill>
-                    <a:srgbClr val="17365D"/>
-                  </a:solidFill>
-                  <a:latin typeface="Calibri" panose="020F0502020204030204" pitchFamily="34" charset="0"/>
-                  <a:sym typeface="Calibri" panose="020F0502020204030204" pitchFamily="34" charset="0"/>
-                </a:rPr>
-                <a:t> of the playlists, respectively.)</a:t>
-              </a:r>
-              <a:endParaRPr lang="zh-CN" altLang="en-US" sz="2400" dirty="0"/>
-            </a:p>
-          </p:txBody>
-        </p:sp>
-        <p:pic>
-          <p:nvPicPr>
-            <p:cNvPr id="4" name="图片 3"/>
-            <p:cNvPicPr>
-              <a:picLocks noChangeAspect="1"/>
-            </p:cNvPicPr>
-            <p:nvPr/>
-          </p:nvPicPr>
-          <p:blipFill>
-            <a:blip r:embed="rId6"/>
-            <a:stretch>
-              <a:fillRect/>
-            </a:stretch>
-          </p:blipFill>
-          <p:spPr>
-            <a:xfrm>
-              <a:off x="20644986" y="25945092"/>
-              <a:ext cx="7829279" cy="1780750"/>
-            </a:xfrm>
-            <a:prstGeom prst="rect">
-              <a:avLst/>
-            </a:prstGeom>
-          </p:spPr>
-        </p:pic>
-      </p:grpSp>
+          <a:prstGeom prst="rect">
+            <a:avLst/>
+          </a:prstGeom>
+          <a:noFill/>
+        </p:spPr>
+        <p:txBody>
+          <a:bodyPr wrap="square" rtlCol="0">
+            <a:spAutoFit/>
+          </a:bodyPr>
+          <a:lstStyle/>
+          <a:p>
+            <a:pPr algn="ctr"/>
+            <a:r>
+              <a:rPr lang="en-US" altLang="zh-CN" sz="2400" dirty="0">
+                <a:solidFill>
+                  <a:srgbClr val="17365D"/>
+                </a:solidFill>
+                <a:latin typeface="Calibri" panose="020F0502020204030204" pitchFamily="34" charset="0"/>
+                <a:sym typeface="Calibri" panose="020F0502020204030204" pitchFamily="34" charset="0"/>
+              </a:rPr>
+              <a:t> </a:t>
+            </a:r>
+            <a:r>
+              <a:rPr lang="en-US" altLang="zh-CN" sz="2400" b="1" dirty="0">
+                <a:solidFill>
+                  <a:srgbClr val="17365D"/>
+                </a:solidFill>
+                <a:latin typeface="Calibri" panose="020F0502020204030204" pitchFamily="34" charset="0"/>
+                <a:sym typeface="Calibri" panose="020F0502020204030204" pitchFamily="34" charset="0"/>
+              </a:rPr>
+              <a:t>Fig 2. </a:t>
+            </a:r>
+            <a:r>
+              <a:rPr lang="en-US" altLang="zh-CN" sz="2400" dirty="0">
+                <a:solidFill>
+                  <a:srgbClr val="17365D"/>
+                </a:solidFill>
+                <a:latin typeface="Calibri" panose="020F0502020204030204" pitchFamily="34" charset="0"/>
+                <a:sym typeface="Calibri" panose="020F0502020204030204" pitchFamily="34" charset="0"/>
+              </a:rPr>
+              <a:t>Data Information After Pre-processing</a:t>
+            </a:r>
+            <a:endParaRPr lang="zh-CN" altLang="en-US" sz="2400" dirty="0"/>
+          </a:p>
+        </p:txBody>
+      </p:sp>
       <p:grpSp>
         <p:nvGrpSpPr>
           <p:cNvPr id="8" name="组合 7">
@@ -13608,92 +13475,12 @@
         </p:nvGrpSpPr>
         <p:grpSpPr>
           <a:xfrm>
-            <a:off x="963512" y="21531730"/>
-            <a:ext cx="7969245" cy="9559363"/>
-            <a:chOff x="908626" y="19190203"/>
-            <a:chExt cx="7969245" cy="9559363"/>
+            <a:off x="907375" y="22333600"/>
+            <a:ext cx="7966722" cy="8712471"/>
+            <a:chOff x="919894" y="19190203"/>
+            <a:chExt cx="7966722" cy="8712471"/>
           </a:xfrm>
         </p:grpSpPr>
-        <p:pic>
-          <p:nvPicPr>
-            <p:cNvPr id="3" name="图片 2"/>
-            <p:cNvPicPr>
-              <a:picLocks noChangeAspect="1"/>
-            </p:cNvPicPr>
-            <p:nvPr/>
-          </p:nvPicPr>
-          <p:blipFill>
-            <a:blip r:embed="rId7"/>
-            <a:stretch>
-              <a:fillRect/>
-            </a:stretch>
-          </p:blipFill>
-          <p:spPr>
-            <a:xfrm>
-              <a:off x="926783" y="26506672"/>
-              <a:ext cx="7829279" cy="1367143"/>
-            </a:xfrm>
-            <a:prstGeom prst="rect">
-              <a:avLst/>
-            </a:prstGeom>
-          </p:spPr>
-        </p:pic>
-        <p:sp>
-          <p:nvSpPr>
-            <p:cNvPr id="24" name="文本框 23"/>
-            <p:cNvSpPr txBox="1"/>
-            <p:nvPr/>
-          </p:nvSpPr>
-          <p:spPr>
-            <a:xfrm>
-              <a:off x="908626" y="27918569"/>
-              <a:ext cx="7926373" cy="830997"/>
-            </a:xfrm>
-            <a:prstGeom prst="rect">
-              <a:avLst/>
-            </a:prstGeom>
-            <a:noFill/>
-          </p:spPr>
-          <p:txBody>
-            <a:bodyPr wrap="square" rtlCol="0">
-              <a:spAutoFit/>
-            </a:bodyPr>
-            <a:lstStyle/>
-            <a:p>
-              <a:r>
-                <a:rPr lang="en-US" altLang="zh-CN" sz="2400" dirty="0">
-                  <a:solidFill>
-                    <a:srgbClr val="17365D"/>
-                  </a:solidFill>
-                  <a:latin typeface="Calibri" panose="020F0502020204030204" pitchFamily="34" charset="0"/>
-                  <a:sym typeface="Calibri" panose="020F0502020204030204" pitchFamily="34" charset="0"/>
-                </a:rPr>
-                <a:t> </a:t>
-              </a:r>
-              <a:r>
-                <a:rPr lang="en-US" altLang="zh-CN" sz="2400" b="1" dirty="0">
-                  <a:solidFill>
-                    <a:srgbClr val="17365D"/>
-                  </a:solidFill>
-                  <a:latin typeface="Calibri" panose="020F0502020204030204" pitchFamily="34" charset="0"/>
-                  <a:sym typeface="Calibri" panose="020F0502020204030204" pitchFamily="34" charset="0"/>
-                </a:rPr>
-                <a:t>Fig 1. </a:t>
-              </a:r>
-              <a:r>
-                <a:rPr lang="en-US" altLang="zh-CN" sz="2400" dirty="0">
-                  <a:solidFill>
-                    <a:srgbClr val="17365D"/>
-                  </a:solidFill>
-                  <a:latin typeface="Calibri" panose="020F0502020204030204" pitchFamily="34" charset="0"/>
-                  <a:sym typeface="Calibri" panose="020F0502020204030204" pitchFamily="34" charset="0"/>
-                </a:rPr>
-                <a:t>The users’ information. (The columns are name, id, age, gender, region, review, respectively.)</a:t>
-              </a:r>
-              <a:endParaRPr lang="zh-CN" altLang="en-US" sz="2400" dirty="0"/>
-            </a:p>
-          </p:txBody>
-        </p:sp>
         <p:sp>
           <p:nvSpPr>
             <p:cNvPr id="31" name="文本框 30"/>
@@ -13725,8 +13512,25 @@
                   <a:latin typeface="Calibri" panose="020F0502020204030204" pitchFamily="34" charset="0"/>
                   <a:sym typeface="Calibri" panose="020F0502020204030204" pitchFamily="34" charset="0"/>
                 </a:rPr>
-                <a:t>Data Collection</a:t>
+                <a:t>Data </a:t>
               </a:r>
+              <a:r>
+                <a:rPr lang="en-US" altLang="zh-CN" sz="4000" b="1" u="sng" dirty="0">
+                  <a:solidFill>
+                    <a:srgbClr val="17365D"/>
+                  </a:solidFill>
+                  <a:latin typeface="Calibri" panose="020F0502020204030204" pitchFamily="34" charset="0"/>
+                  <a:sym typeface="Calibri" panose="020F0502020204030204" pitchFamily="34" charset="0"/>
+                </a:rPr>
+                <a:t>Description</a:t>
+              </a:r>
+              <a:endParaRPr lang="en-US" altLang="zh-CN" sz="4000" b="1" u="sng" dirty="0">
+                <a:solidFill>
+                  <a:srgbClr val="17365D"/>
+                </a:solidFill>
+                <a:latin typeface="Calibri" panose="020F0502020204030204" pitchFamily="34" charset="0"/>
+                <a:sym typeface="Calibri" panose="020F0502020204030204" pitchFamily="34" charset="0"/>
+              </a:endParaRPr>
             </a:p>
           </p:txBody>
         </p:sp>
@@ -13738,8 +13542,8 @@
           </p:nvSpPr>
           <p:spPr>
             <a:xfrm>
-              <a:off x="957871" y="19893908"/>
-              <a:ext cx="7920000" cy="6709529"/>
+              <a:off x="1020763" y="19931261"/>
+              <a:ext cx="7865853" cy="7971413"/>
             </a:xfrm>
             <a:prstGeom prst="rect">
               <a:avLst/>
@@ -13754,6 +13558,59 @@
             <a:p>
               <a:pPr algn="just"/>
               <a:r>
+                <a:rPr lang="en-US" altLang="zh-CN" sz="3200" dirty="0" smtClean="0">
+                  <a:solidFill>
+                    <a:srgbClr val="17375E"/>
+                  </a:solidFill>
+                  <a:latin typeface="Calibri" panose="020F0502020204030204" pitchFamily="34" charset="0"/>
+                  <a:sym typeface="Calibri" panose="020F0502020204030204" pitchFamily="34" charset="0"/>
+                </a:rPr>
+                <a:t>We use the digital music part of a public Amazon Data set from http://jmcauley.ucsd.edu/data/amazon/. There are two files we will use in this project</a:t>
+              </a:r>
+              <a:r>
+                <a:rPr lang="zh-CN" altLang="en-US" sz="3200" dirty="0" smtClean="0">
+                  <a:solidFill>
+                    <a:srgbClr val="17375E"/>
+                  </a:solidFill>
+                  <a:latin typeface="Calibri" panose="020F0502020204030204" pitchFamily="34" charset="0"/>
+                  <a:sym typeface="Calibri" panose="020F0502020204030204" pitchFamily="34" charset="0"/>
+                </a:rPr>
+                <a:t>：</a:t>
+              </a:r>
+              <a:endParaRPr lang="en-US" altLang="zh-CN" sz="3200" dirty="0" smtClean="0">
+                <a:solidFill>
+                  <a:srgbClr val="17375E"/>
+                </a:solidFill>
+                <a:latin typeface="Calibri" panose="020F0502020204030204" pitchFamily="34" charset="0"/>
+                <a:sym typeface="Calibri" panose="020F0502020204030204" pitchFamily="34" charset="0"/>
+              </a:endParaRPr>
+            </a:p>
+            <a:p>
+              <a:pPr marL="457200" indent="-457200" algn="just">
+                <a:buFont typeface="Arial" panose="020B0604020202020204" pitchFamily="34" charset="0"/>
+                <a:buChar char="•"/>
+              </a:pPr>
+              <a:r>
+                <a:rPr lang="en-US" altLang="zh-CN" sz="3200" b="1" dirty="0" smtClean="0">
+                  <a:solidFill>
+                    <a:srgbClr val="17375E"/>
+                  </a:solidFill>
+                  <a:latin typeface="Calibri" panose="020F0502020204030204" pitchFamily="34" charset="0"/>
+                  <a:sym typeface="Calibri" panose="020F0502020204030204" pitchFamily="34" charset="0"/>
+                </a:rPr>
+                <a:t>ratings_Digital_Music.csv</a:t>
+              </a:r>
+              <a:r>
+                <a:rPr lang="en-US" altLang="zh-CN" sz="3200" b="1" dirty="0">
+                  <a:solidFill>
+                    <a:srgbClr val="17375E"/>
+                  </a:solidFill>
+                  <a:latin typeface="Calibri" panose="020F0502020204030204" pitchFamily="34" charset="0"/>
+                  <a:sym typeface="Calibri" panose="020F0502020204030204" pitchFamily="34" charset="0"/>
+                </a:rPr>
+                <a:t>:</a:t>
+              </a:r>
+              <a:r>
                 <a:rPr lang="en-US" altLang="zh-CN" sz="3200" dirty="0">
                   <a:solidFill>
                     <a:srgbClr val="17375E"/>
@@ -13761,11 +13618,178 @@
                   <a:latin typeface="Calibri" panose="020F0502020204030204" pitchFamily="34" charset="0"/>
                   <a:sym typeface="Calibri" panose="020F0502020204030204" pitchFamily="34" charset="0"/>
                 </a:rPr>
-                <a:t>The first step is to get several existed users’ information. We chose several songs randomly on the NetEase Cloud Music and got the users’ id from the reviews. Then we crawled the users’ personal information page to get the name, gender, their playlists and the corresponding songs in the playlists. To characterize each songs, we crawled the reviews under the songs. Due to the fact that crawling was really slow, we crawled 5393 songs in total and at most 800 reviews for each of the songs. The screenshots of our data are as followed.</a:t>
+                <a:t> The four columns in this table are user, item, rating and </a:t>
               </a:r>
-            </a:p>
-            <a:p>
-              <a:pPr algn="just"/>
+              <a:r>
+                <a:rPr lang="en-US" altLang="zh-CN" sz="3200" dirty="0" smtClean="0">
+                  <a:solidFill>
+                    <a:srgbClr val="17375E"/>
+                  </a:solidFill>
+                  <a:latin typeface="Calibri" panose="020F0502020204030204" pitchFamily="34" charset="0"/>
+                  <a:sym typeface="Calibri" panose="020F0502020204030204" pitchFamily="34" charset="0"/>
+                </a:rPr>
+                <a:t>timestamp. </a:t>
+              </a:r>
+              <a:r>
+                <a:rPr lang="en-US" altLang="zh-CN" sz="3200" dirty="0">
+                  <a:solidFill>
+                    <a:srgbClr val="17375E"/>
+                  </a:solidFill>
+                  <a:latin typeface="Calibri" panose="020F0502020204030204" pitchFamily="34" charset="0"/>
+                  <a:sym typeface="Calibri" panose="020F0502020204030204" pitchFamily="34" charset="0"/>
+                </a:rPr>
+                <a:t>There are 478235 unique users, 836006 ratings, and 266414 unique songs. </a:t>
+              </a:r>
+              <a:r>
+                <a:rPr lang="en-US" altLang="zh-CN" sz="3200" dirty="0" smtClean="0">
+                  <a:solidFill>
+                    <a:srgbClr val="17375E"/>
+                  </a:solidFill>
+                  <a:latin typeface="Calibri" panose="020F0502020204030204" pitchFamily="34" charset="0"/>
+                  <a:sym typeface="Calibri" panose="020F0502020204030204" pitchFamily="34" charset="0"/>
+                </a:rPr>
+                <a:t>The data </a:t>
+              </a:r>
+              <a:r>
+                <a:rPr lang="en-US" altLang="zh-CN" sz="3200" dirty="0">
+                  <a:solidFill>
+                    <a:srgbClr val="17375E"/>
+                  </a:solidFill>
+                  <a:latin typeface="Calibri" panose="020F0502020204030204" pitchFamily="34" charset="0"/>
+                  <a:sym typeface="Calibri" panose="020F0502020204030204" pitchFamily="34" charset="0"/>
+                </a:rPr>
+                <a:t>is quite </a:t>
+              </a:r>
+              <a:r>
+                <a:rPr lang="en-US" altLang="zh-CN" sz="3200" dirty="0" smtClean="0">
+                  <a:solidFill>
+                    <a:srgbClr val="17375E"/>
+                  </a:solidFill>
+                  <a:latin typeface="Calibri" panose="020F0502020204030204" pitchFamily="34" charset="0"/>
+                  <a:sym typeface="Calibri" panose="020F0502020204030204" pitchFamily="34" charset="0"/>
+                </a:rPr>
+                <a:t>sparse. To </a:t>
+              </a:r>
+              <a:r>
+                <a:rPr lang="en-US" altLang="zh-CN" sz="3200" dirty="0">
+                  <a:solidFill>
+                    <a:srgbClr val="17375E"/>
+                  </a:solidFill>
+                  <a:latin typeface="Calibri" panose="020F0502020204030204" pitchFamily="34" charset="0"/>
+                  <a:sym typeface="Calibri" panose="020F0502020204030204" pitchFamily="34" charset="0"/>
+                </a:rPr>
+                <a:t>solve the problem, </a:t>
+              </a:r>
+              <a:r>
+                <a:rPr lang="en-US" altLang="zh-CN" sz="3200" dirty="0" smtClean="0">
+                  <a:solidFill>
+                    <a:srgbClr val="17375E"/>
+                  </a:solidFill>
+                  <a:latin typeface="Calibri" panose="020F0502020204030204" pitchFamily="34" charset="0"/>
+                  <a:sym typeface="Calibri" panose="020F0502020204030204" pitchFamily="34" charset="0"/>
+                </a:rPr>
+                <a:t>we </a:t>
+              </a:r>
+              <a:r>
+                <a:rPr lang="en-US" altLang="zh-CN" sz="3200" dirty="0">
+                  <a:solidFill>
+                    <a:srgbClr val="17375E"/>
+                  </a:solidFill>
+                  <a:latin typeface="Calibri" panose="020F0502020204030204" pitchFamily="34" charset="0"/>
+                  <a:sym typeface="Calibri" panose="020F0502020204030204" pitchFamily="34" charset="0"/>
+                </a:rPr>
+                <a:t>sample 0.025 * 836006 no repeated data entries from the original data as the simplified </a:t>
+              </a:r>
+              <a:r>
+                <a:rPr lang="en-US" altLang="zh-CN" sz="3200" dirty="0" smtClean="0">
+                  <a:solidFill>
+                    <a:srgbClr val="17375E"/>
+                  </a:solidFill>
+                  <a:latin typeface="Calibri" panose="020F0502020204030204" pitchFamily="34" charset="0"/>
+                  <a:sym typeface="Calibri" panose="020F0502020204030204" pitchFamily="34" charset="0"/>
+                </a:rPr>
+                <a:t>data and extract </a:t>
+              </a:r>
+              <a:r>
+                <a:rPr lang="en-US" altLang="zh-CN" sz="3200" dirty="0">
+                  <a:solidFill>
+                    <a:srgbClr val="17375E"/>
+                  </a:solidFill>
+                  <a:latin typeface="Calibri" panose="020F0502020204030204" pitchFamily="34" charset="0"/>
+                  <a:sym typeface="Calibri" panose="020F0502020204030204" pitchFamily="34" charset="0"/>
+                </a:rPr>
+                <a:t>users who have given more than or equal to 40 or 100 ratings as the valid </a:t>
+              </a:r>
+              <a:r>
+                <a:rPr lang="en-US" altLang="zh-CN" sz="3200" dirty="0" smtClean="0">
+                  <a:solidFill>
+                    <a:srgbClr val="17375E"/>
+                  </a:solidFill>
+                  <a:latin typeface="Calibri" panose="020F0502020204030204" pitchFamily="34" charset="0"/>
+                  <a:sym typeface="Calibri" panose="020F0502020204030204" pitchFamily="34" charset="0"/>
+                </a:rPr>
+                <a:t>data</a:t>
+              </a:r>
+              <a:r>
+                <a:rPr lang="zh-CN" altLang="en-US" sz="3200" dirty="0" smtClean="0">
+                  <a:solidFill>
+                    <a:srgbClr val="17375E"/>
+                  </a:solidFill>
+                  <a:latin typeface="Calibri" panose="020F0502020204030204" pitchFamily="34" charset="0"/>
+                  <a:sym typeface="Calibri" panose="020F0502020204030204" pitchFamily="34" charset="0"/>
+                </a:rPr>
+                <a:t>。 </a:t>
+              </a:r>
+              <a:r>
+                <a:rPr lang="en-US" altLang="zh-CN" sz="3200" dirty="0" smtClean="0">
+                  <a:solidFill>
+                    <a:srgbClr val="17375E"/>
+                  </a:solidFill>
+                  <a:latin typeface="Calibri" panose="020F0502020204030204" pitchFamily="34" charset="0"/>
+                  <a:sym typeface="Calibri" panose="020F0502020204030204" pitchFamily="34" charset="0"/>
+                </a:rPr>
+                <a:t>After </a:t>
+              </a:r>
+              <a:r>
+                <a:rPr lang="en-US" altLang="zh-CN" sz="3200" dirty="0">
+                  <a:solidFill>
+                    <a:srgbClr val="17375E"/>
+                  </a:solidFill>
+                  <a:latin typeface="Calibri" panose="020F0502020204030204" pitchFamily="34" charset="0"/>
+                  <a:sym typeface="Calibri" panose="020F0502020204030204" pitchFamily="34" charset="0"/>
+                </a:rPr>
+                <a:t>splitting and filtering, the </a:t>
+              </a:r>
+              <a:r>
+                <a:rPr lang="en-US" altLang="zh-CN" sz="3200" dirty="0" smtClean="0">
+                  <a:solidFill>
+                    <a:srgbClr val="17375E"/>
+                  </a:solidFill>
+                  <a:latin typeface="Calibri" panose="020F0502020204030204" pitchFamily="34" charset="0"/>
+                  <a:sym typeface="Calibri" panose="020F0502020204030204" pitchFamily="34" charset="0"/>
+                </a:rPr>
+                <a:t>details of the final </a:t>
+              </a:r>
+              <a:r>
+                <a:rPr lang="en-US" altLang="zh-CN" sz="3200" dirty="0">
+                  <a:solidFill>
+                    <a:srgbClr val="17375E"/>
+                  </a:solidFill>
+                  <a:latin typeface="Calibri" panose="020F0502020204030204" pitchFamily="34" charset="0"/>
+                  <a:sym typeface="Calibri" panose="020F0502020204030204" pitchFamily="34" charset="0"/>
+                </a:rPr>
+                <a:t>data sets </a:t>
+              </a:r>
+              <a:r>
+                <a:rPr lang="en-US" altLang="zh-CN" sz="3200" dirty="0" smtClean="0">
+                  <a:solidFill>
+                    <a:srgbClr val="17375E"/>
+                  </a:solidFill>
+                  <a:latin typeface="Calibri" panose="020F0502020204030204" pitchFamily="34" charset="0"/>
+                  <a:sym typeface="Calibri" panose="020F0502020204030204" pitchFamily="34" charset="0"/>
+                </a:rPr>
+                <a:t>is shown in Fig. 1.</a:t>
+              </a:r>
               <a:endParaRPr lang="zh-CN" altLang="en-US" dirty="0"/>
             </a:p>
           </p:txBody>
@@ -13779,10 +13803,10 @@
         </p:nvGrpSpPr>
         <p:grpSpPr>
           <a:xfrm>
-            <a:off x="9811024" y="12068712"/>
-            <a:ext cx="7922179" cy="11631404"/>
+            <a:off x="9811024" y="13334556"/>
+            <a:ext cx="7922179" cy="10646519"/>
             <a:chOff x="9764078" y="9675482"/>
-            <a:chExt cx="7922179" cy="11631404"/>
+            <a:chExt cx="7922179" cy="10646519"/>
           </a:xfrm>
         </p:grpSpPr>
         <p:sp>
@@ -13809,15 +13833,22 @@
             <a:p>
               <a:pPr algn="ctr"/>
               <a:r>
-                <a:rPr lang="en-US" altLang="zh-CN" sz="4000" b="1" u="sng" dirty="0">
+                <a:rPr lang="en-US" altLang="zh-CN" sz="4000" b="1" u="sng" dirty="0" smtClean="0">
                   <a:solidFill>
                     <a:srgbClr val="17365D"/>
                   </a:solidFill>
                   <a:latin typeface="Calibri" panose="020F0502020204030204" pitchFamily="34" charset="0"/>
                   <a:sym typeface="Calibri" panose="020F0502020204030204" pitchFamily="34" charset="0"/>
                 </a:rPr>
-                <a:t>Modeling and Analysis</a:t>
+                <a:t>Methodology</a:t>
               </a:r>
+              <a:endParaRPr lang="en-US" altLang="zh-CN" sz="4000" b="1" u="sng" dirty="0">
+                <a:solidFill>
+                  <a:srgbClr val="17365D"/>
+                </a:solidFill>
+                <a:latin typeface="Calibri" panose="020F0502020204030204" pitchFamily="34" charset="0"/>
+                <a:sym typeface="Calibri" panose="020F0502020204030204" pitchFamily="34" charset="0"/>
+              </a:endParaRPr>
             </a:p>
           </p:txBody>
         </p:sp>
@@ -13830,7 +13861,7 @@
           <p:spPr>
             <a:xfrm>
               <a:off x="9777046" y="10380818"/>
-              <a:ext cx="7897333" cy="10926068"/>
+              <a:ext cx="7897333" cy="9941183"/>
             </a:xfrm>
             <a:prstGeom prst="rect">
               <a:avLst/>
@@ -13843,15 +13874,49 @@
             </a:bodyPr>
             <a:lstStyle/>
             <a:p>
+              <a:pPr marL="457200" indent="-457200" algn="just">
+                <a:buFont typeface="Arial" panose="020B0604020202020204" pitchFamily="34" charset="0"/>
+                <a:buChar char="•"/>
+              </a:pPr>
               <a:r>
-                <a:rPr lang="en-US" altLang="zh-CN" sz="3200" dirty="0">
+                <a:rPr lang="en-US" altLang="zh-CN" sz="3200" b="1" dirty="0" err="1">
                   <a:solidFill>
                     <a:srgbClr val="17375E"/>
                   </a:solidFill>
                   <a:latin typeface="Calibri" panose="020F0502020204030204" pitchFamily="34" charset="0"/>
                   <a:sym typeface="Calibri" panose="020F0502020204030204" pitchFamily="34" charset="0"/>
                 </a:rPr>
-                <a:t>After we crawled the reviews, a python library called </a:t>
+                <a:t>Tf-idf</a:t>
+              </a:r>
+              <a:r>
+                <a:rPr lang="en-US" altLang="zh-CN" sz="3200" b="1" dirty="0">
+                  <a:solidFill>
+                    <a:srgbClr val="17375E"/>
+                  </a:solidFill>
+                  <a:latin typeface="Calibri" panose="020F0502020204030204" pitchFamily="34" charset="0"/>
+                  <a:sym typeface="Calibri" panose="020F0502020204030204" pitchFamily="34" charset="0"/>
+                </a:rPr>
+                <a:t> </a:t>
+              </a:r>
+              <a:r>
+                <a:rPr lang="en-US" altLang="zh-CN" sz="3200" b="1" dirty="0" smtClean="0">
+                  <a:solidFill>
+                    <a:srgbClr val="17375E"/>
+                  </a:solidFill>
+                  <a:latin typeface="Calibri" panose="020F0502020204030204" pitchFamily="34" charset="0"/>
+                  <a:sym typeface="Calibri" panose="020F0502020204030204" pitchFamily="34" charset="0"/>
+                </a:rPr>
+                <a:t>vectorization</a:t>
+              </a:r>
+              <a:r>
+                <a:rPr lang="en-US" altLang="zh-CN" sz="3200" b="1" dirty="0">
+                  <a:solidFill>
+                    <a:srgbClr val="17375E"/>
+                  </a:solidFill>
+                  <a:latin typeface="Calibri" panose="020F0502020204030204" pitchFamily="34" charset="0"/>
+                  <a:sym typeface="Calibri" panose="020F0502020204030204" pitchFamily="34" charset="0"/>
+                </a:rPr>
+                <a:t>: </a:t>
               </a:r>
               <a:r>
                 <a:rPr lang="en-US" altLang="zh-CN" sz="3200" dirty="0" err="1">
@@ -13861,7 +13926,7 @@
                   <a:latin typeface="Calibri" panose="020F0502020204030204" pitchFamily="34" charset="0"/>
                   <a:sym typeface="Calibri" panose="020F0502020204030204" pitchFamily="34" charset="0"/>
                 </a:rPr>
-                <a:t>jieba</a:t>
+                <a:t>Tf-idf</a:t>
               </a:r>
               <a:r>
                 <a:rPr lang="en-US" altLang="zh-CN" sz="3200" dirty="0">
@@ -13871,17 +13936,17 @@
                   <a:latin typeface="Calibri" panose="020F0502020204030204" pitchFamily="34" charset="0"/>
                   <a:sym typeface="Calibri" panose="020F0502020204030204" pitchFamily="34" charset="0"/>
                 </a:rPr>
-                <a:t>, which helps handle Chinese text segmentation, is applied on the data. After the text segmentation, we also remove the stop words from it. The stop words list is downloaded from the internet, and we also edit and add a few stop words according to the reviews situation, such as “</a:t>
+                <a:t> is short for term frequency–inverse document </a:t>
               </a:r>
               <a:r>
-                <a:rPr lang="zh-CN" altLang="en-US" sz="3200" dirty="0">
+                <a:rPr lang="en-US" altLang="zh-CN" sz="3200" dirty="0" smtClean="0">
                   <a:solidFill>
                     <a:srgbClr val="17375E"/>
                   </a:solidFill>
                   <a:latin typeface="Calibri" panose="020F0502020204030204" pitchFamily="34" charset="0"/>
                   <a:sym typeface="Calibri" panose="020F0502020204030204" pitchFamily="34" charset="0"/>
                 </a:rPr>
-                <a:t>哈哈哈</a:t>
+                <a:t>frequency</a:t>
               </a:r>
               <a:r>
                 <a:rPr lang="en-US" altLang="zh-CN" sz="3200" dirty="0">
@@ -13891,10 +13956,156 @@
                   <a:latin typeface="Calibri" panose="020F0502020204030204" pitchFamily="34" charset="0"/>
                   <a:sym typeface="Calibri" panose="020F0502020204030204" pitchFamily="34" charset="0"/>
                 </a:rPr>
-                <a:t>” (Hahaha),</a:t>
+                <a:t>. Term frequency refers to how common does a </a:t>
               </a:r>
               <a:r>
-                <a:rPr lang="zh-CN" altLang="en-US" sz="3200" dirty="0">
+                <a:rPr lang="en-US" altLang="zh-CN" sz="3200" dirty="0" smtClean="0">
+                  <a:solidFill>
+                    <a:srgbClr val="17375E"/>
+                  </a:solidFill>
+                  <a:latin typeface="Calibri" panose="020F0502020204030204" pitchFamily="34" charset="0"/>
+                  <a:sym typeface="Calibri" panose="020F0502020204030204" pitchFamily="34" charset="0"/>
+                </a:rPr>
+                <a:t>word occur </a:t>
+              </a:r>
+              <a:r>
+                <a:rPr lang="en-US" altLang="zh-CN" sz="3200" dirty="0">
+                  <a:solidFill>
+                    <a:srgbClr val="17375E"/>
+                  </a:solidFill>
+                  <a:latin typeface="Calibri" panose="020F0502020204030204" pitchFamily="34" charset="0"/>
+                  <a:sym typeface="Calibri" panose="020F0502020204030204" pitchFamily="34" charset="0"/>
+                </a:rPr>
+                <a:t>in one document, while inverse document </a:t>
+              </a:r>
+              <a:r>
+                <a:rPr lang="en-US" altLang="zh-CN" sz="3200" dirty="0" smtClean="0">
+                  <a:solidFill>
+                    <a:srgbClr val="17375E"/>
+                  </a:solidFill>
+                  <a:latin typeface="Calibri" panose="020F0502020204030204" pitchFamily="34" charset="0"/>
+                  <a:sym typeface="Calibri" panose="020F0502020204030204" pitchFamily="34" charset="0"/>
+                </a:rPr>
+                <a:t>frequency refers </a:t>
+              </a:r>
+              <a:r>
+                <a:rPr lang="en-US" altLang="zh-CN" sz="3200" dirty="0">
+                  <a:solidFill>
+                    <a:srgbClr val="17375E"/>
+                  </a:solidFill>
+                  <a:latin typeface="Calibri" panose="020F0502020204030204" pitchFamily="34" charset="0"/>
+                  <a:sym typeface="Calibri" panose="020F0502020204030204" pitchFamily="34" charset="0"/>
+                </a:rPr>
+                <a:t>to how common does a word occur across a set </a:t>
+              </a:r>
+              <a:r>
+                <a:rPr lang="en-US" altLang="zh-CN" sz="3200" dirty="0" smtClean="0">
+                  <a:solidFill>
+                    <a:srgbClr val="17375E"/>
+                  </a:solidFill>
+                  <a:latin typeface="Calibri" panose="020F0502020204030204" pitchFamily="34" charset="0"/>
+                  <a:sym typeface="Calibri" panose="020F0502020204030204" pitchFamily="34" charset="0"/>
+                </a:rPr>
+                <a:t>of documents</a:t>
+              </a:r>
+              <a:r>
+                <a:rPr lang="en-US" altLang="zh-CN" sz="3200" dirty="0">
+                  <a:solidFill>
+                    <a:srgbClr val="17375E"/>
+                  </a:solidFill>
+                  <a:latin typeface="Calibri" panose="020F0502020204030204" pitchFamily="34" charset="0"/>
+                  <a:sym typeface="Calibri" panose="020F0502020204030204" pitchFamily="34" charset="0"/>
+                </a:rPr>
+                <a:t>. </a:t>
+              </a:r>
+              <a:r>
+                <a:rPr lang="en-US" altLang="zh-CN" sz="3200" dirty="0" smtClean="0">
+                  <a:solidFill>
+                    <a:srgbClr val="17375E"/>
+                  </a:solidFill>
+                  <a:latin typeface="Calibri" panose="020F0502020204030204" pitchFamily="34" charset="0"/>
+                  <a:sym typeface="Calibri" panose="020F0502020204030204" pitchFamily="34" charset="0"/>
+                </a:rPr>
+                <a:t>It’s </a:t>
+              </a:r>
+              <a:r>
+                <a:rPr lang="en-US" altLang="zh-CN" sz="3200" dirty="0">
+                  <a:solidFill>
+                    <a:srgbClr val="17375E"/>
+                  </a:solidFill>
+                  <a:latin typeface="Calibri" panose="020F0502020204030204" pitchFamily="34" charset="0"/>
+                  <a:sym typeface="Calibri" panose="020F0502020204030204" pitchFamily="34" charset="0"/>
+                </a:rPr>
+                <a:t>a statistical </a:t>
+              </a:r>
+              <a:r>
+                <a:rPr lang="en-US" altLang="zh-CN" sz="3200" dirty="0" smtClean="0">
+                  <a:solidFill>
+                    <a:srgbClr val="17375E"/>
+                  </a:solidFill>
+                  <a:latin typeface="Calibri" panose="020F0502020204030204" pitchFamily="34" charset="0"/>
+                  <a:sym typeface="Calibri" panose="020F0502020204030204" pitchFamily="34" charset="0"/>
+                </a:rPr>
+                <a:t>measurement </a:t>
+              </a:r>
+              <a:r>
+                <a:rPr lang="en-US" altLang="zh-CN" sz="3200" dirty="0">
+                  <a:solidFill>
+                    <a:srgbClr val="17375E"/>
+                  </a:solidFill>
+                  <a:latin typeface="Calibri" panose="020F0502020204030204" pitchFamily="34" charset="0"/>
+                  <a:sym typeface="Calibri" panose="020F0502020204030204" pitchFamily="34" charset="0"/>
+                </a:rPr>
+                <a:t>that "</a:t>
+              </a:r>
+              <a:r>
+                <a:rPr lang="en-US" altLang="zh-CN" sz="3200" dirty="0" smtClean="0">
+                  <a:solidFill>
+                    <a:srgbClr val="17375E"/>
+                  </a:solidFill>
+                  <a:latin typeface="Calibri" panose="020F0502020204030204" pitchFamily="34" charset="0"/>
+                  <a:sym typeface="Calibri" panose="020F0502020204030204" pitchFamily="34" charset="0"/>
+                </a:rPr>
+                <a:t>evaluate show </a:t>
+              </a:r>
+              <a:r>
+                <a:rPr lang="en-US" altLang="zh-CN" sz="3200" dirty="0">
+                  <a:solidFill>
+                    <a:srgbClr val="17375E"/>
+                  </a:solidFill>
+                  <a:latin typeface="Calibri" panose="020F0502020204030204" pitchFamily="34" charset="0"/>
+                  <a:sym typeface="Calibri" panose="020F0502020204030204" pitchFamily="34" charset="0"/>
+                </a:rPr>
+                <a:t>relevant a word is to a document in a collection of </a:t>
+              </a:r>
+              <a:r>
+                <a:rPr lang="en-US" altLang="zh-CN" sz="3200" dirty="0" smtClean="0">
+                  <a:solidFill>
+                    <a:srgbClr val="17375E"/>
+                  </a:solidFill>
+                  <a:latin typeface="Calibri" panose="020F0502020204030204" pitchFamily="34" charset="0"/>
+                  <a:sym typeface="Calibri" panose="020F0502020204030204" pitchFamily="34" charset="0"/>
+                </a:rPr>
+                <a:t>documents“.</a:t>
+              </a:r>
+            </a:p>
+            <a:p>
+              <a:pPr marL="457200" indent="-457200" algn="just">
+                <a:buFont typeface="Arial" panose="020B0604020202020204" pitchFamily="34" charset="0"/>
+                <a:buChar char="•"/>
+              </a:pPr>
+              <a:r>
+                <a:rPr lang="en-US" altLang="zh-CN" sz="3200" b="1" dirty="0" err="1">
+                  <a:solidFill>
+                    <a:srgbClr val="17375E"/>
+                  </a:solidFill>
+                  <a:latin typeface="Calibri" panose="020F0502020204030204" pitchFamily="34" charset="0"/>
+                  <a:sym typeface="Calibri" panose="020F0502020204030204" pitchFamily="34" charset="0"/>
+                </a:rPr>
+                <a:t>Sklearn</a:t>
+              </a:r>
+              <a:r>
+                <a:rPr lang="en-US" altLang="zh-CN" sz="3200" b="1" dirty="0">
                   <a:solidFill>
                     <a:srgbClr val="17375E"/>
                   </a:solidFill>
@@ -13904,24 +14115,34 @@
                 <a:t> </a:t>
               </a:r>
               <a:r>
-                <a:rPr lang="en-US" altLang="zh-CN" sz="3200" dirty="0">
+                <a:rPr lang="en-US" altLang="zh-CN" sz="3200" b="1" dirty="0" smtClean="0">
                   <a:solidFill>
                     <a:srgbClr val="17375E"/>
                   </a:solidFill>
                   <a:latin typeface="Calibri" panose="020F0502020204030204" pitchFamily="34" charset="0"/>
                   <a:sym typeface="Calibri" panose="020F0502020204030204" pitchFamily="34" charset="0"/>
                 </a:rPr>
-                <a:t>“</a:t>
+                <a:t>package</a:t>
               </a:r>
               <a:r>
-                <a:rPr lang="zh-CN" altLang="en-US" sz="3200" dirty="0">
+                <a:rPr lang="en-US" altLang="zh-CN" sz="3200" b="1" dirty="0">
                   <a:solidFill>
                     <a:srgbClr val="17375E"/>
                   </a:solidFill>
                   <a:latin typeface="Calibri" panose="020F0502020204030204" pitchFamily="34" charset="0"/>
                   <a:sym typeface="Calibri" panose="020F0502020204030204" pitchFamily="34" charset="0"/>
                 </a:rPr>
-                <a:t>这首</a:t>
+                <a:t>: </a:t>
+              </a:r>
+              <a:r>
+                <a:rPr lang="en-US" altLang="zh-CN" sz="3200" dirty="0" smtClean="0">
+                  <a:solidFill>
+                    <a:srgbClr val="17375E"/>
+                  </a:solidFill>
+                  <a:latin typeface="Calibri" panose="020F0502020204030204" pitchFamily="34" charset="0"/>
+                  <a:sym typeface="Calibri" panose="020F0502020204030204" pitchFamily="34" charset="0"/>
+                </a:rPr>
+                <a:t>The </a:t>
               </a:r>
               <a:r>
                 <a:rPr lang="en-US" altLang="zh-CN" sz="3200" dirty="0">
@@ -13931,17 +14152,17 @@
                   <a:latin typeface="Calibri" panose="020F0502020204030204" pitchFamily="34" charset="0"/>
                   <a:sym typeface="Calibri" panose="020F0502020204030204" pitchFamily="34" charset="0"/>
                 </a:rPr>
-                <a:t>” (this song), “</a:t>
+                <a:t>Linear SVC refers to the linear support vector classification. </a:t>
               </a:r>
               <a:r>
-                <a:rPr lang="zh-CN" altLang="en-US" sz="3200" dirty="0">
+                <a:rPr lang="en-US" altLang="zh-CN" sz="3200" dirty="0" smtClean="0">
                   <a:solidFill>
                     <a:srgbClr val="17375E"/>
                   </a:solidFill>
                   <a:latin typeface="Calibri" panose="020F0502020204030204" pitchFamily="34" charset="0"/>
                   <a:sym typeface="Calibri" panose="020F0502020204030204" pitchFamily="34" charset="0"/>
                 </a:rPr>
-                <a:t>觉得</a:t>
+                <a:t>The </a:t>
               </a:r>
               <a:r>
                 <a:rPr lang="en-US" altLang="zh-CN" sz="3200" dirty="0">
@@ -13951,17 +14172,17 @@
                   <a:latin typeface="Calibri" panose="020F0502020204030204" pitchFamily="34" charset="0"/>
                   <a:sym typeface="Calibri" panose="020F0502020204030204" pitchFamily="34" charset="0"/>
                 </a:rPr>
-                <a:t>” (think),</a:t>
+                <a:t>Regularization </a:t>
               </a:r>
               <a:r>
-                <a:rPr lang="zh-CN" altLang="en-US" sz="3200" dirty="0">
+                <a:rPr lang="en-US" altLang="zh-CN" sz="3200" dirty="0" smtClean="0">
                   <a:solidFill>
                     <a:srgbClr val="17375E"/>
                   </a:solidFill>
                   <a:latin typeface="Calibri" panose="020F0502020204030204" pitchFamily="34" charset="0"/>
                   <a:sym typeface="Calibri" panose="020F0502020204030204" pitchFamily="34" charset="0"/>
                 </a:rPr>
-                <a:t> </a:t>
+                <a:t>parameter tells </a:t>
               </a:r>
               <a:r>
                 <a:rPr lang="en-US" altLang="zh-CN" sz="3200" dirty="0">
@@ -13971,17 +14192,17 @@
                   <a:latin typeface="Calibri" panose="020F0502020204030204" pitchFamily="34" charset="0"/>
                   <a:sym typeface="Calibri" panose="020F0502020204030204" pitchFamily="34" charset="0"/>
                 </a:rPr>
-                <a:t>“</a:t>
+                <a:t>the SVM optimization "how </a:t>
               </a:r>
               <a:r>
-                <a:rPr lang="zh-CN" altLang="en-US" sz="3200" dirty="0">
+                <a:rPr lang="en-US" altLang="zh-CN" sz="3200" dirty="0" smtClean="0">
                   <a:solidFill>
                     <a:srgbClr val="17375E"/>
                   </a:solidFill>
                   <a:latin typeface="Calibri" panose="020F0502020204030204" pitchFamily="34" charset="0"/>
                   <a:sym typeface="Calibri" panose="020F0502020204030204" pitchFamily="34" charset="0"/>
                 </a:rPr>
-                <a:t>评论</a:t>
+                <a:t>much you </a:t>
               </a:r>
               <a:r>
                 <a:rPr lang="en-US" altLang="zh-CN" sz="3200" dirty="0">
@@ -13991,17 +14212,17 @@
                   <a:latin typeface="Calibri" panose="020F0502020204030204" pitchFamily="34" charset="0"/>
                   <a:sym typeface="Calibri" panose="020F0502020204030204" pitchFamily="34" charset="0"/>
                 </a:rPr>
-                <a:t>” (review), which are frequently appeared but are meaningless in expressing the feeling or attitude towards the songs.  For each song, </a:t>
+                <a:t>want to avoid misclassifying each training example". The random forest is composed of a number of </a:t>
               </a:r>
               <a:r>
-                <a:rPr lang="en-US" altLang="zh-CN" sz="3200" dirty="0" err="1">
+                <a:rPr lang="en-US" altLang="zh-CN" sz="3200" dirty="0" smtClean="0">
                   <a:solidFill>
                     <a:srgbClr val="17375E"/>
                   </a:solidFill>
                   <a:latin typeface="Calibri" panose="020F0502020204030204" pitchFamily="34" charset="0"/>
                   <a:sym typeface="Calibri" panose="020F0502020204030204" pitchFamily="34" charset="0"/>
                 </a:rPr>
-                <a:t>tf-idf</a:t>
+                <a:t>decision trees, which takes  </a:t>
               </a:r>
               <a:r>
                 <a:rPr lang="en-US" altLang="zh-CN" sz="3200" dirty="0">
@@ -14011,88 +14232,79 @@
                   <a:latin typeface="Calibri" panose="020F0502020204030204" pitchFamily="34" charset="0"/>
                   <a:sym typeface="Calibri" panose="020F0502020204030204" pitchFamily="34" charset="0"/>
                 </a:rPr>
-                <a:t> is used to extract the most important words in all the reviews and we keep the first 20 of them. In the end, each song is vectorized by a vector of dimension 20. For the users, they’re also vectorized depends on the contents of their playlists or the search history. By measuring the distance between the vector which represents the two users, we are able to provide a soulmate recommendation list for each search.</a:t>
+                <a:t>the  advantage  of  the  wisdom  </a:t>
               </a:r>
+              <a:r>
+                <a:rPr lang="en-US" altLang="zh-CN" sz="3200" dirty="0" smtClean="0">
+                  <a:solidFill>
+                    <a:srgbClr val="17375E"/>
+                  </a:solidFill>
+                  <a:latin typeface="Calibri" panose="020F0502020204030204" pitchFamily="34" charset="0"/>
+                  <a:sym typeface="Calibri" panose="020F0502020204030204" pitchFamily="34" charset="0"/>
+                </a:rPr>
+                <a:t>of crowds</a:t>
+              </a:r>
+              <a:r>
+                <a:rPr lang="en-US" altLang="zh-CN" sz="3200" dirty="0">
+                  <a:solidFill>
+                    <a:srgbClr val="17375E"/>
+                  </a:solidFill>
+                  <a:latin typeface="Calibri" panose="020F0502020204030204" pitchFamily="34" charset="0"/>
+                  <a:sym typeface="Calibri" panose="020F0502020204030204" pitchFamily="34" charset="0"/>
+                </a:rPr>
+                <a:t>. The MLP Classifier </a:t>
+              </a:r>
+              <a:r>
+                <a:rPr lang="en-US" altLang="zh-CN" sz="3200" dirty="0" smtClean="0">
+                  <a:solidFill>
+                    <a:srgbClr val="17375E"/>
+                  </a:solidFill>
+                  <a:latin typeface="Calibri" panose="020F0502020204030204" pitchFamily="34" charset="0"/>
+                  <a:sym typeface="Calibri" panose="020F0502020204030204" pitchFamily="34" charset="0"/>
+                </a:rPr>
+                <a:t>relies </a:t>
+              </a:r>
+              <a:r>
+                <a:rPr lang="en-US" altLang="zh-CN" sz="3200" dirty="0">
+                  <a:solidFill>
+                    <a:srgbClr val="17375E"/>
+                  </a:solidFill>
+                  <a:latin typeface="Calibri" panose="020F0502020204030204" pitchFamily="34" charset="0"/>
+                  <a:sym typeface="Calibri" panose="020F0502020204030204" pitchFamily="34" charset="0"/>
+                </a:rPr>
+                <a:t>on an underlying Neural </a:t>
+              </a:r>
+              <a:r>
+                <a:rPr lang="en-US" altLang="zh-CN" sz="3200" dirty="0" smtClean="0">
+                  <a:solidFill>
+                    <a:srgbClr val="17375E"/>
+                  </a:solidFill>
+                  <a:latin typeface="Calibri" panose="020F0502020204030204" pitchFamily="34" charset="0"/>
+                  <a:sym typeface="Calibri" panose="020F0502020204030204" pitchFamily="34" charset="0"/>
+                </a:rPr>
+                <a:t>Network to </a:t>
+              </a:r>
+              <a:r>
+                <a:rPr lang="en-US" altLang="zh-CN" sz="3200" dirty="0">
+                  <a:solidFill>
+                    <a:srgbClr val="17375E"/>
+                  </a:solidFill>
+                  <a:latin typeface="Calibri" panose="020F0502020204030204" pitchFamily="34" charset="0"/>
+                  <a:sym typeface="Calibri" panose="020F0502020204030204" pitchFamily="34" charset="0"/>
+                </a:rPr>
+                <a:t>perform the task of classification</a:t>
+              </a:r>
+              <a:endParaRPr lang="en-US" altLang="zh-CN" sz="3200" dirty="0">
+                <a:solidFill>
+                  <a:srgbClr val="17375E"/>
+                </a:solidFill>
+                <a:latin typeface="Calibri" panose="020F0502020204030204" pitchFamily="34" charset="0"/>
+                <a:sym typeface="Calibri" panose="020F0502020204030204" pitchFamily="34" charset="0"/>
+              </a:endParaRPr>
             </a:p>
           </p:txBody>
         </p:sp>
       </p:grpSp>
-      <p:sp>
-        <p:nvSpPr>
-          <p:cNvPr id="6" name="文本框 5"/>
-          <p:cNvSpPr txBox="1"/>
-          <p:nvPr/>
-        </p:nvSpPr>
-        <p:spPr>
-          <a:xfrm>
-            <a:off x="9761394" y="24113133"/>
-            <a:ext cx="7920000" cy="5016758"/>
-          </a:xfrm>
-          <a:prstGeom prst="rect">
-            <a:avLst/>
-          </a:prstGeom>
-          <a:noFill/>
-        </p:spPr>
-        <p:txBody>
-          <a:bodyPr wrap="square" rtlCol="0">
-            <a:spAutoFit/>
-          </a:bodyPr>
-          <a:lstStyle/>
-          <a:p>
-            <a:r>
-              <a:rPr lang="en-US" altLang="zh-CN" sz="3200" dirty="0">
-                <a:solidFill>
-                  <a:srgbClr val="17365D"/>
-                </a:solidFill>
-                <a:latin typeface="Calibri" panose="020F0502020204030204" pitchFamily="34" charset="0"/>
-              </a:rPr>
-              <a:t>For UI design part, we use Jinja html template and Flask frame. There are six pages for our project, login, sign up, user homepage, user information page, searching page, and searching result page.</a:t>
-            </a:r>
-          </a:p>
-          <a:p>
-            <a:r>
-              <a:rPr lang="en-US" altLang="zh-CN" sz="3200" dirty="0">
-                <a:solidFill>
-                  <a:srgbClr val="17365D"/>
-                </a:solidFill>
-                <a:latin typeface="Calibri" panose="020F0502020204030204" pitchFamily="34" charset="0"/>
-              </a:rPr>
-              <a:t>‘GET’ and ‘POST’ methods are frequently used. HTML pages request data from DB Browser according to users’ action.</a:t>
-            </a:r>
-            <a:endParaRPr lang="zh-CN" altLang="en-US" sz="3200" dirty="0">
-              <a:solidFill>
-                <a:srgbClr val="17365D"/>
-              </a:solidFill>
-              <a:latin typeface="Calibri" panose="020F0502020204030204" pitchFamily="34" charset="0"/>
-            </a:endParaRPr>
-          </a:p>
-          <a:p>
-            <a:r>
-              <a:rPr lang="en-US" altLang="zh-CN" sz="3200" dirty="0">
-                <a:solidFill>
-                  <a:srgbClr val="17375E"/>
-                </a:solidFill>
-                <a:latin typeface="Calibri" panose="020F0502020204030204" pitchFamily="34" charset="0"/>
-              </a:rPr>
-              <a:t>Here is the structure of our UI design.</a:t>
-            </a:r>
-            <a:endParaRPr lang="zh-CN" altLang="en-US" sz="3200" dirty="0">
-              <a:solidFill>
-                <a:srgbClr val="17375E"/>
-              </a:solidFill>
-              <a:latin typeface="Calibri" panose="020F0502020204030204" pitchFamily="34" charset="0"/>
-            </a:endParaRPr>
-          </a:p>
-          <a:p>
-            <a:endParaRPr lang="zh-CN" altLang="en-US" sz="3200" dirty="0">
-              <a:solidFill>
-                <a:srgbClr val="17365D"/>
-              </a:solidFill>
-              <a:latin typeface="Calibri" panose="020F0502020204030204" pitchFamily="34" charset="0"/>
-            </a:endParaRPr>
-          </a:p>
-        </p:txBody>
-      </p:sp>
       <p:sp>
         <p:nvSpPr>
           <p:cNvPr id="35" name="文本框 34"/>
@@ -14101,7 +14313,7 @@
         </p:nvSpPr>
         <p:spPr>
           <a:xfrm>
-            <a:off x="9761394" y="23465342"/>
+            <a:off x="18502440" y="6103275"/>
             <a:ext cx="7909211" cy="707886"/>
           </a:xfrm>
           <a:prstGeom prst="rect">
@@ -14117,14 +14329,14 @@
           <a:p>
             <a:pPr algn="ctr"/>
             <a:r>
-              <a:rPr lang="en-US" altLang="zh-CN" sz="4000" b="1" u="sng" dirty="0">
+              <a:rPr lang="en-US" altLang="zh-CN" sz="4000" b="1" u="sng" dirty="0" smtClean="0">
                 <a:solidFill>
                   <a:srgbClr val="17375E"/>
                 </a:solidFill>
                 <a:latin typeface="Calibri" panose="020F0502020204030204" pitchFamily="34" charset="0"/>
                 <a:sym typeface="+mn-ea"/>
               </a:rPr>
-              <a:t>UI Design</a:t>
+              <a:t>Validation and Analysis</a:t>
             </a:r>
             <a:endParaRPr lang="en-US" altLang="zh-CN" sz="4000" b="1" u="sng" dirty="0">
               <a:solidFill>
@@ -14135,1667 +14347,6 @@
           </a:p>
         </p:txBody>
       </p:sp>
-      <p:grpSp>
-        <p:nvGrpSpPr>
-          <p:cNvPr id="10" name="组合 9">
-            <a:extLst>
-              <a:ext uri="{FF2B5EF4-FFF2-40B4-BE49-F238E27FC236}">
-                <a16:creationId xmlns:a16="http://schemas.microsoft.com/office/drawing/2014/main" id="{AA58CBFE-6360-4B51-B35D-5F92522EDD1F}"/>
-              </a:ext>
-            </a:extLst>
-          </p:cNvPr>
-          <p:cNvGrpSpPr/>
-          <p:nvPr/>
-        </p:nvGrpSpPr>
-        <p:grpSpPr>
-          <a:xfrm>
-            <a:off x="18640775" y="6264507"/>
-            <a:ext cx="7783380" cy="8939073"/>
-            <a:chOff x="20673166" y="24197129"/>
-            <a:chExt cx="7783380" cy="8939073"/>
-          </a:xfrm>
-        </p:grpSpPr>
-        <p:sp>
-          <p:nvSpPr>
-            <p:cNvPr id="21" name="Shape 92"/>
-            <p:cNvSpPr txBox="1"/>
-            <p:nvPr/>
-          </p:nvSpPr>
-          <p:spPr>
-            <a:xfrm>
-              <a:off x="20844933" y="32036438"/>
-              <a:ext cx="6015566" cy="560229"/>
-            </a:xfrm>
-            <a:prstGeom prst="rect">
-              <a:avLst/>
-            </a:prstGeom>
-            <a:noFill/>
-            <a:ln>
-              <a:noFill/>
-            </a:ln>
-          </p:spPr>
-          <p:txBody>
-            <a:bodyPr wrap="square" lIns="91425" tIns="45700" rIns="91425" bIns="45700" anchor="t" anchorCtr="0">
-              <a:noAutofit/>
-            </a:bodyPr>
-            <a:lstStyle/>
-            <a:p>
-              <a:pPr marL="0" marR="0" lvl="0" indent="0" algn="l" rtl="0">
-                <a:spcBef>
-                  <a:spcPts val="0"/>
-                </a:spcBef>
-                <a:buNone/>
-              </a:pPr>
-              <a:r>
-                <a:rPr lang="en-US" sz="3600" b="1" dirty="0">
-                  <a:solidFill>
-                    <a:schemeClr val="lt1"/>
-                  </a:solidFill>
-                  <a:latin typeface="Calibri"/>
-                  <a:ea typeface="Calibri"/>
-                  <a:cs typeface="Calibri"/>
-                  <a:sym typeface="Calibri"/>
-                </a:rPr>
-                <a:t>Contact:  qminjia@umich.edu</a:t>
-              </a:r>
-            </a:p>
-          </p:txBody>
-        </p:sp>
-        <p:pic>
-          <p:nvPicPr>
-            <p:cNvPr id="13" name="图片 12" descr="图片包含 前, 标志, 屏幕, 电话&#10;&#10;描述已自动生成"/>
-            <p:cNvPicPr>
-              <a:picLocks noChangeAspect="1"/>
-            </p:cNvPicPr>
-            <p:nvPr/>
-          </p:nvPicPr>
-          <p:blipFill rotWithShape="1">
-            <a:blip r:embed="rId8"/>
-            <a:srcRect l="7287" t="22072" r="7630" b="22660"/>
-            <a:stretch>
-              <a:fillRect/>
-            </a:stretch>
-          </p:blipFill>
-          <p:spPr>
-            <a:xfrm>
-              <a:off x="20715910" y="24200672"/>
-              <a:ext cx="3566160" cy="2342423"/>
-            </a:xfrm>
-            <a:prstGeom prst="rect">
-              <a:avLst/>
-            </a:prstGeom>
-          </p:spPr>
-        </p:pic>
-        <p:pic>
-          <p:nvPicPr>
-            <p:cNvPr id="15" name="图片 14" descr="电脑屏幕的截图&#10;&#10;描述已自动生成"/>
-            <p:cNvPicPr>
-              <a:picLocks noChangeAspect="1"/>
-            </p:cNvPicPr>
-            <p:nvPr/>
-          </p:nvPicPr>
-          <p:blipFill>
-            <a:blip r:embed="rId9"/>
-            <a:stretch>
-              <a:fillRect/>
-            </a:stretch>
-          </p:blipFill>
-          <p:spPr>
-            <a:xfrm>
-              <a:off x="24346998" y="24197129"/>
-              <a:ext cx="4107536" cy="4153260"/>
-            </a:xfrm>
-            <a:prstGeom prst="rect">
-              <a:avLst/>
-            </a:prstGeom>
-          </p:spPr>
-        </p:pic>
-        <p:pic>
-          <p:nvPicPr>
-            <p:cNvPr id="17" name="图片 16" descr="电脑萤幕的截图&#10;&#10;描述已自动生成"/>
-            <p:cNvPicPr>
-              <a:picLocks noChangeAspect="1"/>
-            </p:cNvPicPr>
-            <p:nvPr/>
-          </p:nvPicPr>
-          <p:blipFill>
-            <a:blip r:embed="rId10"/>
-            <a:stretch>
-              <a:fillRect/>
-            </a:stretch>
-          </p:blipFill>
-          <p:spPr>
-            <a:xfrm>
-              <a:off x="20715910" y="26872723"/>
-              <a:ext cx="3566160" cy="1477666"/>
-            </a:xfrm>
-            <a:prstGeom prst="rect">
-              <a:avLst/>
-            </a:prstGeom>
-          </p:spPr>
-        </p:pic>
-        <p:sp>
-          <p:nvSpPr>
-            <p:cNvPr id="39" name="文本框 38"/>
-            <p:cNvSpPr txBox="1"/>
-            <p:nvPr/>
-          </p:nvSpPr>
-          <p:spPr>
-            <a:xfrm>
-              <a:off x="21282175" y="26411986"/>
-              <a:ext cx="2382110" cy="461665"/>
-            </a:xfrm>
-            <a:prstGeom prst="rect">
-              <a:avLst/>
-            </a:prstGeom>
-            <a:noFill/>
-          </p:spPr>
-          <p:txBody>
-            <a:bodyPr wrap="square" rtlCol="0">
-              <a:spAutoFit/>
-            </a:bodyPr>
-            <a:lstStyle/>
-            <a:p>
-              <a:r>
-                <a:rPr lang="en-US" altLang="zh-CN" sz="2400" dirty="0">
-                  <a:solidFill>
-                    <a:srgbClr val="17365D"/>
-                  </a:solidFill>
-                  <a:latin typeface="Calibri" panose="020F0502020204030204" pitchFamily="34" charset="0"/>
-                  <a:sym typeface="Calibri" panose="020F0502020204030204" pitchFamily="34" charset="0"/>
-                </a:rPr>
-                <a:t> </a:t>
-              </a:r>
-              <a:r>
-                <a:rPr lang="en-US" altLang="zh-CN" sz="2400" b="1" dirty="0">
-                  <a:solidFill>
-                    <a:srgbClr val="17365D"/>
-                  </a:solidFill>
-                  <a:latin typeface="Calibri" panose="020F0502020204030204" pitchFamily="34" charset="0"/>
-                  <a:sym typeface="Calibri" panose="020F0502020204030204" pitchFamily="34" charset="0"/>
-                </a:rPr>
-                <a:t>Fig 5. </a:t>
-              </a:r>
-              <a:r>
-                <a:rPr lang="en-US" altLang="zh-CN" sz="2400" dirty="0">
-                  <a:solidFill>
-                    <a:srgbClr val="17365D"/>
-                  </a:solidFill>
-                  <a:latin typeface="Calibri" panose="020F0502020204030204" pitchFamily="34" charset="0"/>
-                  <a:sym typeface="Calibri" panose="020F0502020204030204" pitchFamily="34" charset="0"/>
-                </a:rPr>
-                <a:t>Login page.</a:t>
-              </a:r>
-              <a:endParaRPr lang="zh-CN" altLang="en-US" sz="2400" dirty="0"/>
-            </a:p>
-          </p:txBody>
-        </p:sp>
-        <p:sp>
-          <p:nvSpPr>
-            <p:cNvPr id="40" name="文本框 39"/>
-            <p:cNvSpPr txBox="1"/>
-            <p:nvPr/>
-          </p:nvSpPr>
-          <p:spPr>
-            <a:xfrm>
-              <a:off x="24346998" y="28348533"/>
-              <a:ext cx="4107535" cy="461665"/>
-            </a:xfrm>
-            <a:prstGeom prst="rect">
-              <a:avLst/>
-            </a:prstGeom>
-            <a:noFill/>
-          </p:spPr>
-          <p:txBody>
-            <a:bodyPr wrap="square" rtlCol="0">
-              <a:spAutoFit/>
-            </a:bodyPr>
-            <a:lstStyle/>
-            <a:p>
-              <a:pPr algn="ctr"/>
-              <a:r>
-                <a:rPr lang="en-US" altLang="zh-CN" sz="2400" dirty="0">
-                  <a:solidFill>
-                    <a:srgbClr val="17365D"/>
-                  </a:solidFill>
-                  <a:latin typeface="Calibri" panose="020F0502020204030204" pitchFamily="34" charset="0"/>
-                  <a:sym typeface="Calibri" panose="020F0502020204030204" pitchFamily="34" charset="0"/>
-                </a:rPr>
-                <a:t> </a:t>
-              </a:r>
-              <a:r>
-                <a:rPr lang="en-US" altLang="zh-CN" sz="2400" b="1" dirty="0">
-                  <a:solidFill>
-                    <a:srgbClr val="17365D"/>
-                  </a:solidFill>
-                  <a:latin typeface="Calibri" panose="020F0502020204030204" pitchFamily="34" charset="0"/>
-                  <a:sym typeface="Calibri" panose="020F0502020204030204" pitchFamily="34" charset="0"/>
-                </a:rPr>
-                <a:t>Fig 7. </a:t>
-              </a:r>
-              <a:r>
-                <a:rPr lang="en-US" altLang="zh-CN" sz="2400" dirty="0">
-                  <a:solidFill>
-                    <a:srgbClr val="17365D"/>
-                  </a:solidFill>
-                  <a:latin typeface="Calibri" panose="020F0502020204030204" pitchFamily="34" charset="0"/>
-                  <a:sym typeface="Calibri" panose="020F0502020204030204" pitchFamily="34" charset="0"/>
-                </a:rPr>
-                <a:t>Register page.</a:t>
-              </a:r>
-              <a:endParaRPr lang="zh-CN" altLang="en-US" sz="2400" dirty="0"/>
-            </a:p>
-          </p:txBody>
-        </p:sp>
-        <p:sp>
-          <p:nvSpPr>
-            <p:cNvPr id="41" name="文本框 40"/>
-            <p:cNvSpPr txBox="1"/>
-            <p:nvPr/>
-          </p:nvSpPr>
-          <p:spPr>
-            <a:xfrm>
-              <a:off x="20715910" y="28342791"/>
-              <a:ext cx="3566160" cy="461665"/>
-            </a:xfrm>
-            <a:prstGeom prst="rect">
-              <a:avLst/>
-            </a:prstGeom>
-            <a:noFill/>
-          </p:spPr>
-          <p:txBody>
-            <a:bodyPr wrap="square" rtlCol="0">
-              <a:spAutoFit/>
-            </a:bodyPr>
-            <a:lstStyle/>
-            <a:p>
-              <a:pPr algn="ctr"/>
-              <a:r>
-                <a:rPr lang="en-US" altLang="zh-CN" sz="2400" dirty="0">
-                  <a:solidFill>
-                    <a:srgbClr val="17365D"/>
-                  </a:solidFill>
-                  <a:latin typeface="Calibri" panose="020F0502020204030204" pitchFamily="34" charset="0"/>
-                  <a:sym typeface="Calibri" panose="020F0502020204030204" pitchFamily="34" charset="0"/>
-                </a:rPr>
-                <a:t> </a:t>
-              </a:r>
-              <a:r>
-                <a:rPr lang="en-US" altLang="zh-CN" sz="2400" b="1" dirty="0">
-                  <a:solidFill>
-                    <a:srgbClr val="17365D"/>
-                  </a:solidFill>
-                  <a:latin typeface="Calibri" panose="020F0502020204030204" pitchFamily="34" charset="0"/>
-                  <a:sym typeface="Calibri" panose="020F0502020204030204" pitchFamily="34" charset="0"/>
-                </a:rPr>
-                <a:t>Fig 6. </a:t>
-              </a:r>
-              <a:r>
-                <a:rPr lang="en-US" altLang="zh-CN" sz="2400" dirty="0">
-                  <a:solidFill>
-                    <a:srgbClr val="17365D"/>
-                  </a:solidFill>
-                  <a:latin typeface="Calibri" panose="020F0502020204030204" pitchFamily="34" charset="0"/>
-                  <a:sym typeface="Calibri" panose="020F0502020204030204" pitchFamily="34" charset="0"/>
-                </a:rPr>
-                <a:t>User homepage.</a:t>
-              </a:r>
-              <a:endParaRPr lang="zh-CN" altLang="en-US" sz="2400" dirty="0"/>
-            </a:p>
-          </p:txBody>
-        </p:sp>
-        <p:pic>
-          <p:nvPicPr>
-            <p:cNvPr id="19" name="图片 18" descr="图片包含 游戏机, 文字, 地图&#10;&#10;描述已自动生成"/>
-            <p:cNvPicPr>
-              <a:picLocks noChangeAspect="1"/>
-            </p:cNvPicPr>
-            <p:nvPr/>
-          </p:nvPicPr>
-          <p:blipFill>
-            <a:blip r:embed="rId11"/>
-            <a:stretch>
-              <a:fillRect/>
-            </a:stretch>
-          </p:blipFill>
-          <p:spPr>
-            <a:xfrm>
-              <a:off x="20717922" y="28789946"/>
-              <a:ext cx="2429565" cy="1706450"/>
-            </a:xfrm>
-            <a:prstGeom prst="rect">
-              <a:avLst/>
-            </a:prstGeom>
-          </p:spPr>
-        </p:pic>
-        <p:pic>
-          <p:nvPicPr>
-            <p:cNvPr id="20" name="图片 19"/>
-            <p:cNvPicPr>
-              <a:picLocks noChangeAspect="1"/>
-            </p:cNvPicPr>
-            <p:nvPr/>
-          </p:nvPicPr>
-          <p:blipFill>
-            <a:blip r:embed="rId12"/>
-            <a:stretch>
-              <a:fillRect/>
-            </a:stretch>
-          </p:blipFill>
-          <p:spPr>
-            <a:xfrm>
-              <a:off x="23272230" y="28789946"/>
-              <a:ext cx="5184316" cy="1706450"/>
-            </a:xfrm>
-            <a:prstGeom prst="rect">
-              <a:avLst/>
-            </a:prstGeom>
-          </p:spPr>
-        </p:pic>
-        <p:sp>
-          <p:nvSpPr>
-            <p:cNvPr id="46" name="文本框 45"/>
-            <p:cNvSpPr txBox="1"/>
-            <p:nvPr/>
-          </p:nvSpPr>
-          <p:spPr>
-            <a:xfrm>
-              <a:off x="20673166" y="30519239"/>
-              <a:ext cx="2534136" cy="461665"/>
-            </a:xfrm>
-            <a:prstGeom prst="rect">
-              <a:avLst/>
-            </a:prstGeom>
-            <a:noFill/>
-          </p:spPr>
-          <p:txBody>
-            <a:bodyPr wrap="square" rtlCol="0">
-              <a:spAutoFit/>
-            </a:bodyPr>
-            <a:lstStyle/>
-            <a:p>
-              <a:r>
-                <a:rPr lang="en-US" altLang="zh-CN" sz="2400" dirty="0">
-                  <a:solidFill>
-                    <a:srgbClr val="17365D"/>
-                  </a:solidFill>
-                  <a:latin typeface="Calibri" panose="020F0502020204030204" pitchFamily="34" charset="0"/>
-                  <a:sym typeface="Calibri" panose="020F0502020204030204" pitchFamily="34" charset="0"/>
-                </a:rPr>
-                <a:t> </a:t>
-              </a:r>
-              <a:r>
-                <a:rPr lang="en-US" altLang="zh-CN" sz="2400" b="1" dirty="0">
-                  <a:solidFill>
-                    <a:srgbClr val="17365D"/>
-                  </a:solidFill>
-                  <a:latin typeface="Calibri" panose="020F0502020204030204" pitchFamily="34" charset="0"/>
-                  <a:sym typeface="Calibri" panose="020F0502020204030204" pitchFamily="34" charset="0"/>
-                </a:rPr>
-                <a:t>Fig 8. </a:t>
-              </a:r>
-              <a:r>
-                <a:rPr lang="en-US" altLang="zh-CN" sz="2400" dirty="0">
-                  <a:solidFill>
-                    <a:srgbClr val="17365D"/>
-                  </a:solidFill>
-                  <a:latin typeface="Calibri" panose="020F0502020204030204" pitchFamily="34" charset="0"/>
-                  <a:sym typeface="Calibri" panose="020F0502020204030204" pitchFamily="34" charset="0"/>
-                </a:rPr>
-                <a:t>Search page.</a:t>
-              </a:r>
-              <a:endParaRPr lang="zh-CN" altLang="en-US" sz="2400" dirty="0"/>
-            </a:p>
-          </p:txBody>
-        </p:sp>
-        <p:sp>
-          <p:nvSpPr>
-            <p:cNvPr id="47" name="文本框 46"/>
-            <p:cNvSpPr txBox="1"/>
-            <p:nvPr/>
-          </p:nvSpPr>
-          <p:spPr>
-            <a:xfrm>
-              <a:off x="23272229" y="30496396"/>
-              <a:ext cx="5184316" cy="461665"/>
-            </a:xfrm>
-            <a:prstGeom prst="rect">
-              <a:avLst/>
-            </a:prstGeom>
-            <a:noFill/>
-          </p:spPr>
-          <p:txBody>
-            <a:bodyPr wrap="square" rtlCol="0">
-              <a:spAutoFit/>
-            </a:bodyPr>
-            <a:lstStyle/>
-            <a:p>
-              <a:pPr algn="ctr"/>
-              <a:r>
-                <a:rPr lang="en-US" altLang="zh-CN" sz="2400" dirty="0">
-                  <a:solidFill>
-                    <a:srgbClr val="17365D"/>
-                  </a:solidFill>
-                  <a:latin typeface="Calibri" panose="020F0502020204030204" pitchFamily="34" charset="0"/>
-                  <a:sym typeface="Calibri" panose="020F0502020204030204" pitchFamily="34" charset="0"/>
-                </a:rPr>
-                <a:t> </a:t>
-              </a:r>
-              <a:r>
-                <a:rPr lang="en-US" altLang="zh-CN" sz="2400" b="1" dirty="0">
-                  <a:solidFill>
-                    <a:srgbClr val="17365D"/>
-                  </a:solidFill>
-                  <a:latin typeface="Calibri" panose="020F0502020204030204" pitchFamily="34" charset="0"/>
-                  <a:sym typeface="Calibri" panose="020F0502020204030204" pitchFamily="34" charset="0"/>
-                </a:rPr>
-                <a:t>Fig 9. </a:t>
-              </a:r>
-              <a:r>
-                <a:rPr lang="en-US" altLang="zh-CN" sz="2400" dirty="0">
-                  <a:solidFill>
-                    <a:srgbClr val="17365D"/>
-                  </a:solidFill>
-                  <a:latin typeface="Calibri" panose="020F0502020204030204" pitchFamily="34" charset="0"/>
-                  <a:sym typeface="Calibri" panose="020F0502020204030204" pitchFamily="34" charset="0"/>
-                </a:rPr>
-                <a:t>Result ranking page.</a:t>
-              </a:r>
-              <a:endParaRPr lang="zh-CN" altLang="en-US" sz="2400" dirty="0"/>
-            </a:p>
-          </p:txBody>
-        </p:sp>
-        <p:pic>
-          <p:nvPicPr>
-            <p:cNvPr id="23" name="图片 22" descr="卡通人物&#10;&#10;描述已自动生成"/>
-            <p:cNvPicPr>
-              <a:picLocks noChangeAspect="1"/>
-            </p:cNvPicPr>
-            <p:nvPr/>
-          </p:nvPicPr>
-          <p:blipFill>
-            <a:blip r:embed="rId13"/>
-            <a:stretch>
-              <a:fillRect/>
-            </a:stretch>
-          </p:blipFill>
-          <p:spPr>
-            <a:xfrm>
-              <a:off x="21543264" y="30942954"/>
-              <a:ext cx="6043184" cy="1729890"/>
-            </a:xfrm>
-            <a:prstGeom prst="rect">
-              <a:avLst/>
-            </a:prstGeom>
-          </p:spPr>
-        </p:pic>
-        <p:sp>
-          <p:nvSpPr>
-            <p:cNvPr id="50" name="文本框 49"/>
-            <p:cNvSpPr txBox="1"/>
-            <p:nvPr/>
-          </p:nvSpPr>
-          <p:spPr>
-            <a:xfrm>
-              <a:off x="21543264" y="32674537"/>
-              <a:ext cx="6043184" cy="461665"/>
-            </a:xfrm>
-            <a:prstGeom prst="rect">
-              <a:avLst/>
-            </a:prstGeom>
-            <a:noFill/>
-          </p:spPr>
-          <p:txBody>
-            <a:bodyPr wrap="square" rtlCol="0">
-              <a:spAutoFit/>
-            </a:bodyPr>
-            <a:lstStyle/>
-            <a:p>
-              <a:pPr algn="ctr"/>
-              <a:r>
-                <a:rPr lang="en-US" altLang="zh-CN" sz="2400" dirty="0">
-                  <a:solidFill>
-                    <a:srgbClr val="17365D"/>
-                  </a:solidFill>
-                  <a:latin typeface="Calibri" panose="020F0502020204030204" pitchFamily="34" charset="0"/>
-                  <a:sym typeface="Calibri" panose="020F0502020204030204" pitchFamily="34" charset="0"/>
-                </a:rPr>
-                <a:t> </a:t>
-              </a:r>
-              <a:r>
-                <a:rPr lang="en-US" altLang="zh-CN" sz="2400" b="1" dirty="0">
-                  <a:solidFill>
-                    <a:srgbClr val="17365D"/>
-                  </a:solidFill>
-                  <a:latin typeface="Calibri" panose="020F0502020204030204" pitchFamily="34" charset="0"/>
-                  <a:sym typeface="Calibri" panose="020F0502020204030204" pitchFamily="34" charset="0"/>
-                </a:rPr>
-                <a:t>Fig 10. </a:t>
-              </a:r>
-              <a:r>
-                <a:rPr lang="en-US" altLang="zh-CN" sz="2400" dirty="0">
-                  <a:solidFill>
-                    <a:srgbClr val="17365D"/>
-                  </a:solidFill>
-                  <a:latin typeface="Calibri" panose="020F0502020204030204" pitchFamily="34" charset="0"/>
-                  <a:sym typeface="Calibri" panose="020F0502020204030204" pitchFamily="34" charset="0"/>
-                </a:rPr>
-                <a:t>User information page.</a:t>
-              </a:r>
-              <a:endParaRPr lang="zh-CN" altLang="en-US" sz="2400" dirty="0"/>
-            </a:p>
-          </p:txBody>
-        </p:sp>
-      </p:grpSp>
-      <p:grpSp>
-        <p:nvGrpSpPr>
-          <p:cNvPr id="12" name="组合 11">
-            <a:extLst>
-              <a:ext uri="{FF2B5EF4-FFF2-40B4-BE49-F238E27FC236}">
-                <a16:creationId xmlns:a16="http://schemas.microsoft.com/office/drawing/2014/main" id="{A4D9A507-2551-4B72-AA52-F0E3AE4AE661}"/>
-              </a:ext>
-            </a:extLst>
-          </p:cNvPr>
-          <p:cNvGrpSpPr/>
-          <p:nvPr/>
-        </p:nvGrpSpPr>
-        <p:grpSpPr>
-          <a:xfrm>
-            <a:off x="9565453" y="28651860"/>
-            <a:ext cx="7909210" cy="2597001"/>
-            <a:chOff x="18571376" y="7850100"/>
-            <a:chExt cx="7909210" cy="2597001"/>
-          </a:xfrm>
-        </p:grpSpPr>
-        <p:grpSp>
-          <p:nvGrpSpPr>
-            <p:cNvPr id="83" name="组合 82"/>
-            <p:cNvGrpSpPr/>
-            <p:nvPr/>
-          </p:nvGrpSpPr>
-          <p:grpSpPr>
-            <a:xfrm>
-              <a:off x="18937074" y="7850100"/>
-              <a:ext cx="7325756" cy="2009625"/>
-              <a:chOff x="18843547" y="7880779"/>
-              <a:chExt cx="7325756" cy="2009625"/>
-            </a:xfrm>
-          </p:grpSpPr>
-          <p:grpSp>
-            <p:nvGrpSpPr>
-              <p:cNvPr id="44" name="组合 43"/>
-              <p:cNvGrpSpPr/>
-              <p:nvPr/>
-            </p:nvGrpSpPr>
-            <p:grpSpPr>
-              <a:xfrm>
-                <a:off x="18843547" y="8655028"/>
-                <a:ext cx="663653" cy="424669"/>
-                <a:chOff x="18843547" y="8655028"/>
-                <a:chExt cx="663653" cy="424669"/>
-              </a:xfrm>
-            </p:grpSpPr>
-            <p:sp>
-              <p:nvSpPr>
-                <p:cNvPr id="43" name="矩形: 圆角 42"/>
-                <p:cNvSpPr/>
-                <p:nvPr/>
-              </p:nvSpPr>
-              <p:spPr>
-                <a:xfrm>
-                  <a:off x="18843547" y="8655028"/>
-                  <a:ext cx="663653" cy="424669"/>
-                </a:xfrm>
-                <a:prstGeom prst="roundRect">
-                  <a:avLst/>
-                </a:prstGeom>
-                <a:solidFill>
-                  <a:schemeClr val="accent6">
-                    <a:lumMod val="20000"/>
-                    <a:lumOff val="80000"/>
-                  </a:schemeClr>
-                </a:solidFill>
-                <a:ln>
-                  <a:solidFill>
-                    <a:schemeClr val="accent6">
-                      <a:lumMod val="60000"/>
-                      <a:lumOff val="40000"/>
-                    </a:schemeClr>
-                  </a:solidFill>
-                </a:ln>
-              </p:spPr>
-              <p:style>
-                <a:lnRef idx="2">
-                  <a:schemeClr val="accent1">
-                    <a:shade val="50000"/>
-                  </a:schemeClr>
-                </a:lnRef>
-                <a:fillRef idx="1">
-                  <a:schemeClr val="accent1"/>
-                </a:fillRef>
-                <a:effectRef idx="0">
-                  <a:schemeClr val="accent1"/>
-                </a:effectRef>
-                <a:fontRef idx="minor">
-                  <a:schemeClr val="lt1"/>
-                </a:fontRef>
-              </p:style>
-              <p:txBody>
-                <a:bodyPr rtlCol="0" anchor="ctr"/>
-                <a:lstStyle/>
-                <a:p>
-                  <a:pPr algn="ctr"/>
-                  <a:endParaRPr lang="zh-CN" altLang="en-US"/>
-                </a:p>
-              </p:txBody>
-            </p:sp>
-            <p:sp>
-              <p:nvSpPr>
-                <p:cNvPr id="38" name="文本框 37"/>
-                <p:cNvSpPr txBox="1"/>
-                <p:nvPr/>
-              </p:nvSpPr>
-              <p:spPr>
-                <a:xfrm>
-                  <a:off x="18880123" y="8713473"/>
-                  <a:ext cx="586904" cy="307777"/>
-                </a:xfrm>
-                <a:prstGeom prst="rect">
-                  <a:avLst/>
-                </a:prstGeom>
-                <a:noFill/>
-              </p:spPr>
-              <p:txBody>
-                <a:bodyPr wrap="square" rtlCol="0">
-                  <a:spAutoFit/>
-                </a:bodyPr>
-                <a:lstStyle/>
-                <a:p>
-                  <a:r>
-                    <a:rPr lang="en-US" altLang="zh-CN" dirty="0"/>
-                    <a:t>User</a:t>
-                  </a:r>
-                  <a:endParaRPr lang="zh-CN" altLang="en-US" dirty="0"/>
-                </a:p>
-              </p:txBody>
-            </p:sp>
-          </p:grpSp>
-          <p:grpSp>
-            <p:nvGrpSpPr>
-              <p:cNvPr id="52" name="组合 51"/>
-              <p:cNvGrpSpPr/>
-              <p:nvPr/>
-            </p:nvGrpSpPr>
-            <p:grpSpPr>
-              <a:xfrm>
-                <a:off x="19286692" y="8089392"/>
-                <a:ext cx="1134796" cy="710782"/>
-                <a:chOff x="19286692" y="8089392"/>
-                <a:chExt cx="1134796" cy="710782"/>
-              </a:xfrm>
-            </p:grpSpPr>
-            <p:cxnSp>
-              <p:nvCxnSpPr>
-                <p:cNvPr id="49" name="直接箭头连接符 48"/>
-                <p:cNvCxnSpPr/>
-                <p:nvPr/>
-              </p:nvCxnSpPr>
-              <p:spPr>
-                <a:xfrm flipV="1">
-                  <a:off x="19635216" y="8089392"/>
-                  <a:ext cx="710782" cy="710782"/>
-                </a:xfrm>
-                <a:prstGeom prst="straightConnector1">
-                  <a:avLst/>
-                </a:prstGeom>
-                <a:ln>
-                  <a:solidFill>
-                    <a:schemeClr val="bg2">
-                      <a:lumMod val="75000"/>
-                    </a:schemeClr>
-                  </a:solidFill>
-                  <a:tailEnd type="triangle"/>
-                </a:ln>
-              </p:spPr>
-              <p:style>
-                <a:lnRef idx="1">
-                  <a:schemeClr val="accent1"/>
-                </a:lnRef>
-                <a:fillRef idx="0">
-                  <a:schemeClr val="accent1"/>
-                </a:fillRef>
-                <a:effectRef idx="0">
-                  <a:schemeClr val="accent1"/>
-                </a:effectRef>
-                <a:fontRef idx="minor">
-                  <a:schemeClr val="tx1"/>
-                </a:fontRef>
-              </p:style>
-            </p:cxnSp>
-            <p:sp>
-              <p:nvSpPr>
-                <p:cNvPr id="51" name="文本框 50"/>
-                <p:cNvSpPr txBox="1"/>
-                <p:nvPr/>
-              </p:nvSpPr>
-              <p:spPr>
-                <a:xfrm rot="18900000">
-                  <a:off x="19286692" y="8229718"/>
-                  <a:ext cx="1134796" cy="276999"/>
-                </a:xfrm>
-                <a:prstGeom prst="rect">
-                  <a:avLst/>
-                </a:prstGeom>
-                <a:noFill/>
-              </p:spPr>
-              <p:txBody>
-                <a:bodyPr wrap="square" rtlCol="0">
-                  <a:spAutoFit/>
-                </a:bodyPr>
-                <a:lstStyle/>
-                <a:p>
-                  <a:pPr algn="ctr"/>
-                  <a:r>
-                    <a:rPr lang="en-US" altLang="zh-CN" sz="1200" dirty="0"/>
-                    <a:t>Request page</a:t>
-                  </a:r>
-                  <a:endParaRPr lang="zh-CN" altLang="en-US" sz="1200" dirty="0"/>
-                </a:p>
-              </p:txBody>
-            </p:sp>
-          </p:grpSp>
-          <p:grpSp>
-            <p:nvGrpSpPr>
-              <p:cNvPr id="61" name="组合 60"/>
-              <p:cNvGrpSpPr/>
-              <p:nvPr/>
-            </p:nvGrpSpPr>
-            <p:grpSpPr>
-              <a:xfrm rot="5400000">
-                <a:off x="19408350" y="8860282"/>
-                <a:ext cx="1134796" cy="710782"/>
-                <a:chOff x="19286692" y="8089392"/>
-                <a:chExt cx="1134796" cy="710782"/>
-              </a:xfrm>
-            </p:grpSpPr>
-            <p:cxnSp>
-              <p:nvCxnSpPr>
-                <p:cNvPr id="62" name="直接箭头连接符 61"/>
-                <p:cNvCxnSpPr/>
-                <p:nvPr/>
-              </p:nvCxnSpPr>
-              <p:spPr>
-                <a:xfrm flipV="1">
-                  <a:off x="19635216" y="8089392"/>
-                  <a:ext cx="710782" cy="710782"/>
-                </a:xfrm>
-                <a:prstGeom prst="straightConnector1">
-                  <a:avLst/>
-                </a:prstGeom>
-                <a:ln>
-                  <a:solidFill>
-                    <a:schemeClr val="bg2">
-                      <a:lumMod val="75000"/>
-                    </a:schemeClr>
-                  </a:solidFill>
-                  <a:tailEnd type="triangle"/>
-                </a:ln>
-              </p:spPr>
-              <p:style>
-                <a:lnRef idx="1">
-                  <a:schemeClr val="accent1"/>
-                </a:lnRef>
-                <a:fillRef idx="0">
-                  <a:schemeClr val="accent1"/>
-                </a:fillRef>
-                <a:effectRef idx="0">
-                  <a:schemeClr val="accent1"/>
-                </a:effectRef>
-                <a:fontRef idx="minor">
-                  <a:schemeClr val="tx1"/>
-                </a:fontRef>
-              </p:style>
-            </p:cxnSp>
-            <p:sp>
-              <p:nvSpPr>
-                <p:cNvPr id="63" name="文本框 62"/>
-                <p:cNvSpPr txBox="1"/>
-                <p:nvPr/>
-              </p:nvSpPr>
-              <p:spPr>
-                <a:xfrm rot="18900000">
-                  <a:off x="19286692" y="8229718"/>
-                  <a:ext cx="1134796" cy="276999"/>
-                </a:xfrm>
-                <a:prstGeom prst="rect">
-                  <a:avLst/>
-                </a:prstGeom>
-                <a:noFill/>
-              </p:spPr>
-              <p:txBody>
-                <a:bodyPr wrap="square" rtlCol="0">
-                  <a:spAutoFit/>
-                </a:bodyPr>
-                <a:lstStyle/>
-                <a:p>
-                  <a:pPr algn="ctr"/>
-                  <a:r>
-                    <a:rPr lang="en-US" altLang="zh-CN" sz="1200" dirty="0"/>
-                    <a:t>Submit data</a:t>
-                  </a:r>
-                  <a:endParaRPr lang="zh-CN" altLang="en-US" sz="1200" dirty="0"/>
-                </a:p>
-              </p:txBody>
-            </p:sp>
-          </p:grpSp>
-          <p:sp>
-            <p:nvSpPr>
-              <p:cNvPr id="53" name="矩形: 圆角 52"/>
-              <p:cNvSpPr/>
-              <p:nvPr/>
-            </p:nvSpPr>
-            <p:spPr>
-              <a:xfrm>
-                <a:off x="20637507" y="7920226"/>
-                <a:ext cx="1369370" cy="1952033"/>
-              </a:xfrm>
-              <a:prstGeom prst="roundRect">
-                <a:avLst/>
-              </a:prstGeom>
-              <a:solidFill>
-                <a:schemeClr val="accent4">
-                  <a:lumMod val="40000"/>
-                  <a:lumOff val="60000"/>
-                </a:schemeClr>
-              </a:solidFill>
-              <a:ln>
-                <a:solidFill>
-                  <a:schemeClr val="accent4">
-                    <a:lumMod val="75000"/>
-                  </a:schemeClr>
-                </a:solidFill>
-              </a:ln>
-            </p:spPr>
-            <p:style>
-              <a:lnRef idx="2">
-                <a:schemeClr val="accent1">
-                  <a:shade val="50000"/>
-                </a:schemeClr>
-              </a:lnRef>
-              <a:fillRef idx="1">
-                <a:schemeClr val="accent1"/>
-              </a:fillRef>
-              <a:effectRef idx="0">
-                <a:schemeClr val="accent1"/>
-              </a:effectRef>
-              <a:fontRef idx="minor">
-                <a:schemeClr val="lt1"/>
-              </a:fontRef>
-            </p:style>
-            <p:txBody>
-              <a:bodyPr rtlCol="0" anchor="ctr"/>
-              <a:lstStyle/>
-              <a:p>
-                <a:pPr algn="ctr"/>
-                <a:endParaRPr lang="zh-CN" altLang="en-US"/>
-              </a:p>
-            </p:txBody>
-          </p:sp>
-          <p:sp>
-            <p:nvSpPr>
-              <p:cNvPr id="54" name="文本框 53"/>
-              <p:cNvSpPr txBox="1"/>
-              <p:nvPr/>
-            </p:nvSpPr>
-            <p:spPr>
-              <a:xfrm>
-                <a:off x="20665789" y="8622035"/>
-                <a:ext cx="1420368" cy="307777"/>
-              </a:xfrm>
-              <a:prstGeom prst="rect">
-                <a:avLst/>
-              </a:prstGeom>
-              <a:noFill/>
-            </p:spPr>
-            <p:txBody>
-              <a:bodyPr wrap="square" rtlCol="0">
-                <a:spAutoFit/>
-              </a:bodyPr>
-              <a:lstStyle/>
-              <a:p>
-                <a:pPr algn="ctr"/>
-                <a:r>
-                  <a:rPr lang="en-US" altLang="zh-CN" dirty="0"/>
-                  <a:t>Flask frame</a:t>
-                </a:r>
-                <a:endParaRPr lang="zh-CN" altLang="en-US" dirty="0"/>
-              </a:p>
-            </p:txBody>
-          </p:sp>
-          <p:sp>
-            <p:nvSpPr>
-              <p:cNvPr id="55" name="箭头: 右 54"/>
-              <p:cNvSpPr/>
-              <p:nvPr/>
-            </p:nvSpPr>
-            <p:spPr>
-              <a:xfrm>
-                <a:off x="20561995" y="7880779"/>
-                <a:ext cx="1511808" cy="474662"/>
-              </a:xfrm>
-              <a:prstGeom prst="rightArrow">
-                <a:avLst/>
-              </a:prstGeom>
-              <a:solidFill>
-                <a:schemeClr val="accent3">
-                  <a:lumMod val="60000"/>
-                  <a:lumOff val="40000"/>
-                </a:schemeClr>
-              </a:solidFill>
-              <a:ln>
-                <a:solidFill>
-                  <a:schemeClr val="accent3">
-                    <a:lumMod val="75000"/>
-                  </a:schemeClr>
-                </a:solidFill>
-              </a:ln>
-            </p:spPr>
-            <p:style>
-              <a:lnRef idx="2">
-                <a:schemeClr val="accent1">
-                  <a:shade val="50000"/>
-                </a:schemeClr>
-              </a:lnRef>
-              <a:fillRef idx="1">
-                <a:schemeClr val="accent1"/>
-              </a:fillRef>
-              <a:effectRef idx="0">
-                <a:schemeClr val="accent1"/>
-              </a:effectRef>
-              <a:fontRef idx="minor">
-                <a:schemeClr val="lt1"/>
-              </a:fontRef>
-            </p:style>
-            <p:txBody>
-              <a:bodyPr rtlCol="0" anchor="ctr"/>
-              <a:lstStyle/>
-              <a:p>
-                <a:pPr algn="ctr"/>
-                <a:endParaRPr lang="zh-CN" altLang="en-US"/>
-              </a:p>
-            </p:txBody>
-          </p:sp>
-          <p:sp>
-            <p:nvSpPr>
-              <p:cNvPr id="67" name="箭头: 右 66"/>
-              <p:cNvSpPr/>
-              <p:nvPr/>
-            </p:nvSpPr>
-            <p:spPr>
-              <a:xfrm>
-                <a:off x="20551459" y="9397597"/>
-                <a:ext cx="1511808" cy="474662"/>
-              </a:xfrm>
-              <a:prstGeom prst="rightArrow">
-                <a:avLst/>
-              </a:prstGeom>
-              <a:solidFill>
-                <a:schemeClr val="accent3">
-                  <a:lumMod val="60000"/>
-                  <a:lumOff val="40000"/>
-                </a:schemeClr>
-              </a:solidFill>
-              <a:ln>
-                <a:solidFill>
-                  <a:schemeClr val="accent3">
-                    <a:lumMod val="75000"/>
-                  </a:schemeClr>
-                </a:solidFill>
-              </a:ln>
-            </p:spPr>
-            <p:style>
-              <a:lnRef idx="2">
-                <a:schemeClr val="accent1">
-                  <a:shade val="50000"/>
-                </a:schemeClr>
-              </a:lnRef>
-              <a:fillRef idx="1">
-                <a:schemeClr val="accent1"/>
-              </a:fillRef>
-              <a:effectRef idx="0">
-                <a:schemeClr val="accent1"/>
-              </a:effectRef>
-              <a:fontRef idx="minor">
-                <a:schemeClr val="lt1"/>
-              </a:fontRef>
-            </p:style>
-            <p:txBody>
-              <a:bodyPr rtlCol="0" anchor="ctr"/>
-              <a:lstStyle/>
-              <a:p>
-                <a:pPr algn="ctr"/>
-                <a:endParaRPr lang="zh-CN" altLang="en-US"/>
-              </a:p>
-            </p:txBody>
-          </p:sp>
-          <p:sp>
-            <p:nvSpPr>
-              <p:cNvPr id="68" name="文本框 67"/>
-              <p:cNvSpPr txBox="1"/>
-              <p:nvPr/>
-            </p:nvSpPr>
-            <p:spPr>
-              <a:xfrm>
-                <a:off x="20554758" y="7959168"/>
-                <a:ext cx="1420368" cy="307777"/>
-              </a:xfrm>
-              <a:prstGeom prst="rect">
-                <a:avLst/>
-              </a:prstGeom>
-              <a:noFill/>
-            </p:spPr>
-            <p:txBody>
-              <a:bodyPr wrap="square" rtlCol="0">
-                <a:spAutoFit/>
-              </a:bodyPr>
-              <a:lstStyle/>
-              <a:p>
-                <a:pPr algn="ctr"/>
-                <a:r>
-                  <a:rPr lang="en-US" altLang="zh-CN" dirty="0"/>
-                  <a:t>GET</a:t>
-                </a:r>
-                <a:endParaRPr lang="zh-CN" altLang="en-US" dirty="0"/>
-              </a:p>
-            </p:txBody>
-          </p:sp>
-          <p:sp>
-            <p:nvSpPr>
-              <p:cNvPr id="69" name="文本框 68"/>
-              <p:cNvSpPr txBox="1"/>
-              <p:nvPr/>
-            </p:nvSpPr>
-            <p:spPr>
-              <a:xfrm>
-                <a:off x="20551459" y="9485233"/>
-                <a:ext cx="1420368" cy="307777"/>
-              </a:xfrm>
-              <a:prstGeom prst="rect">
-                <a:avLst/>
-              </a:prstGeom>
-              <a:noFill/>
-            </p:spPr>
-            <p:txBody>
-              <a:bodyPr wrap="square" rtlCol="0">
-                <a:spAutoFit/>
-              </a:bodyPr>
-              <a:lstStyle/>
-              <a:p>
-                <a:pPr algn="ctr"/>
-                <a:r>
-                  <a:rPr lang="en-US" altLang="zh-CN" dirty="0"/>
-                  <a:t>POST</a:t>
-                </a:r>
-                <a:endParaRPr lang="zh-CN" altLang="en-US" dirty="0"/>
-              </a:p>
-            </p:txBody>
-          </p:sp>
-          <p:grpSp>
-            <p:nvGrpSpPr>
-              <p:cNvPr id="70" name="组合 69"/>
-              <p:cNvGrpSpPr/>
-              <p:nvPr/>
-            </p:nvGrpSpPr>
-            <p:grpSpPr>
-              <a:xfrm>
-                <a:off x="24369495" y="7911661"/>
-                <a:ext cx="1799808" cy="967062"/>
-                <a:chOff x="23004816" y="7820188"/>
-                <a:chExt cx="1799808" cy="967062"/>
-              </a:xfrm>
-            </p:grpSpPr>
-            <p:sp>
-              <p:nvSpPr>
-                <p:cNvPr id="58" name="矩形 57"/>
-                <p:cNvSpPr/>
-                <p:nvPr/>
-              </p:nvSpPr>
-              <p:spPr>
-                <a:xfrm>
-                  <a:off x="23170896" y="7920226"/>
-                  <a:ext cx="1633728" cy="867024"/>
-                </a:xfrm>
-                <a:prstGeom prst="rect">
-                  <a:avLst/>
-                </a:prstGeom>
-                <a:solidFill>
-                  <a:srgbClr val="FFFF99"/>
-                </a:solidFill>
-                <a:ln>
-                  <a:solidFill>
-                    <a:srgbClr val="FF9900"/>
-                  </a:solidFill>
-                </a:ln>
-              </p:spPr>
-              <p:style>
-                <a:lnRef idx="2">
-                  <a:schemeClr val="accent1">
-                    <a:shade val="50000"/>
-                  </a:schemeClr>
-                </a:lnRef>
-                <a:fillRef idx="1">
-                  <a:schemeClr val="accent1"/>
-                </a:fillRef>
-                <a:effectRef idx="0">
-                  <a:schemeClr val="accent1"/>
-                </a:effectRef>
-                <a:fontRef idx="minor">
-                  <a:schemeClr val="lt1"/>
-                </a:fontRef>
-              </p:style>
-              <p:txBody>
-                <a:bodyPr rtlCol="0" anchor="ctr"/>
-                <a:lstStyle/>
-                <a:p>
-                  <a:pPr algn="ctr"/>
-                  <a:endParaRPr lang="zh-CN" altLang="en-US"/>
-                </a:p>
-              </p:txBody>
-            </p:sp>
-            <p:sp>
-              <p:nvSpPr>
-                <p:cNvPr id="59" name="矩形 58"/>
-                <p:cNvSpPr/>
-                <p:nvPr/>
-              </p:nvSpPr>
-              <p:spPr>
-                <a:xfrm>
-                  <a:off x="23004816" y="7820188"/>
-                  <a:ext cx="1213104" cy="538407"/>
-                </a:xfrm>
-                <a:prstGeom prst="rect">
-                  <a:avLst/>
-                </a:prstGeom>
-                <a:solidFill>
-                  <a:srgbClr val="92D050"/>
-                </a:solidFill>
-                <a:ln>
-                  <a:solidFill>
-                    <a:srgbClr val="00B050"/>
-                  </a:solidFill>
-                </a:ln>
-              </p:spPr>
-              <p:style>
-                <a:lnRef idx="2">
-                  <a:schemeClr val="accent1">
-                    <a:shade val="50000"/>
-                  </a:schemeClr>
-                </a:lnRef>
-                <a:fillRef idx="1">
-                  <a:schemeClr val="accent1"/>
-                </a:fillRef>
-                <a:effectRef idx="0">
-                  <a:schemeClr val="accent1"/>
-                </a:effectRef>
-                <a:fontRef idx="minor">
-                  <a:schemeClr val="lt1"/>
-                </a:fontRef>
-              </p:style>
-              <p:txBody>
-                <a:bodyPr rtlCol="0" anchor="ctr"/>
-                <a:lstStyle/>
-                <a:p>
-                  <a:pPr algn="ctr"/>
-                  <a:endParaRPr lang="zh-CN" altLang="en-US"/>
-                </a:p>
-              </p:txBody>
-            </p:sp>
-            <p:sp>
-              <p:nvSpPr>
-                <p:cNvPr id="60" name="文本框 59"/>
-                <p:cNvSpPr txBox="1"/>
-                <p:nvPr/>
-              </p:nvSpPr>
-              <p:spPr>
-                <a:xfrm>
-                  <a:off x="23126801" y="7920226"/>
-                  <a:ext cx="969134" cy="307777"/>
-                </a:xfrm>
-                <a:prstGeom prst="rect">
-                  <a:avLst/>
-                </a:prstGeom>
-                <a:noFill/>
-              </p:spPr>
-              <p:txBody>
-                <a:bodyPr wrap="square" rtlCol="0">
-                  <a:spAutoFit/>
-                </a:bodyPr>
-                <a:lstStyle/>
-                <a:p>
-                  <a:pPr algn="ctr"/>
-                  <a:r>
-                    <a:rPr lang="en-US" altLang="zh-CN" dirty="0"/>
-                    <a:t>HTML</a:t>
-                  </a:r>
-                  <a:endParaRPr lang="zh-CN" altLang="en-US" dirty="0"/>
-                </a:p>
-              </p:txBody>
-            </p:sp>
-            <p:sp>
-              <p:nvSpPr>
-                <p:cNvPr id="75" name="文本框 74"/>
-                <p:cNvSpPr txBox="1"/>
-                <p:nvPr/>
-              </p:nvSpPr>
-              <p:spPr>
-                <a:xfrm>
-                  <a:off x="23503193" y="8314258"/>
-                  <a:ext cx="969134" cy="307777"/>
-                </a:xfrm>
-                <a:prstGeom prst="rect">
-                  <a:avLst/>
-                </a:prstGeom>
-                <a:noFill/>
-              </p:spPr>
-              <p:txBody>
-                <a:bodyPr wrap="square" rtlCol="0">
-                  <a:spAutoFit/>
-                </a:bodyPr>
-                <a:lstStyle/>
-                <a:p>
-                  <a:pPr algn="ctr"/>
-                  <a:r>
-                    <a:rPr lang="en-US" altLang="zh-CN" dirty="0"/>
-                    <a:t>Jinja</a:t>
-                  </a:r>
-                  <a:endParaRPr lang="zh-CN" altLang="en-US" dirty="0"/>
-                </a:p>
-              </p:txBody>
-            </p:sp>
-          </p:grpSp>
-          <p:cxnSp>
-            <p:nvCxnSpPr>
-              <p:cNvPr id="65" name="直接箭头连接符 64"/>
-              <p:cNvCxnSpPr/>
-              <p:nvPr/>
-            </p:nvCxnSpPr>
-            <p:spPr>
-              <a:xfrm flipV="1">
-                <a:off x="22117898" y="8368217"/>
-                <a:ext cx="2184671" cy="1"/>
-              </a:xfrm>
-              <a:prstGeom prst="straightConnector1">
-                <a:avLst/>
-              </a:prstGeom>
-              <a:ln>
-                <a:solidFill>
-                  <a:schemeClr val="bg2"/>
-                </a:solidFill>
-                <a:tailEnd type="triangle"/>
-              </a:ln>
-            </p:spPr>
-            <p:style>
-              <a:lnRef idx="1">
-                <a:schemeClr val="accent1"/>
-              </a:lnRef>
-              <a:fillRef idx="0">
-                <a:schemeClr val="accent1"/>
-              </a:fillRef>
-              <a:effectRef idx="0">
-                <a:schemeClr val="accent1"/>
-              </a:effectRef>
-              <a:fontRef idx="minor">
-                <a:schemeClr val="tx1"/>
-              </a:fontRef>
-            </p:style>
-          </p:cxnSp>
-          <p:sp>
-            <p:nvSpPr>
-              <p:cNvPr id="79" name="文本框 78"/>
-              <p:cNvSpPr txBox="1"/>
-              <p:nvPr/>
-            </p:nvSpPr>
-            <p:spPr>
-              <a:xfrm>
-                <a:off x="22117897" y="8025605"/>
-                <a:ext cx="2094515" cy="307777"/>
-              </a:xfrm>
-              <a:prstGeom prst="rect">
-                <a:avLst/>
-              </a:prstGeom>
-              <a:noFill/>
-              <a:ln>
-                <a:noFill/>
-              </a:ln>
-            </p:spPr>
-            <p:txBody>
-              <a:bodyPr wrap="square" rtlCol="0">
-                <a:spAutoFit/>
-              </a:bodyPr>
-              <a:lstStyle/>
-              <a:p>
-                <a:pPr algn="ctr"/>
-                <a:r>
-                  <a:rPr lang="en-US" altLang="zh-CN" dirty="0"/>
-                  <a:t>Render</a:t>
-                </a:r>
-                <a:endParaRPr lang="zh-CN" altLang="en-US" dirty="0"/>
-              </a:p>
-            </p:txBody>
-          </p:sp>
-          <p:sp>
-            <p:nvSpPr>
-              <p:cNvPr id="80" name="文本框 79"/>
-              <p:cNvSpPr txBox="1"/>
-              <p:nvPr/>
-            </p:nvSpPr>
-            <p:spPr>
-              <a:xfrm>
-                <a:off x="22117896" y="8425110"/>
-                <a:ext cx="2094515" cy="307777"/>
-              </a:xfrm>
-              <a:prstGeom prst="rect">
-                <a:avLst/>
-              </a:prstGeom>
-              <a:noFill/>
-            </p:spPr>
-            <p:txBody>
-              <a:bodyPr wrap="square" rtlCol="0">
-                <a:spAutoFit/>
-              </a:bodyPr>
-              <a:lstStyle/>
-              <a:p>
-                <a:pPr algn="ctr"/>
-                <a:r>
-                  <a:rPr lang="en-US" altLang="zh-CN" dirty="0"/>
-                  <a:t>Page info</a:t>
-                </a:r>
-                <a:endParaRPr lang="zh-CN" altLang="en-US" dirty="0"/>
-              </a:p>
-            </p:txBody>
-          </p:sp>
-          <p:sp>
-            <p:nvSpPr>
-              <p:cNvPr id="72" name="矩形: 圆角 71"/>
-              <p:cNvSpPr/>
-              <p:nvPr/>
-            </p:nvSpPr>
-            <p:spPr>
-              <a:xfrm>
-                <a:off x="23061557" y="9156449"/>
-                <a:ext cx="1246632" cy="733955"/>
-              </a:xfrm>
-              <a:prstGeom prst="roundRect">
-                <a:avLst/>
-              </a:prstGeom>
-              <a:solidFill>
-                <a:schemeClr val="bg2">
-                  <a:lumMod val="40000"/>
-                  <a:lumOff val="60000"/>
-                </a:schemeClr>
-              </a:solidFill>
-              <a:ln>
-                <a:solidFill>
-                  <a:schemeClr val="bg2">
-                    <a:lumMod val="60000"/>
-                    <a:lumOff val="40000"/>
-                  </a:schemeClr>
-                </a:solidFill>
-              </a:ln>
-            </p:spPr>
-            <p:style>
-              <a:lnRef idx="2">
-                <a:schemeClr val="accent1">
-                  <a:shade val="50000"/>
-                </a:schemeClr>
-              </a:lnRef>
-              <a:fillRef idx="1">
-                <a:schemeClr val="accent1"/>
-              </a:fillRef>
-              <a:effectRef idx="0">
-                <a:schemeClr val="accent1"/>
-              </a:effectRef>
-              <a:fontRef idx="minor">
-                <a:schemeClr val="lt1"/>
-              </a:fontRef>
-            </p:style>
-            <p:txBody>
-              <a:bodyPr rtlCol="0" anchor="ctr"/>
-              <a:lstStyle/>
-              <a:p>
-                <a:pPr algn="ctr"/>
-                <a:endParaRPr lang="zh-CN" altLang="en-US"/>
-              </a:p>
-            </p:txBody>
-          </p:sp>
-          <p:sp>
-            <p:nvSpPr>
-              <p:cNvPr id="84" name="文本框 83"/>
-              <p:cNvSpPr txBox="1"/>
-              <p:nvPr/>
-            </p:nvSpPr>
-            <p:spPr>
-              <a:xfrm>
-                <a:off x="23061557" y="9349762"/>
-                <a:ext cx="1241012" cy="307777"/>
-              </a:xfrm>
-              <a:prstGeom prst="rect">
-                <a:avLst/>
-              </a:prstGeom>
-              <a:noFill/>
-            </p:spPr>
-            <p:txBody>
-              <a:bodyPr wrap="square" rtlCol="0">
-                <a:spAutoFit/>
-              </a:bodyPr>
-              <a:lstStyle/>
-              <a:p>
-                <a:pPr algn="ctr"/>
-                <a:r>
-                  <a:rPr lang="en-US" altLang="zh-CN" dirty="0"/>
-                  <a:t>DB Browser</a:t>
-                </a:r>
-                <a:endParaRPr lang="zh-CN" altLang="en-US" dirty="0"/>
-              </a:p>
-            </p:txBody>
-          </p:sp>
-          <p:cxnSp>
-            <p:nvCxnSpPr>
-              <p:cNvPr id="74" name="直接箭头连接符 73"/>
-              <p:cNvCxnSpPr/>
-              <p:nvPr/>
-            </p:nvCxnSpPr>
-            <p:spPr>
-              <a:xfrm flipH="1">
-                <a:off x="22116305" y="9397597"/>
-                <a:ext cx="891423" cy="0"/>
-              </a:xfrm>
-              <a:prstGeom prst="straightConnector1">
-                <a:avLst/>
-              </a:prstGeom>
-              <a:ln>
-                <a:solidFill>
-                  <a:schemeClr val="bg2">
-                    <a:lumMod val="50000"/>
-                  </a:schemeClr>
-                </a:solidFill>
-                <a:tailEnd type="triangle"/>
-              </a:ln>
-            </p:spPr>
-            <p:style>
-              <a:lnRef idx="1">
-                <a:schemeClr val="accent1"/>
-              </a:lnRef>
-              <a:fillRef idx="0">
-                <a:schemeClr val="accent1"/>
-              </a:fillRef>
-              <a:effectRef idx="0">
-                <a:schemeClr val="accent1"/>
-              </a:effectRef>
-              <a:fontRef idx="minor">
-                <a:schemeClr val="tx1"/>
-              </a:fontRef>
-            </p:style>
-          </p:cxnSp>
-          <p:cxnSp>
-            <p:nvCxnSpPr>
-              <p:cNvPr id="88" name="直接箭头连接符 87"/>
-              <p:cNvCxnSpPr/>
-              <p:nvPr/>
-            </p:nvCxnSpPr>
-            <p:spPr>
-              <a:xfrm>
-                <a:off x="22117898" y="9772287"/>
-                <a:ext cx="889829" cy="0"/>
-              </a:xfrm>
-              <a:prstGeom prst="straightConnector1">
-                <a:avLst/>
-              </a:prstGeom>
-              <a:ln>
-                <a:solidFill>
-                  <a:schemeClr val="bg2">
-                    <a:lumMod val="50000"/>
-                  </a:schemeClr>
-                </a:solidFill>
-                <a:tailEnd type="triangle"/>
-              </a:ln>
-            </p:spPr>
-            <p:style>
-              <a:lnRef idx="1">
-                <a:schemeClr val="accent1"/>
-              </a:lnRef>
-              <a:fillRef idx="0">
-                <a:schemeClr val="accent1"/>
-              </a:fillRef>
-              <a:effectRef idx="0">
-                <a:schemeClr val="accent1"/>
-              </a:effectRef>
-              <a:fontRef idx="minor">
-                <a:schemeClr val="tx1"/>
-              </a:fontRef>
-            </p:style>
-          </p:cxnSp>
-          <p:sp>
-            <p:nvSpPr>
-              <p:cNvPr id="96" name="文本框 95"/>
-              <p:cNvSpPr txBox="1"/>
-              <p:nvPr/>
-            </p:nvSpPr>
-            <p:spPr>
-              <a:xfrm>
-                <a:off x="22123422" y="9066121"/>
-                <a:ext cx="821589" cy="307777"/>
-              </a:xfrm>
-              <a:prstGeom prst="rect">
-                <a:avLst/>
-              </a:prstGeom>
-              <a:noFill/>
-            </p:spPr>
-            <p:txBody>
-              <a:bodyPr wrap="square" rtlCol="0">
-                <a:spAutoFit/>
-              </a:bodyPr>
-              <a:lstStyle/>
-              <a:p>
-                <a:pPr algn="ctr"/>
-                <a:r>
-                  <a:rPr lang="en-US" altLang="zh-CN" dirty="0"/>
-                  <a:t>Read</a:t>
-                </a:r>
-                <a:endParaRPr lang="zh-CN" altLang="en-US" dirty="0"/>
-              </a:p>
-            </p:txBody>
-          </p:sp>
-          <p:sp>
-            <p:nvSpPr>
-              <p:cNvPr id="97" name="文本框 96"/>
-              <p:cNvSpPr txBox="1"/>
-              <p:nvPr/>
-            </p:nvSpPr>
-            <p:spPr>
-              <a:xfrm>
-                <a:off x="22116305" y="9431054"/>
-                <a:ext cx="821589" cy="307777"/>
-              </a:xfrm>
-              <a:prstGeom prst="rect">
-                <a:avLst/>
-              </a:prstGeom>
-              <a:noFill/>
-            </p:spPr>
-            <p:txBody>
-              <a:bodyPr wrap="square" rtlCol="0">
-                <a:spAutoFit/>
-              </a:bodyPr>
-              <a:lstStyle/>
-              <a:p>
-                <a:pPr algn="ctr"/>
-                <a:r>
-                  <a:rPr lang="en-US" altLang="zh-CN" dirty="0"/>
-                  <a:t>Write</a:t>
-                </a:r>
-                <a:endParaRPr lang="zh-CN" altLang="en-US" dirty="0"/>
-              </a:p>
-            </p:txBody>
-          </p:sp>
-        </p:grpSp>
-        <p:sp>
-          <p:nvSpPr>
-            <p:cNvPr id="98" name="文本框 97"/>
-            <p:cNvSpPr txBox="1"/>
-            <p:nvPr/>
-          </p:nvSpPr>
-          <p:spPr>
-            <a:xfrm>
-              <a:off x="18571376" y="9985436"/>
-              <a:ext cx="7909210" cy="461665"/>
-            </a:xfrm>
-            <a:prstGeom prst="rect">
-              <a:avLst/>
-            </a:prstGeom>
-            <a:noFill/>
-          </p:spPr>
-          <p:txBody>
-            <a:bodyPr wrap="square" rtlCol="0">
-              <a:spAutoFit/>
-            </a:bodyPr>
-            <a:lstStyle/>
-            <a:p>
-              <a:pPr algn="ctr"/>
-              <a:r>
-                <a:rPr lang="en-US" altLang="zh-CN" sz="2400" dirty="0">
-                  <a:solidFill>
-                    <a:srgbClr val="17365D"/>
-                  </a:solidFill>
-                  <a:latin typeface="Calibri" panose="020F0502020204030204" pitchFamily="34" charset="0"/>
-                  <a:sym typeface="Calibri" panose="020F0502020204030204" pitchFamily="34" charset="0"/>
-                </a:rPr>
-                <a:t> </a:t>
-              </a:r>
-              <a:r>
-                <a:rPr lang="en-US" altLang="zh-CN" sz="2400" b="1" dirty="0">
-                  <a:solidFill>
-                    <a:srgbClr val="17365D"/>
-                  </a:solidFill>
-                  <a:latin typeface="Calibri" panose="020F0502020204030204" pitchFamily="34" charset="0"/>
-                  <a:sym typeface="Calibri" panose="020F0502020204030204" pitchFamily="34" charset="0"/>
-                </a:rPr>
-                <a:t>Fig 4. </a:t>
-              </a:r>
-              <a:r>
-                <a:rPr lang="en-US" altLang="zh-CN" sz="2400" dirty="0">
-                  <a:solidFill>
-                    <a:srgbClr val="17365D"/>
-                  </a:solidFill>
-                  <a:latin typeface="Calibri" panose="020F0502020204030204" pitchFamily="34" charset="0"/>
-                  <a:sym typeface="Calibri" panose="020F0502020204030204" pitchFamily="34" charset="0"/>
-                </a:rPr>
-                <a:t>Overview of UI designing structure.</a:t>
-              </a:r>
-              <a:endParaRPr lang="zh-CN" altLang="en-US" sz="2400" dirty="0"/>
-            </a:p>
-          </p:txBody>
-        </p:sp>
-      </p:grpSp>
       <p:grpSp>
         <p:nvGrpSpPr>
           <p:cNvPr id="86" name="组合 85"/>
@@ -15804,10 +14355,10 @@
         </p:nvGrpSpPr>
         <p:grpSpPr>
           <a:xfrm>
-            <a:off x="18678657" y="15427513"/>
-            <a:ext cx="7931716" cy="11141511"/>
+            <a:off x="18536308" y="18640792"/>
+            <a:ext cx="7931716" cy="1292661"/>
             <a:chOff x="18583255" y="10620558"/>
-            <a:chExt cx="7931716" cy="11141511"/>
+            <a:chExt cx="7931716" cy="1292661"/>
           </a:xfrm>
         </p:grpSpPr>
         <p:sp>
@@ -15855,7 +14406,7 @@
           <p:spPr>
             <a:xfrm>
               <a:off x="18594971" y="11328444"/>
-              <a:ext cx="7920000" cy="10433625"/>
+              <a:ext cx="7920000" cy="584775"/>
             </a:xfrm>
             <a:prstGeom prst="rect">
               <a:avLst/>
@@ -15868,15 +14419,6 @@
             </a:bodyPr>
             <a:lstStyle/>
             <a:p>
-              <a:r>
-                <a:rPr lang="en-US" sz="3200" dirty="0">
-                  <a:solidFill>
-                    <a:srgbClr val="17375E"/>
-                  </a:solidFill>
-                  <a:latin typeface="Calibri" panose="020F0502020204030204" pitchFamily="34" charset="0"/>
-                </a:rPr>
-                <a:t>Using our soulmate recommendation system, the user will be recommended ten users based on the rankings of them. The user is able to register and log in on our website so that their information will be recorded. Then, they can choose several songs of their favourite, which can be played online, among the listed songs on the UI. After submitting their choices, the system can recommend several users who have the most similar song list with the user and provide their homepages so that the user can know more about the recommended soulmates. We measure the accuracy of our system by controling the playlist of one user and choose the same songs on our website. Our recommendation system is able to predict that user. The way of deciding accuracy of our system deserves further improvements. Also, we can find soulmate, taking the gender and region of users into consideration in the future.</a:t>
-              </a:r>
               <a:endParaRPr lang="zh-CN" altLang="en-US" sz="3200" dirty="0">
                 <a:solidFill>
                   <a:srgbClr val="17375E"/>
@@ -15976,7 +14518,7 @@
                   </a:solidFill>
                   <a:latin typeface="Calibri" panose="020F0502020204030204" pitchFamily="34" charset="0"/>
                 </a:rPr>
-                <a:t>Qiaozhu</a:t>
+                <a:t>Paramveer</a:t>
               </a:r>
               <a:r>
                 <a:rPr lang="en-US" altLang="zh-CN" sz="3200" dirty="0">
@@ -15985,18 +14527,7 @@
                   </a:solidFill>
                   <a:latin typeface="Calibri" panose="020F0502020204030204" pitchFamily="34" charset="0"/>
                 </a:rPr>
-                <a:t> Mei and Wei Ai from the University of Michigan School of Information;</a:t>
-              </a:r>
-            </a:p>
-            <a:p>
-              <a:r>
-                <a:rPr lang="en-US" altLang="zh-CN" sz="3200" dirty="0">
-                  <a:solidFill>
-                    <a:srgbClr val="17375E"/>
-                  </a:solidFill>
-                  <a:latin typeface="Calibri" panose="020F0502020204030204" pitchFamily="34" charset="0"/>
-                </a:rPr>
-                <a:t>GSIs [</a:t>
+                <a:t> </a:t>
               </a:r>
               <a:r>
                 <a:rPr lang="en-US" altLang="zh-CN" sz="3200" dirty="0" err="1">
@@ -16005,7 +14536,7 @@
                   </a:solidFill>
                   <a:latin typeface="Calibri" panose="020F0502020204030204" pitchFamily="34" charset="0"/>
                 </a:rPr>
-                <a:t>Shiyan</a:t>
+                <a:t>Dhillon</a:t>
               </a:r>
               <a:r>
                 <a:rPr lang="en-US" altLang="zh-CN" sz="3200" dirty="0">
@@ -16014,16 +14545,16 @@
                   </a:solidFill>
                   <a:latin typeface="Calibri" panose="020F0502020204030204" pitchFamily="34" charset="0"/>
                 </a:rPr>
-                <a:t> Yan, </a:t>
+                <a:t> from the University of </a:t>
               </a:r>
               <a:r>
-                <a:rPr lang="en-US" altLang="zh-CN" sz="3200" dirty="0" err="1">
+                <a:rPr lang="en-US" altLang="zh-CN" sz="3200" dirty="0" smtClean="0">
                   <a:solidFill>
                     <a:srgbClr val="17375E"/>
                   </a:solidFill>
                   <a:latin typeface="Calibri" panose="020F0502020204030204" pitchFamily="34" charset="0"/>
                 </a:rPr>
-                <a:t>Xinyan</a:t>
+                <a:t>Michigan School </a:t>
               </a:r>
               <a:r>
                 <a:rPr lang="en-US" altLang="zh-CN" sz="3200" dirty="0">
@@ -16032,8 +14563,68 @@
                   </a:solidFill>
                   <a:latin typeface="Calibri" panose="020F0502020204030204" pitchFamily="34" charset="0"/>
                 </a:rPr>
-                <a:t> Zhao] for SI 650 at University of Michigan School of Information.</a:t>
+                <a:t>of Information; GSIs [Kwame Robinson, </a:t>
               </a:r>
+              <a:r>
+                <a:rPr lang="en-US" altLang="zh-CN" sz="3200" dirty="0" err="1" smtClean="0">
+                  <a:solidFill>
+                    <a:srgbClr val="17375E"/>
+                  </a:solidFill>
+                  <a:latin typeface="Calibri" panose="020F0502020204030204" pitchFamily="34" charset="0"/>
+                </a:rPr>
+                <a:t>Lingyun</a:t>
+              </a:r>
+              <a:r>
+                <a:rPr lang="en-US" altLang="zh-CN" sz="3200" dirty="0" smtClean="0">
+                  <a:solidFill>
+                    <a:srgbClr val="17375E"/>
+                  </a:solidFill>
+                  <a:latin typeface="Calibri" panose="020F0502020204030204" pitchFamily="34" charset="0"/>
+                </a:rPr>
+                <a:t> </a:t>
+              </a:r>
+              <a:r>
+                <a:rPr lang="en-US" altLang="zh-CN" sz="3200" dirty="0" err="1" smtClean="0">
+                  <a:solidFill>
+                    <a:srgbClr val="17375E"/>
+                  </a:solidFill>
+                  <a:latin typeface="Calibri" panose="020F0502020204030204" pitchFamily="34" charset="0"/>
+                </a:rPr>
+                <a:t>Guo</a:t>
+              </a:r>
+              <a:r>
+                <a:rPr lang="en-US" altLang="zh-CN" sz="3200" dirty="0">
+                  <a:solidFill>
+                    <a:srgbClr val="17375E"/>
+                  </a:solidFill>
+                  <a:latin typeface="Calibri" panose="020F0502020204030204" pitchFamily="34" charset="0"/>
+                </a:rPr>
+                <a:t>] for SI 671 at University of Michigan School of </a:t>
+              </a:r>
+              <a:r>
+                <a:rPr lang="en-US" altLang="zh-CN" sz="3200" dirty="0" smtClean="0">
+                  <a:solidFill>
+                    <a:srgbClr val="17375E"/>
+                  </a:solidFill>
+                  <a:latin typeface="Calibri" panose="020F0502020204030204" pitchFamily="34" charset="0"/>
+                </a:rPr>
+                <a:t>Information</a:t>
+              </a:r>
+              <a:r>
+                <a:rPr lang="en-US" altLang="zh-CN" sz="3200" dirty="0">
+                  <a:solidFill>
+                    <a:srgbClr val="17375E"/>
+                  </a:solidFill>
+                  <a:latin typeface="Calibri" panose="020F0502020204030204" pitchFamily="34" charset="0"/>
+                </a:rPr>
+                <a:t>.</a:t>
+              </a:r>
+              <a:endParaRPr lang="en-US" altLang="zh-CN" sz="3200" dirty="0">
+                <a:solidFill>
+                  <a:srgbClr val="17375E"/>
+                </a:solidFill>
+                <a:latin typeface="Calibri" panose="020F0502020204030204" pitchFamily="34" charset="0"/>
+              </a:endParaRPr>
             </a:p>
           </p:txBody>
         </p:sp>
@@ -16046,10 +14637,10 @@
         </p:nvGrpSpPr>
         <p:grpSpPr>
           <a:xfrm>
-            <a:off x="968659" y="5957825"/>
-            <a:ext cx="7949152" cy="6289348"/>
-            <a:chOff x="968659" y="5957825"/>
-            <a:chExt cx="7949152" cy="6289348"/>
+            <a:off x="981669" y="5957825"/>
+            <a:ext cx="7926373" cy="7088889"/>
+            <a:chOff x="981669" y="5957825"/>
+            <a:chExt cx="7926373" cy="7088889"/>
           </a:xfrm>
         </p:grpSpPr>
         <p:pic>
@@ -16061,7 +14652,7 @@
             <p:nvPr/>
           </p:nvPicPr>
           <p:blipFill>
-            <a:blip r:embed="rId14">
+            <a:blip r:embed="rId5">
               <a:clrChange>
                 <a:clrFrom>
                   <a:srgbClr val="FFFFFF"/>
@@ -16085,7 +14676,7 @@
           </p:blipFill>
           <p:spPr bwMode="auto">
             <a:xfrm>
-              <a:off x="1055826" y="9661460"/>
+              <a:off x="1026423" y="10369639"/>
               <a:ext cx="2273844" cy="2273844"/>
             </a:xfrm>
             <a:prstGeom prst="rect">
@@ -16111,8 +14702,8 @@
           </p:nvSpPr>
           <p:spPr>
             <a:xfrm>
-              <a:off x="3391501" y="9692628"/>
-              <a:ext cx="5526310" cy="2554545"/>
+              <a:off x="3362098" y="9999726"/>
+              <a:ext cx="5521893" cy="3046988"/>
             </a:xfrm>
             <a:prstGeom prst="rect">
               <a:avLst/>
@@ -16125,7 +14716,31 @@
             </a:bodyPr>
             <a:lstStyle/>
             <a:p>
-              <a:pPr algn="just"/>
+              <a:pPr lvl="0" algn="just"/>
+              <a:r>
+                <a:rPr lang="en-US" altLang="zh-CN" sz="3200" dirty="0" smtClean="0">
+                  <a:solidFill>
+                    <a:srgbClr val="17365D"/>
+                  </a:solidFill>
+                  <a:latin typeface="Calibri" panose="020F0502020204030204" pitchFamily="34" charset="0"/>
+                  <a:sym typeface="Calibri" panose="020F0502020204030204" pitchFamily="34" charset="0"/>
+                </a:rPr>
+                <a:t>items</a:t>
+              </a:r>
+              <a:r>
+                <a:rPr lang="zh-CN" altLang="en-US" sz="3200" dirty="0" smtClean="0"/>
+                <a:t> </a:t>
+              </a:r>
+              <a:r>
+                <a:rPr lang="en-US" altLang="zh-CN" sz="3200" dirty="0" smtClean="0">
+                  <a:solidFill>
+                    <a:srgbClr val="17365D"/>
+                  </a:solidFill>
+                  <a:latin typeface="Calibri" panose="020F0502020204030204" pitchFamily="34" charset="0"/>
+                  <a:sym typeface="Calibri" panose="020F0502020204030204" pitchFamily="34" charset="0"/>
+                </a:rPr>
+                <a:t>in </a:t>
+              </a:r>
               <a:r>
                 <a:rPr lang="en-US" altLang="zh-CN" sz="3200" dirty="0">
                   <a:solidFill>
@@ -16134,9 +14749,35 @@
                   <a:latin typeface="Calibri" panose="020F0502020204030204" pitchFamily="34" charset="0"/>
                   <a:sym typeface="Calibri" panose="020F0502020204030204" pitchFamily="34" charset="0"/>
                 </a:rPr>
-                <a:t>preference of the songs, they may have more things in common. It’s really exiting to find a soulmate through the magic of music.</a:t>
+                <a:t>the shops, we will focus on the digit music in this project. </a:t>
               </a:r>
-              <a:endParaRPr lang="zh-CN" altLang="en-US" sz="3200" dirty="0"/>
+              <a:r>
+                <a:rPr lang="en-US" altLang="zh-CN" sz="3200" dirty="0" smtClean="0">
+                  <a:solidFill>
+                    <a:srgbClr val="17365D"/>
+                  </a:solidFill>
+                  <a:latin typeface="Calibri" panose="020F0502020204030204" pitchFamily="34" charset="0"/>
+                  <a:sym typeface="Calibri" panose="020F0502020204030204" pitchFamily="34" charset="0"/>
+                </a:rPr>
+                <a:t>For </a:t>
+              </a:r>
+              <a:r>
+                <a:rPr lang="en-US" altLang="zh-CN" sz="3200" dirty="0">
+                  <a:solidFill>
+                    <a:srgbClr val="17365D"/>
+                  </a:solidFill>
+                  <a:latin typeface="Calibri" panose="020F0502020204030204" pitchFamily="34" charset="0"/>
+                  <a:sym typeface="Calibri" panose="020F0502020204030204" pitchFamily="34" charset="0"/>
+                </a:rPr>
+                <a:t>those who share the similar preference of the songs, they may have more things in common. </a:t>
+              </a:r>
+              <a:endParaRPr lang="en-US" altLang="zh-CN" sz="3200" dirty="0">
+                <a:solidFill>
+                  <a:srgbClr val="17365D"/>
+                </a:solidFill>
+                <a:latin typeface="Calibri" panose="020F0502020204030204" pitchFamily="34" charset="0"/>
+                <a:sym typeface="Calibri" panose="020F0502020204030204" pitchFamily="34" charset="0"/>
+              </a:endParaRPr>
             </a:p>
           </p:txBody>
         </p:sp>
@@ -16148,8 +14789,8 @@
           </p:nvSpPr>
           <p:spPr>
             <a:xfrm>
-              <a:off x="968659" y="6649831"/>
-              <a:ext cx="7909212" cy="3262432"/>
+              <a:off x="1028089" y="6607781"/>
+              <a:ext cx="7782859" cy="3539430"/>
             </a:xfrm>
             <a:prstGeom prst="rect">
               <a:avLst/>
@@ -16162,7 +14803,7 @@
             </a:bodyPr>
             <a:lstStyle/>
             <a:p>
-              <a:pPr lvl="0" algn="dist"/>
+              <a:pPr lvl="0" algn="just"/>
               <a:r>
                 <a:rPr lang="en-US" altLang="zh-CN" sz="3200" dirty="0">
                   <a:solidFill>
@@ -16171,17 +14812,78 @@
                   <a:latin typeface="Calibri" panose="020F0502020204030204" pitchFamily="34" charset="0"/>
                   <a:sym typeface="Calibri" panose="020F0502020204030204" pitchFamily="34" charset="0"/>
                 </a:rPr>
-                <a:t>When people are doing exercises, cooking, or driving a car for a long trip, almost everyone listens to music by a music software more or less. Music is an indivisible part of life that helps people feel relaxed in such a fast-paced life. For those who share the similar  </a:t>
+                <a:t>When people shopping on the internet, they may easily refer to the items recommended by the </a:t>
               </a:r>
-              <a:endParaRPr lang="en-US" altLang="zh-CN" sz="3200" b="1" dirty="0">
-                <a:solidFill>
-                  <a:srgbClr val="17365D"/>
-                </a:solidFill>
-                <a:latin typeface="Calibri" panose="020F0502020204030204" pitchFamily="34" charset="0"/>
-                <a:sym typeface="Calibri" panose="020F0502020204030204" pitchFamily="34" charset="0"/>
-              </a:endParaRPr>
-            </a:p>
-            <a:p>
+              <a:r>
+                <a:rPr lang="en-US" altLang="zh-CN" sz="3200" dirty="0" smtClean="0">
+                  <a:solidFill>
+                    <a:srgbClr val="17365D"/>
+                  </a:solidFill>
+                  <a:latin typeface="Calibri" panose="020F0502020204030204" pitchFamily="34" charset="0"/>
+                  <a:sym typeface="Calibri" panose="020F0502020204030204" pitchFamily="34" charset="0"/>
+                </a:rPr>
+                <a:t>website. </a:t>
+              </a:r>
+              <a:r>
+                <a:rPr lang="en-US" altLang="zh-CN" sz="3200" dirty="0">
+                  <a:solidFill>
+                    <a:srgbClr val="17365D"/>
+                  </a:solidFill>
+                  <a:latin typeface="Calibri" panose="020F0502020204030204" pitchFamily="34" charset="0"/>
+                  <a:sym typeface="Calibri" panose="020F0502020204030204" pitchFamily="34" charset="0"/>
+                </a:rPr>
+                <a:t>On the other hand, the shops are always trying to </a:t>
+              </a:r>
+              <a:r>
+                <a:rPr lang="en-US" altLang="zh-CN" sz="3200" dirty="0" smtClean="0">
+                  <a:solidFill>
+                    <a:srgbClr val="17365D"/>
+                  </a:solidFill>
+                  <a:latin typeface="Calibri" panose="020F0502020204030204" pitchFamily="34" charset="0"/>
+                  <a:sym typeface="Calibri" panose="020F0502020204030204" pitchFamily="34" charset="0"/>
+                </a:rPr>
+                <a:t>recommend products to the customers to earn more money. </a:t>
+              </a:r>
+              <a:r>
+                <a:rPr lang="en-US" altLang="zh-CN" sz="3200" dirty="0">
+                  <a:solidFill>
+                    <a:srgbClr val="17365D"/>
+                  </a:solidFill>
+                  <a:latin typeface="Calibri" panose="020F0502020204030204" pitchFamily="34" charset="0"/>
+                  <a:sym typeface="Calibri" panose="020F0502020204030204" pitchFamily="34" charset="0"/>
+                </a:rPr>
+                <a:t>Thus, a well trained recommendation system is necessary for all of </a:t>
+              </a:r>
+              <a:r>
+                <a:rPr lang="en-US" altLang="zh-CN" sz="3200" dirty="0" smtClean="0">
+                  <a:solidFill>
+                    <a:srgbClr val="17365D"/>
+                  </a:solidFill>
+                  <a:latin typeface="Calibri" panose="020F0502020204030204" pitchFamily="34" charset="0"/>
+                  <a:sym typeface="Calibri" panose="020F0502020204030204" pitchFamily="34" charset="0"/>
+                </a:rPr>
+                <a:t>us</a:t>
+              </a:r>
+              <a:r>
+                <a:rPr lang="en-US" altLang="zh-CN" sz="3200" dirty="0">
+                  <a:solidFill>
+                    <a:srgbClr val="17365D"/>
+                  </a:solidFill>
+                  <a:latin typeface="Calibri" panose="020F0502020204030204" pitchFamily="34" charset="0"/>
+                  <a:sym typeface="Calibri" panose="020F0502020204030204" pitchFamily="34" charset="0"/>
+                </a:rPr>
+                <a:t>. Among all kinds of </a:t>
+              </a:r>
+              <a:r>
+                <a:rPr lang="en-US" altLang="zh-CN" sz="3200" dirty="0" smtClean="0">
+                  <a:solidFill>
+                    <a:srgbClr val="17365D"/>
+                  </a:solidFill>
+                  <a:latin typeface="Calibri" panose="020F0502020204030204" pitchFamily="34" charset="0"/>
+                  <a:sym typeface="Calibri" panose="020F0502020204030204" pitchFamily="34" charset="0"/>
+                </a:rPr>
+                <a:t>the</a:t>
+              </a:r>
               <a:endParaRPr lang="zh-CN" altLang="en-US" dirty="0"/>
             </a:p>
           </p:txBody>
@@ -16223,6 +14925,319 @@
           </p:txBody>
         </p:sp>
       </p:grpSp>
+      <p:pic>
+        <p:nvPicPr>
+          <p:cNvPr id="14" name="图片 13"/>
+          <p:cNvPicPr>
+            <a:picLocks noChangeAspect="1"/>
+          </p:cNvPicPr>
+          <p:nvPr/>
+        </p:nvPicPr>
+        <p:blipFill>
+          <a:blip r:embed="rId6">
+            <a:extLst>
+              <a:ext uri="{28A0092B-C50C-407E-A947-70E740481C1C}">
+                <a14:useLocalDpi xmlns:a14="http://schemas.microsoft.com/office/drawing/2010/main" val="0"/>
+              </a:ext>
+            </a:extLst>
+          </a:blip>
+          <a:stretch>
+            <a:fillRect/>
+          </a:stretch>
+        </p:blipFill>
+        <p:spPr>
+          <a:xfrm>
+            <a:off x="9846346" y="6020029"/>
+            <a:ext cx="7674329" cy="2489371"/>
+          </a:xfrm>
+          <a:prstGeom prst="rect">
+            <a:avLst/>
+          </a:prstGeom>
+        </p:spPr>
+      </p:pic>
+      <p:sp>
+        <p:nvSpPr>
+          <p:cNvPr id="105" name="文本框 104"/>
+          <p:cNvSpPr txBox="1"/>
+          <p:nvPr/>
+        </p:nvSpPr>
+        <p:spPr>
+          <a:xfrm>
+            <a:off x="9773817" y="8860544"/>
+            <a:ext cx="7865853" cy="4524315"/>
+          </a:xfrm>
+          <a:prstGeom prst="rect">
+            <a:avLst/>
+          </a:prstGeom>
+          <a:noFill/>
+        </p:spPr>
+        <p:txBody>
+          <a:bodyPr wrap="square" rtlCol="0">
+            <a:spAutoFit/>
+          </a:bodyPr>
+          <a:lstStyle/>
+          <a:p>
+            <a:pPr marL="457200" indent="-457200" algn="just">
+              <a:buFont typeface="Arial" panose="020B0604020202020204" pitchFamily="34" charset="0"/>
+              <a:buChar char="•"/>
+            </a:pPr>
+            <a:r>
+              <a:rPr lang="en-US" altLang="zh-CN" sz="3200" b="1" dirty="0">
+                <a:solidFill>
+                  <a:srgbClr val="17375E"/>
+                </a:solidFill>
+                <a:latin typeface="Calibri" panose="020F0502020204030204" pitchFamily="34" charset="0"/>
+                <a:sym typeface="Calibri" panose="020F0502020204030204" pitchFamily="34" charset="0"/>
+              </a:rPr>
+              <a:t>Digital_Music_5.json: </a:t>
+            </a:r>
+            <a:r>
+              <a:rPr lang="en-US" altLang="zh-CN" sz="3200" dirty="0">
+                <a:solidFill>
+                  <a:srgbClr val="17375E"/>
+                </a:solidFill>
+                <a:latin typeface="Calibri" panose="020F0502020204030204" pitchFamily="34" charset="0"/>
+                <a:sym typeface="Calibri" panose="020F0502020204030204" pitchFamily="34" charset="0"/>
+              </a:rPr>
+              <a:t> The </a:t>
+            </a:r>
+            <a:r>
+              <a:rPr lang="en-US" altLang="zh-CN" sz="3200" dirty="0" err="1">
+                <a:solidFill>
+                  <a:srgbClr val="17375E"/>
+                </a:solidFill>
+                <a:latin typeface="Calibri" panose="020F0502020204030204" pitchFamily="34" charset="0"/>
+                <a:sym typeface="Calibri" panose="020F0502020204030204" pitchFamily="34" charset="0"/>
+              </a:rPr>
+              <a:t>json</a:t>
+            </a:r>
+            <a:r>
+              <a:rPr lang="en-US" altLang="zh-CN" sz="3200" dirty="0">
+                <a:solidFill>
+                  <a:srgbClr val="17375E"/>
+                </a:solidFill>
+                <a:latin typeface="Calibri" panose="020F0502020204030204" pitchFamily="34" charset="0"/>
+                <a:sym typeface="Calibri" panose="020F0502020204030204" pitchFamily="34" charset="0"/>
+              </a:rPr>
+              <a:t> file contains the information about </a:t>
+            </a:r>
+            <a:r>
+              <a:rPr lang="en-US" altLang="zh-CN" sz="3200" dirty="0" err="1">
+                <a:solidFill>
+                  <a:srgbClr val="17375E"/>
+                </a:solidFill>
+                <a:latin typeface="Calibri" panose="020F0502020204030204" pitchFamily="34" charset="0"/>
+                <a:sym typeface="Calibri" panose="020F0502020204030204" pitchFamily="34" charset="0"/>
+              </a:rPr>
+              <a:t>reviewerID</a:t>
+            </a:r>
+            <a:r>
+              <a:rPr lang="en-US" altLang="zh-CN" sz="3200" dirty="0">
+                <a:solidFill>
+                  <a:srgbClr val="17375E"/>
+                </a:solidFill>
+                <a:latin typeface="Calibri" panose="020F0502020204030204" pitchFamily="34" charset="0"/>
+                <a:sym typeface="Calibri" panose="020F0502020204030204" pitchFamily="34" charset="0"/>
+              </a:rPr>
+              <a:t>, </a:t>
+            </a:r>
+            <a:r>
+              <a:rPr lang="en-US" altLang="zh-CN" sz="3200" dirty="0" err="1">
+                <a:solidFill>
+                  <a:srgbClr val="17375E"/>
+                </a:solidFill>
+                <a:latin typeface="Calibri" panose="020F0502020204030204" pitchFamily="34" charset="0"/>
+                <a:sym typeface="Calibri" panose="020F0502020204030204" pitchFamily="34" charset="0"/>
+              </a:rPr>
+              <a:t>itemID</a:t>
+            </a:r>
+            <a:r>
+              <a:rPr lang="en-US" altLang="zh-CN" sz="3200" dirty="0">
+                <a:solidFill>
+                  <a:srgbClr val="17375E"/>
+                </a:solidFill>
+                <a:latin typeface="Calibri" panose="020F0502020204030204" pitchFamily="34" charset="0"/>
+                <a:sym typeface="Calibri" panose="020F0502020204030204" pitchFamily="34" charset="0"/>
+              </a:rPr>
+              <a:t>, </a:t>
+            </a:r>
+            <a:r>
+              <a:rPr lang="en-US" altLang="zh-CN" sz="3200" dirty="0" err="1">
+                <a:solidFill>
+                  <a:srgbClr val="17375E"/>
+                </a:solidFill>
+                <a:latin typeface="Calibri" panose="020F0502020204030204" pitchFamily="34" charset="0"/>
+                <a:sym typeface="Calibri" panose="020F0502020204030204" pitchFamily="34" charset="0"/>
+              </a:rPr>
+              <a:t>reviewerName</a:t>
+            </a:r>
+            <a:r>
+              <a:rPr lang="en-US" altLang="zh-CN" sz="3200" dirty="0">
+                <a:solidFill>
+                  <a:srgbClr val="17375E"/>
+                </a:solidFill>
+                <a:latin typeface="Calibri" panose="020F0502020204030204" pitchFamily="34" charset="0"/>
+                <a:sym typeface="Calibri" panose="020F0502020204030204" pitchFamily="34" charset="0"/>
+              </a:rPr>
+              <a:t>, whether it's helpful, </a:t>
+            </a:r>
+            <a:r>
+              <a:rPr lang="en-US" altLang="zh-CN" sz="3200" dirty="0" err="1">
+                <a:solidFill>
+                  <a:srgbClr val="17375E"/>
+                </a:solidFill>
+                <a:latin typeface="Calibri" panose="020F0502020204030204" pitchFamily="34" charset="0"/>
+                <a:sym typeface="Calibri" panose="020F0502020204030204" pitchFamily="34" charset="0"/>
+              </a:rPr>
+              <a:t>reviewText</a:t>
+            </a:r>
+            <a:r>
+              <a:rPr lang="en-US" altLang="zh-CN" sz="3200" dirty="0">
+                <a:solidFill>
+                  <a:srgbClr val="17375E"/>
+                </a:solidFill>
+                <a:latin typeface="Calibri" panose="020F0502020204030204" pitchFamily="34" charset="0"/>
+                <a:sym typeface="Calibri" panose="020F0502020204030204" pitchFamily="34" charset="0"/>
+              </a:rPr>
+              <a:t>, summary and review time. The review time is not used either. As we want to get more useful information from customers' reviews, we will pay more attention to the </a:t>
+            </a:r>
+            <a:r>
+              <a:rPr lang="en-US" altLang="zh-CN" sz="3200" dirty="0" err="1">
+                <a:solidFill>
+                  <a:srgbClr val="17375E"/>
+                </a:solidFill>
+                <a:latin typeface="Calibri" panose="020F0502020204030204" pitchFamily="34" charset="0"/>
+                <a:sym typeface="Calibri" panose="020F0502020204030204" pitchFamily="34" charset="0"/>
+              </a:rPr>
+              <a:t>reviewText</a:t>
+            </a:r>
+            <a:r>
+              <a:rPr lang="en-US" altLang="zh-CN" sz="3200" dirty="0">
+                <a:solidFill>
+                  <a:srgbClr val="17375E"/>
+                </a:solidFill>
+                <a:latin typeface="Calibri" panose="020F0502020204030204" pitchFamily="34" charset="0"/>
+                <a:sym typeface="Calibri" panose="020F0502020204030204" pitchFamily="34" charset="0"/>
+              </a:rPr>
+              <a:t> and its corresponding rating.</a:t>
+            </a:r>
+            <a:endParaRPr lang="zh-CN" altLang="en-US" dirty="0"/>
+          </a:p>
+        </p:txBody>
+      </p:sp>
+      <p:sp>
+        <p:nvSpPr>
+          <p:cNvPr id="108" name="文本框 107"/>
+          <p:cNvSpPr txBox="1"/>
+          <p:nvPr/>
+        </p:nvSpPr>
+        <p:spPr>
+          <a:xfrm>
+            <a:off x="18584369" y="6759157"/>
+            <a:ext cx="7897333" cy="2062103"/>
+          </a:xfrm>
+          <a:prstGeom prst="rect">
+            <a:avLst/>
+          </a:prstGeom>
+          <a:noFill/>
+        </p:spPr>
+        <p:txBody>
+          <a:bodyPr wrap="square" rtlCol="0">
+            <a:spAutoFit/>
+          </a:bodyPr>
+          <a:lstStyle/>
+          <a:p>
+            <a:pPr algn="just"/>
+            <a:r>
+              <a:rPr lang="en-US" altLang="zh-CN" sz="3200" dirty="0" smtClean="0">
+                <a:solidFill>
+                  <a:srgbClr val="17375E"/>
+                </a:solidFill>
+                <a:latin typeface="Calibri" panose="020F0502020204030204" pitchFamily="34" charset="0"/>
+                <a:sym typeface="Calibri" panose="020F0502020204030204" pitchFamily="34" charset="0"/>
+              </a:rPr>
+              <a:t>We split </a:t>
+            </a:r>
+            <a:r>
+              <a:rPr lang="en-US" altLang="zh-CN" sz="3200" dirty="0">
+                <a:solidFill>
+                  <a:srgbClr val="17375E"/>
+                </a:solidFill>
+                <a:latin typeface="Calibri" panose="020F0502020204030204" pitchFamily="34" charset="0"/>
+                <a:sym typeface="Calibri" panose="020F0502020204030204" pitchFamily="34" charset="0"/>
+              </a:rPr>
+              <a:t>our data set into the training set and the validation set with the proportion 3:1 in the pre-process. </a:t>
+            </a:r>
+            <a:r>
+              <a:rPr lang="en-US" altLang="zh-CN" sz="3200" dirty="0" smtClean="0">
+                <a:solidFill>
+                  <a:srgbClr val="17375E"/>
+                </a:solidFill>
+                <a:latin typeface="Calibri" panose="020F0502020204030204" pitchFamily="34" charset="0"/>
+                <a:sym typeface="Calibri" panose="020F0502020204030204" pitchFamily="34" charset="0"/>
+              </a:rPr>
+              <a:t>The </a:t>
+            </a:r>
+            <a:r>
+              <a:rPr lang="en-US" altLang="zh-CN" sz="3200" dirty="0">
+                <a:solidFill>
+                  <a:srgbClr val="17375E"/>
+                </a:solidFill>
+                <a:latin typeface="Calibri" panose="020F0502020204030204" pitchFamily="34" charset="0"/>
+                <a:sym typeface="Calibri" panose="020F0502020204030204" pitchFamily="34" charset="0"/>
+              </a:rPr>
+              <a:t>experiment results are shown in the table </a:t>
+            </a:r>
+            <a:r>
+              <a:rPr lang="en-US" altLang="zh-CN" sz="3200" dirty="0" smtClean="0">
+                <a:solidFill>
+                  <a:srgbClr val="17375E"/>
+                </a:solidFill>
+                <a:latin typeface="Calibri" panose="020F0502020204030204" pitchFamily="34" charset="0"/>
+                <a:sym typeface="Calibri" panose="020F0502020204030204" pitchFamily="34" charset="0"/>
+              </a:rPr>
+              <a:t>below:</a:t>
+            </a:r>
+            <a:endParaRPr lang="en-US" altLang="zh-CN" sz="3200" dirty="0">
+              <a:solidFill>
+                <a:srgbClr val="17375E"/>
+              </a:solidFill>
+              <a:latin typeface="Calibri" panose="020F0502020204030204" pitchFamily="34" charset="0"/>
+              <a:sym typeface="Calibri" panose="020F0502020204030204" pitchFamily="34" charset="0"/>
+            </a:endParaRPr>
+          </a:p>
+        </p:txBody>
+      </p:sp>
+      <p:pic>
+        <p:nvPicPr>
+          <p:cNvPr id="18" name="图片 17"/>
+          <p:cNvPicPr>
+            <a:picLocks noChangeAspect="1"/>
+          </p:cNvPicPr>
+          <p:nvPr/>
+        </p:nvPicPr>
+        <p:blipFill>
+          <a:blip r:embed="rId7">
+            <a:extLst>
+              <a:ext uri="{28A0092B-C50C-407E-A947-70E740481C1C}">
+                <a14:useLocalDpi xmlns:a14="http://schemas.microsoft.com/office/drawing/2010/main" val="0"/>
+              </a:ext>
+            </a:extLst>
+          </a:blip>
+          <a:stretch>
+            <a:fillRect/>
+          </a:stretch>
+        </p:blipFill>
+        <p:spPr>
+          <a:xfrm>
+            <a:off x="18634439" y="8696192"/>
+            <a:ext cx="7795416" cy="4773740"/>
+          </a:xfrm>
+          <a:prstGeom prst="rect">
+            <a:avLst/>
+          </a:prstGeom>
+        </p:spPr>
+      </p:pic>
     </p:spTree>
   </p:cSld>
   <p:clrMapOvr>

--- a/poster_template.pptx
+++ b/poster_template.pptx
@@ -11814,25 +11814,13 @@
                 <a:cs typeface="Calibri"/>
                 <a:sym typeface="Calibri"/>
               </a:rPr>
-              <a:t>Digital Music Recommendation </a:t>
-            </a:r>
-            <a:r>
-              <a:rPr lang="en-US" altLang="zh-CN" sz="7200" dirty="0" smtClean="0">
-                <a:solidFill>
-                  <a:schemeClr val="lt1"/>
-                </a:solidFill>
-                <a:latin typeface="Calibri"/>
-                <a:ea typeface="Calibri"/>
-                <a:cs typeface="Calibri"/>
-                <a:sym typeface="Calibri"/>
-              </a:rPr>
-              <a:t>System</a:t>
+              <a:t>Digital Music Recommendation System</a:t>
             </a:r>
           </a:p>
           <a:p>
             <a:pPr lvl="0" algn="ctr"/>
             <a:r>
-              <a:rPr lang="en-US" altLang="zh-CN" sz="4400" dirty="0" err="1" smtClean="0">
+              <a:rPr lang="en-US" altLang="zh-CN" sz="4400" dirty="0" err="1">
                 <a:solidFill>
                   <a:schemeClr val="lt1"/>
                 </a:solidFill>
@@ -11844,7 +11832,7 @@
               <a:t>Minjia</a:t>
             </a:r>
             <a:r>
-              <a:rPr lang="en-US" altLang="zh-CN" sz="4400" dirty="0" smtClean="0">
+              <a:rPr lang="en-US" altLang="zh-CN" sz="4400" dirty="0">
                 <a:solidFill>
                   <a:schemeClr val="lt1"/>
                 </a:solidFill>
@@ -11856,7 +11844,7 @@
               <a:t> Qian, </a:t>
             </a:r>
             <a:r>
-              <a:rPr lang="en-US" altLang="zh-CN" sz="4400" dirty="0" err="1" smtClean="0">
+              <a:rPr lang="en-US" altLang="zh-CN" sz="4400" dirty="0" err="1">
                 <a:solidFill>
                   <a:schemeClr val="lt1"/>
                 </a:solidFill>
@@ -11868,7 +11856,7 @@
               <a:t>Siyi</a:t>
             </a:r>
             <a:r>
-              <a:rPr lang="en-US" altLang="zh-CN" sz="4400" dirty="0" smtClean="0">
+              <a:rPr lang="en-US" altLang="zh-CN" sz="4400" dirty="0">
                 <a:solidFill>
                   <a:schemeClr val="lt1"/>
                 </a:solidFill>
@@ -11879,7 +11867,7 @@
               </a:rPr>
               <a:t> Zheng</a:t>
             </a:r>
-            <a:endParaRPr lang="en-US" sz="4400" dirty="0" smtClean="0">
+            <a:endParaRPr lang="en-US" sz="4400" dirty="0">
               <a:solidFill>
                 <a:schemeClr val="lt1"/>
               </a:solidFill>
@@ -11900,7 +11888,7 @@
               <a:buNone/>
             </a:pPr>
             <a:r>
-              <a:rPr lang="en-US" sz="4400" baseline="30000" dirty="0" smtClean="0">
+              <a:rPr lang="en-US" sz="4400" baseline="30000" dirty="0">
                 <a:solidFill>
                   <a:schemeClr val="lt1"/>
                 </a:solidFill>
@@ -11912,7 +11900,7 @@
               <a:t>1</a:t>
             </a:r>
             <a:r>
-              <a:rPr lang="en-US" sz="4400" dirty="0" smtClean="0">
+              <a:rPr lang="en-US" sz="4400" dirty="0">
                 <a:solidFill>
                   <a:schemeClr val="lt1"/>
                 </a:solidFill>
@@ -11924,7 +11912,7 @@
               <a:t> School of Information, </a:t>
             </a:r>
             <a:r>
-              <a:rPr lang="en-US" sz="4400" dirty="0" smtClean="0">
+              <a:rPr lang="en-US" sz="4400" dirty="0">
                 <a:solidFill>
                   <a:srgbClr val="FFFFFF"/>
                 </a:solidFill>
@@ -11935,15 +11923,6 @@
               </a:rPr>
               <a:t> University of Michigan</a:t>
             </a:r>
-            <a:endParaRPr lang="en-US" sz="4400" dirty="0">
-              <a:solidFill>
-                <a:srgbClr val="FFFFFF"/>
-              </a:solidFill>
-              <a:latin typeface="Times New Roman" panose="02020703060505090304"/>
-              <a:ea typeface="Times New Roman" panose="02020703060505090304"/>
-              <a:cs typeface="Times New Roman" panose="02020703060505090304"/>
-              <a:sym typeface="Times New Roman" panose="02020703060505090304"/>
-            </a:endParaRPr>
           </a:p>
         </p:txBody>
       </p:sp>
@@ -12090,7 +12069,7 @@
               <a:t>This is a final project presentation of SI </a:t>
             </a:r>
             <a:r>
-              <a:rPr lang="en-US" altLang="zh-CN" sz="2800" dirty="0" smtClean="0">
+              <a:rPr lang="en-US" altLang="zh-CN" sz="2800" dirty="0">
                 <a:solidFill>
                   <a:schemeClr val="lt1"/>
                 </a:solidFill>
@@ -12102,7 +12081,7 @@
               <a:t>671:</a:t>
             </a:r>
             <a:r>
-              <a:rPr lang="zh-CN" altLang="en-US" sz="2800" dirty="0" smtClean="0">
+              <a:rPr lang="zh-CN" altLang="en-US" sz="2800" dirty="0">
                 <a:solidFill>
                   <a:schemeClr val="lt1"/>
                 </a:solidFill>
@@ -12114,7 +12093,7 @@
               <a:t> </a:t>
             </a:r>
             <a:r>
-              <a:rPr lang="en-US" altLang="zh-CN" sz="2800" dirty="0" smtClean="0">
+              <a:rPr lang="en-US" altLang="zh-CN" sz="2800" dirty="0">
                 <a:solidFill>
                   <a:schemeClr val="lt1"/>
                 </a:solidFill>
@@ -12966,7 +12945,7 @@
           </a:p>
           <a:p>
             <a:pPr algn="ctr"/>
-            <a:endParaRPr lang="en-US" sz="4000" b="1" u="sng" dirty="0" smtClean="0">
+            <a:endParaRPr lang="en-US" sz="4000" b="1" u="sng" dirty="0">
               <a:solidFill>
                 <a:srgbClr val="17365D"/>
               </a:solidFill>
@@ -13302,17 +13281,7 @@
                   <a:latin typeface="Calibri" panose="020F0502020204030204" pitchFamily="34" charset="0"/>
                   <a:sym typeface="Calibri" panose="020F0502020204030204" pitchFamily="34" charset="0"/>
                 </a:rPr>
-                <a:t>Cluster all the songs into different groups and extract some features / tags to characterize each song. Analyze the relationship between the users and their music preferences</a:t>
-              </a:r>
-              <a:r>
-                <a:rPr lang="en-US" altLang="zh-CN" sz="3200" dirty="0" smtClean="0">
-                  <a:solidFill>
-                    <a:srgbClr val="17375E"/>
-                  </a:solidFill>
-                  <a:latin typeface="Calibri" panose="020F0502020204030204" pitchFamily="34" charset="0"/>
-                  <a:sym typeface="Calibri" panose="020F0502020204030204" pitchFamily="34" charset="0"/>
-                </a:rPr>
-                <a:t>.</a:t>
+                <a:t>Cluster all the songs into different groups and extract some features / tags to characterize each song. Analyze the relationship between the users and their music preferences.</a:t>
               </a:r>
             </a:p>
             <a:p>
@@ -13370,13 +13339,6 @@
                 </a:rPr>
                 <a:t> and traditional SVD. We may also compare the performance among these methods. </a:t>
               </a:r>
-              <a:endParaRPr lang="en-US" altLang="zh-CN" sz="3200" dirty="0" smtClean="0">
-                <a:solidFill>
-                  <a:srgbClr val="17375E"/>
-                </a:solidFill>
-                <a:latin typeface="Calibri" panose="020F0502020204030204" pitchFamily="34" charset="0"/>
-                <a:sym typeface="Calibri" panose="020F0502020204030204" pitchFamily="34" charset="0"/>
-              </a:endParaRPr>
             </a:p>
             <a:p>
               <a:pPr marL="457200" indent="-457200" algn="just">
@@ -13393,13 +13355,6 @@
                 </a:rPr>
                 <a:t>For the validation and demonstration purpose, we will divide our data set into the training set and the validation set. After we build the model, we will apply it to the validation set and calculate the mean absolute error as the judgement of the performance.</a:t>
               </a:r>
-              <a:endParaRPr lang="en-US" altLang="zh-CN" sz="3200" dirty="0">
-                <a:solidFill>
-                  <a:srgbClr val="17375E"/>
-                </a:solidFill>
-                <a:latin typeface="Calibri" panose="020F0502020204030204" pitchFamily="34" charset="0"/>
-                <a:sym typeface="Calibri" panose="020F0502020204030204" pitchFamily="34" charset="0"/>
-              </a:endParaRPr>
             </a:p>
           </p:txBody>
         </p:sp>
@@ -13512,25 +13467,8 @@
                   <a:latin typeface="Calibri" panose="020F0502020204030204" pitchFamily="34" charset="0"/>
                   <a:sym typeface="Calibri" panose="020F0502020204030204" pitchFamily="34" charset="0"/>
                 </a:rPr>
-                <a:t>Data </a:t>
+                <a:t>Data Description</a:t>
               </a:r>
-              <a:r>
-                <a:rPr lang="en-US" altLang="zh-CN" sz="4000" b="1" u="sng" dirty="0">
-                  <a:solidFill>
-                    <a:srgbClr val="17365D"/>
-                  </a:solidFill>
-                  <a:latin typeface="Calibri" panose="020F0502020204030204" pitchFamily="34" charset="0"/>
-                  <a:sym typeface="Calibri" panose="020F0502020204030204" pitchFamily="34" charset="0"/>
-                </a:rPr>
-                <a:t>Description</a:t>
-              </a:r>
-              <a:endParaRPr lang="en-US" altLang="zh-CN" sz="4000" b="1" u="sng" dirty="0">
-                <a:solidFill>
-                  <a:srgbClr val="17365D"/>
-                </a:solidFill>
-                <a:latin typeface="Calibri" panose="020F0502020204030204" pitchFamily="34" charset="0"/>
-                <a:sym typeface="Calibri" panose="020F0502020204030204" pitchFamily="34" charset="0"/>
-              </a:endParaRPr>
             </a:p>
           </p:txBody>
         </p:sp>
@@ -13558,7 +13496,7 @@
             <a:p>
               <a:pPr algn="just"/>
               <a:r>
-                <a:rPr lang="en-US" altLang="zh-CN" sz="3200" dirty="0" smtClean="0">
+                <a:rPr lang="en-US" altLang="zh-CN" sz="3200" dirty="0">
                   <a:solidFill>
                     <a:srgbClr val="17375E"/>
                   </a:solidFill>
@@ -13568,7 +13506,7 @@
                 <a:t>We use the digital music part of a public Amazon Data set from http://jmcauley.ucsd.edu/data/amazon/. There are two files we will use in this project</a:t>
               </a:r>
               <a:r>
-                <a:rPr lang="zh-CN" altLang="en-US" sz="3200" dirty="0" smtClean="0">
+                <a:rPr lang="zh-CN" altLang="en-US" sz="3200" dirty="0">
                   <a:solidFill>
                     <a:srgbClr val="17375E"/>
                   </a:solidFill>
@@ -13577,7 +13515,7 @@
                 </a:rPr>
                 <a:t>：</a:t>
               </a:r>
-              <a:endParaRPr lang="en-US" altLang="zh-CN" sz="3200" dirty="0" smtClean="0">
+              <a:endParaRPr lang="en-US" altLang="zh-CN" sz="3200" dirty="0">
                 <a:solidFill>
                   <a:srgbClr val="17375E"/>
                 </a:solidFill>
@@ -13591,16 +13529,6 @@
                 <a:buChar char="•"/>
               </a:pPr>
               <a:r>
-                <a:rPr lang="en-US" altLang="zh-CN" sz="3200" b="1" dirty="0" smtClean="0">
-                  <a:solidFill>
-                    <a:srgbClr val="17375E"/>
-                  </a:solidFill>
-                  <a:latin typeface="Calibri" panose="020F0502020204030204" pitchFamily="34" charset="0"/>
-                  <a:sym typeface="Calibri" panose="020F0502020204030204" pitchFamily="34" charset="0"/>
-                </a:rPr>
-                <a:t>ratings_Digital_Music.csv</a:t>
-              </a:r>
-              <a:r>
                 <a:rPr lang="en-US" altLang="zh-CN" sz="3200" b="1" dirty="0">
                   <a:solidFill>
                     <a:srgbClr val="17375E"/>
@@ -13608,7 +13536,7 @@
                   <a:latin typeface="Calibri" panose="020F0502020204030204" pitchFamily="34" charset="0"/>
                   <a:sym typeface="Calibri" panose="020F0502020204030204" pitchFamily="34" charset="0"/>
                 </a:rPr>
-                <a:t>:</a:t>
+                <a:t>ratings_Digital_Music.csv:</a:t>
               </a:r>
               <a:r>
                 <a:rPr lang="en-US" altLang="zh-CN" sz="3200" dirty="0">
@@ -13618,17 +13546,17 @@
                   <a:latin typeface="Calibri" panose="020F0502020204030204" pitchFamily="34" charset="0"/>
                   <a:sym typeface="Calibri" panose="020F0502020204030204" pitchFamily="34" charset="0"/>
                 </a:rPr>
-                <a:t> The four columns in this table are user, item, rating and </a:t>
+                <a:t> The four columns in this table are user, item, rating and timestamp. There are 478235 unique users, 836006 ratings, and 266414 unique songs. The data is quite sparse. To solve the problem, we sample 0.025 * 836006 no repeated data entries from the original data as the simplified data and extract users who have given more than or equal to 40 or 100 ratings as the valid data</a:t>
               </a:r>
               <a:r>
-                <a:rPr lang="en-US" altLang="zh-CN" sz="3200" dirty="0" smtClean="0">
+                <a:rPr lang="zh-CN" altLang="en-US" sz="3200" dirty="0">
                   <a:solidFill>
                     <a:srgbClr val="17375E"/>
                   </a:solidFill>
                   <a:latin typeface="Calibri" panose="020F0502020204030204" pitchFamily="34" charset="0"/>
                   <a:sym typeface="Calibri" panose="020F0502020204030204" pitchFamily="34" charset="0"/>
                 </a:rPr>
-                <a:t>timestamp. </a:t>
+                <a:t>。 </a:t>
               </a:r>
               <a:r>
                 <a:rPr lang="en-US" altLang="zh-CN" sz="3200" dirty="0">
@@ -13638,157 +13566,7 @@
                   <a:latin typeface="Calibri" panose="020F0502020204030204" pitchFamily="34" charset="0"/>
                   <a:sym typeface="Calibri" panose="020F0502020204030204" pitchFamily="34" charset="0"/>
                 </a:rPr>
-                <a:t>There are 478235 unique users, 836006 ratings, and 266414 unique songs. </a:t>
-              </a:r>
-              <a:r>
-                <a:rPr lang="en-US" altLang="zh-CN" sz="3200" dirty="0" smtClean="0">
-                  <a:solidFill>
-                    <a:srgbClr val="17375E"/>
-                  </a:solidFill>
-                  <a:latin typeface="Calibri" panose="020F0502020204030204" pitchFamily="34" charset="0"/>
-                  <a:sym typeface="Calibri" panose="020F0502020204030204" pitchFamily="34" charset="0"/>
-                </a:rPr>
-                <a:t>The data </a:t>
-              </a:r>
-              <a:r>
-                <a:rPr lang="en-US" altLang="zh-CN" sz="3200" dirty="0">
-                  <a:solidFill>
-                    <a:srgbClr val="17375E"/>
-                  </a:solidFill>
-                  <a:latin typeface="Calibri" panose="020F0502020204030204" pitchFamily="34" charset="0"/>
-                  <a:sym typeface="Calibri" panose="020F0502020204030204" pitchFamily="34" charset="0"/>
-                </a:rPr>
-                <a:t>is quite </a:t>
-              </a:r>
-              <a:r>
-                <a:rPr lang="en-US" altLang="zh-CN" sz="3200" dirty="0" smtClean="0">
-                  <a:solidFill>
-                    <a:srgbClr val="17375E"/>
-                  </a:solidFill>
-                  <a:latin typeface="Calibri" panose="020F0502020204030204" pitchFamily="34" charset="0"/>
-                  <a:sym typeface="Calibri" panose="020F0502020204030204" pitchFamily="34" charset="0"/>
-                </a:rPr>
-                <a:t>sparse. To </a:t>
-              </a:r>
-              <a:r>
-                <a:rPr lang="en-US" altLang="zh-CN" sz="3200" dirty="0">
-                  <a:solidFill>
-                    <a:srgbClr val="17375E"/>
-                  </a:solidFill>
-                  <a:latin typeface="Calibri" panose="020F0502020204030204" pitchFamily="34" charset="0"/>
-                  <a:sym typeface="Calibri" panose="020F0502020204030204" pitchFamily="34" charset="0"/>
-                </a:rPr>
-                <a:t>solve the problem, </a:t>
-              </a:r>
-              <a:r>
-                <a:rPr lang="en-US" altLang="zh-CN" sz="3200" dirty="0" smtClean="0">
-                  <a:solidFill>
-                    <a:srgbClr val="17375E"/>
-                  </a:solidFill>
-                  <a:latin typeface="Calibri" panose="020F0502020204030204" pitchFamily="34" charset="0"/>
-                  <a:sym typeface="Calibri" panose="020F0502020204030204" pitchFamily="34" charset="0"/>
-                </a:rPr>
-                <a:t>we </a:t>
-              </a:r>
-              <a:r>
-                <a:rPr lang="en-US" altLang="zh-CN" sz="3200" dirty="0">
-                  <a:solidFill>
-                    <a:srgbClr val="17375E"/>
-                  </a:solidFill>
-                  <a:latin typeface="Calibri" panose="020F0502020204030204" pitchFamily="34" charset="0"/>
-                  <a:sym typeface="Calibri" panose="020F0502020204030204" pitchFamily="34" charset="0"/>
-                </a:rPr>
-                <a:t>sample 0.025 * 836006 no repeated data entries from the original data as the simplified </a:t>
-              </a:r>
-              <a:r>
-                <a:rPr lang="en-US" altLang="zh-CN" sz="3200" dirty="0" smtClean="0">
-                  <a:solidFill>
-                    <a:srgbClr val="17375E"/>
-                  </a:solidFill>
-                  <a:latin typeface="Calibri" panose="020F0502020204030204" pitchFamily="34" charset="0"/>
-                  <a:sym typeface="Calibri" panose="020F0502020204030204" pitchFamily="34" charset="0"/>
-                </a:rPr>
-                <a:t>data and extract </a:t>
-              </a:r>
-              <a:r>
-                <a:rPr lang="en-US" altLang="zh-CN" sz="3200" dirty="0">
-                  <a:solidFill>
-                    <a:srgbClr val="17375E"/>
-                  </a:solidFill>
-                  <a:latin typeface="Calibri" panose="020F0502020204030204" pitchFamily="34" charset="0"/>
-                  <a:sym typeface="Calibri" panose="020F0502020204030204" pitchFamily="34" charset="0"/>
-                </a:rPr>
-                <a:t>users who have given more than or equal to 40 or 100 ratings as the valid </a:t>
-              </a:r>
-              <a:r>
-                <a:rPr lang="en-US" altLang="zh-CN" sz="3200" dirty="0" smtClean="0">
-                  <a:solidFill>
-                    <a:srgbClr val="17375E"/>
-                  </a:solidFill>
-                  <a:latin typeface="Calibri" panose="020F0502020204030204" pitchFamily="34" charset="0"/>
-                  <a:sym typeface="Calibri" panose="020F0502020204030204" pitchFamily="34" charset="0"/>
-                </a:rPr>
-                <a:t>data</a:t>
-              </a:r>
-              <a:r>
-                <a:rPr lang="zh-CN" altLang="en-US" sz="3200" dirty="0" smtClean="0">
-                  <a:solidFill>
-                    <a:srgbClr val="17375E"/>
-                  </a:solidFill>
-                  <a:latin typeface="Calibri" panose="020F0502020204030204" pitchFamily="34" charset="0"/>
-                  <a:sym typeface="Calibri" panose="020F0502020204030204" pitchFamily="34" charset="0"/>
-                </a:rPr>
-                <a:t>。 </a:t>
-              </a:r>
-              <a:r>
-                <a:rPr lang="en-US" altLang="zh-CN" sz="3200" dirty="0" smtClean="0">
-                  <a:solidFill>
-                    <a:srgbClr val="17375E"/>
-                  </a:solidFill>
-                  <a:latin typeface="Calibri" panose="020F0502020204030204" pitchFamily="34" charset="0"/>
-                  <a:sym typeface="Calibri" panose="020F0502020204030204" pitchFamily="34" charset="0"/>
-                </a:rPr>
-                <a:t>After </a:t>
-              </a:r>
-              <a:r>
-                <a:rPr lang="en-US" altLang="zh-CN" sz="3200" dirty="0">
-                  <a:solidFill>
-                    <a:srgbClr val="17375E"/>
-                  </a:solidFill>
-                  <a:latin typeface="Calibri" panose="020F0502020204030204" pitchFamily="34" charset="0"/>
-                  <a:sym typeface="Calibri" panose="020F0502020204030204" pitchFamily="34" charset="0"/>
-                </a:rPr>
-                <a:t>splitting and filtering, the </a:t>
-              </a:r>
-              <a:r>
-                <a:rPr lang="en-US" altLang="zh-CN" sz="3200" dirty="0" smtClean="0">
-                  <a:solidFill>
-                    <a:srgbClr val="17375E"/>
-                  </a:solidFill>
-                  <a:latin typeface="Calibri" panose="020F0502020204030204" pitchFamily="34" charset="0"/>
-                  <a:sym typeface="Calibri" panose="020F0502020204030204" pitchFamily="34" charset="0"/>
-                </a:rPr>
-                <a:t>details of the final </a:t>
-              </a:r>
-              <a:r>
-                <a:rPr lang="en-US" altLang="zh-CN" sz="3200" dirty="0">
-                  <a:solidFill>
-                    <a:srgbClr val="17375E"/>
-                  </a:solidFill>
-                  <a:latin typeface="Calibri" panose="020F0502020204030204" pitchFamily="34" charset="0"/>
-                  <a:sym typeface="Calibri" panose="020F0502020204030204" pitchFamily="34" charset="0"/>
-                </a:rPr>
-                <a:t>data sets </a:t>
-              </a:r>
-              <a:r>
-                <a:rPr lang="en-US" altLang="zh-CN" sz="3200" dirty="0" smtClean="0">
-                  <a:solidFill>
-                    <a:srgbClr val="17375E"/>
-                  </a:solidFill>
-                  <a:latin typeface="Calibri" panose="020F0502020204030204" pitchFamily="34" charset="0"/>
-                  <a:sym typeface="Calibri" panose="020F0502020204030204" pitchFamily="34" charset="0"/>
-                </a:rPr>
-                <a:t>is shown in Fig. 1.</a:t>
+                <a:t>After splitting and filtering, the details of the final data sets is shown in Fig. 1.</a:t>
               </a:r>
               <a:endParaRPr lang="zh-CN" altLang="en-US" dirty="0"/>
             </a:p>
@@ -13804,9 +13582,9 @@
         <p:grpSpPr>
           <a:xfrm>
             <a:off x="9811024" y="13334556"/>
-            <a:ext cx="7922179" cy="10646519"/>
+            <a:ext cx="7922179" cy="15078501"/>
             <a:chOff x="9764078" y="9675482"/>
-            <a:chExt cx="7922179" cy="10646519"/>
+            <a:chExt cx="7922179" cy="15078501"/>
           </a:xfrm>
         </p:grpSpPr>
         <p:sp>
@@ -13833,7 +13611,7 @@
             <a:p>
               <a:pPr algn="ctr"/>
               <a:r>
-                <a:rPr lang="en-US" altLang="zh-CN" sz="4000" b="1" u="sng" dirty="0" smtClean="0">
+                <a:rPr lang="en-US" altLang="zh-CN" sz="4000" b="1" u="sng" dirty="0">
                   <a:solidFill>
                     <a:srgbClr val="17365D"/>
                   </a:solidFill>
@@ -13842,13 +13620,6 @@
                 </a:rPr>
                 <a:t>Methodology</a:t>
               </a:r>
-              <a:endParaRPr lang="en-US" altLang="zh-CN" sz="4000" b="1" u="sng" dirty="0">
-                <a:solidFill>
-                  <a:srgbClr val="17365D"/>
-                </a:solidFill>
-                <a:latin typeface="Calibri" panose="020F0502020204030204" pitchFamily="34" charset="0"/>
-                <a:sym typeface="Calibri" panose="020F0502020204030204" pitchFamily="34" charset="0"/>
-              </a:endParaRPr>
             </a:p>
           </p:txBody>
         </p:sp>
@@ -13861,7 +13632,7 @@
           <p:spPr>
             <a:xfrm>
               <a:off x="9777046" y="10380818"/>
-              <a:ext cx="7897333" cy="9941183"/>
+              <a:ext cx="7897333" cy="14373165"/>
             </a:xfrm>
             <a:prstGeom prst="rect">
               <a:avLst/>
@@ -13896,27 +13667,7 @@
                   <a:latin typeface="Calibri" panose="020F0502020204030204" pitchFamily="34" charset="0"/>
                   <a:sym typeface="Calibri" panose="020F0502020204030204" pitchFamily="34" charset="0"/>
                 </a:rPr>
-                <a:t> </a:t>
-              </a:r>
-              <a:r>
-                <a:rPr lang="en-US" altLang="zh-CN" sz="3200" b="1" dirty="0" smtClean="0">
-                  <a:solidFill>
-                    <a:srgbClr val="17375E"/>
-                  </a:solidFill>
-                  <a:latin typeface="Calibri" panose="020F0502020204030204" pitchFamily="34" charset="0"/>
-                  <a:sym typeface="Calibri" panose="020F0502020204030204" pitchFamily="34" charset="0"/>
-                </a:rPr>
-                <a:t>vectorization</a:t>
-              </a:r>
-              <a:r>
-                <a:rPr lang="en-US" altLang="zh-CN" sz="3200" b="1" dirty="0">
-                  <a:solidFill>
-                    <a:srgbClr val="17375E"/>
-                  </a:solidFill>
-                  <a:latin typeface="Calibri" panose="020F0502020204030204" pitchFamily="34" charset="0"/>
-                  <a:sym typeface="Calibri" panose="020F0502020204030204" pitchFamily="34" charset="0"/>
-                </a:rPr>
-                <a:t>: </a:t>
+                <a:t> vectorization: </a:t>
               </a:r>
               <a:r>
                 <a:rPr lang="en-US" altLang="zh-CN" sz="3200" dirty="0" err="1">
@@ -13936,157 +13687,7 @@
                   <a:latin typeface="Calibri" panose="020F0502020204030204" pitchFamily="34" charset="0"/>
                   <a:sym typeface="Calibri" panose="020F0502020204030204" pitchFamily="34" charset="0"/>
                 </a:rPr>
-                <a:t> is short for term frequency–inverse document </a:t>
-              </a:r>
-              <a:r>
-                <a:rPr lang="en-US" altLang="zh-CN" sz="3200" dirty="0" smtClean="0">
-                  <a:solidFill>
-                    <a:srgbClr val="17375E"/>
-                  </a:solidFill>
-                  <a:latin typeface="Calibri" panose="020F0502020204030204" pitchFamily="34" charset="0"/>
-                  <a:sym typeface="Calibri" panose="020F0502020204030204" pitchFamily="34" charset="0"/>
-                </a:rPr>
-                <a:t>frequency</a:t>
-              </a:r>
-              <a:r>
-                <a:rPr lang="en-US" altLang="zh-CN" sz="3200" dirty="0">
-                  <a:solidFill>
-                    <a:srgbClr val="17375E"/>
-                  </a:solidFill>
-                  <a:latin typeface="Calibri" panose="020F0502020204030204" pitchFamily="34" charset="0"/>
-                  <a:sym typeface="Calibri" panose="020F0502020204030204" pitchFamily="34" charset="0"/>
-                </a:rPr>
-                <a:t>. Term frequency refers to how common does a </a:t>
-              </a:r>
-              <a:r>
-                <a:rPr lang="en-US" altLang="zh-CN" sz="3200" dirty="0" smtClean="0">
-                  <a:solidFill>
-                    <a:srgbClr val="17375E"/>
-                  </a:solidFill>
-                  <a:latin typeface="Calibri" panose="020F0502020204030204" pitchFamily="34" charset="0"/>
-                  <a:sym typeface="Calibri" panose="020F0502020204030204" pitchFamily="34" charset="0"/>
-                </a:rPr>
-                <a:t>word occur </a:t>
-              </a:r>
-              <a:r>
-                <a:rPr lang="en-US" altLang="zh-CN" sz="3200" dirty="0">
-                  <a:solidFill>
-                    <a:srgbClr val="17375E"/>
-                  </a:solidFill>
-                  <a:latin typeface="Calibri" panose="020F0502020204030204" pitchFamily="34" charset="0"/>
-                  <a:sym typeface="Calibri" panose="020F0502020204030204" pitchFamily="34" charset="0"/>
-                </a:rPr>
-                <a:t>in one document, while inverse document </a:t>
-              </a:r>
-              <a:r>
-                <a:rPr lang="en-US" altLang="zh-CN" sz="3200" dirty="0" smtClean="0">
-                  <a:solidFill>
-                    <a:srgbClr val="17375E"/>
-                  </a:solidFill>
-                  <a:latin typeface="Calibri" panose="020F0502020204030204" pitchFamily="34" charset="0"/>
-                  <a:sym typeface="Calibri" panose="020F0502020204030204" pitchFamily="34" charset="0"/>
-                </a:rPr>
-                <a:t>frequency refers </a:t>
-              </a:r>
-              <a:r>
-                <a:rPr lang="en-US" altLang="zh-CN" sz="3200" dirty="0">
-                  <a:solidFill>
-                    <a:srgbClr val="17375E"/>
-                  </a:solidFill>
-                  <a:latin typeface="Calibri" panose="020F0502020204030204" pitchFamily="34" charset="0"/>
-                  <a:sym typeface="Calibri" panose="020F0502020204030204" pitchFamily="34" charset="0"/>
-                </a:rPr>
-                <a:t>to how common does a word occur across a set </a:t>
-              </a:r>
-              <a:r>
-                <a:rPr lang="en-US" altLang="zh-CN" sz="3200" dirty="0" smtClean="0">
-                  <a:solidFill>
-                    <a:srgbClr val="17375E"/>
-                  </a:solidFill>
-                  <a:latin typeface="Calibri" panose="020F0502020204030204" pitchFamily="34" charset="0"/>
-                  <a:sym typeface="Calibri" panose="020F0502020204030204" pitchFamily="34" charset="0"/>
-                </a:rPr>
-                <a:t>of documents</a:t>
-              </a:r>
-              <a:r>
-                <a:rPr lang="en-US" altLang="zh-CN" sz="3200" dirty="0">
-                  <a:solidFill>
-                    <a:srgbClr val="17375E"/>
-                  </a:solidFill>
-                  <a:latin typeface="Calibri" panose="020F0502020204030204" pitchFamily="34" charset="0"/>
-                  <a:sym typeface="Calibri" panose="020F0502020204030204" pitchFamily="34" charset="0"/>
-                </a:rPr>
-                <a:t>. </a:t>
-              </a:r>
-              <a:r>
-                <a:rPr lang="en-US" altLang="zh-CN" sz="3200" dirty="0" smtClean="0">
-                  <a:solidFill>
-                    <a:srgbClr val="17375E"/>
-                  </a:solidFill>
-                  <a:latin typeface="Calibri" panose="020F0502020204030204" pitchFamily="34" charset="0"/>
-                  <a:sym typeface="Calibri" panose="020F0502020204030204" pitchFamily="34" charset="0"/>
-                </a:rPr>
-                <a:t>It’s </a:t>
-              </a:r>
-              <a:r>
-                <a:rPr lang="en-US" altLang="zh-CN" sz="3200" dirty="0">
-                  <a:solidFill>
-                    <a:srgbClr val="17375E"/>
-                  </a:solidFill>
-                  <a:latin typeface="Calibri" panose="020F0502020204030204" pitchFamily="34" charset="0"/>
-                  <a:sym typeface="Calibri" panose="020F0502020204030204" pitchFamily="34" charset="0"/>
-                </a:rPr>
-                <a:t>a statistical </a:t>
-              </a:r>
-              <a:r>
-                <a:rPr lang="en-US" altLang="zh-CN" sz="3200" dirty="0" smtClean="0">
-                  <a:solidFill>
-                    <a:srgbClr val="17375E"/>
-                  </a:solidFill>
-                  <a:latin typeface="Calibri" panose="020F0502020204030204" pitchFamily="34" charset="0"/>
-                  <a:sym typeface="Calibri" panose="020F0502020204030204" pitchFamily="34" charset="0"/>
-                </a:rPr>
-                <a:t>measurement </a:t>
-              </a:r>
-              <a:r>
-                <a:rPr lang="en-US" altLang="zh-CN" sz="3200" dirty="0">
-                  <a:solidFill>
-                    <a:srgbClr val="17375E"/>
-                  </a:solidFill>
-                  <a:latin typeface="Calibri" panose="020F0502020204030204" pitchFamily="34" charset="0"/>
-                  <a:sym typeface="Calibri" panose="020F0502020204030204" pitchFamily="34" charset="0"/>
-                </a:rPr>
-                <a:t>that "</a:t>
-              </a:r>
-              <a:r>
-                <a:rPr lang="en-US" altLang="zh-CN" sz="3200" dirty="0" smtClean="0">
-                  <a:solidFill>
-                    <a:srgbClr val="17375E"/>
-                  </a:solidFill>
-                  <a:latin typeface="Calibri" panose="020F0502020204030204" pitchFamily="34" charset="0"/>
-                  <a:sym typeface="Calibri" panose="020F0502020204030204" pitchFamily="34" charset="0"/>
-                </a:rPr>
-                <a:t>evaluate show </a:t>
-              </a:r>
-              <a:r>
-                <a:rPr lang="en-US" altLang="zh-CN" sz="3200" dirty="0">
-                  <a:solidFill>
-                    <a:srgbClr val="17375E"/>
-                  </a:solidFill>
-                  <a:latin typeface="Calibri" panose="020F0502020204030204" pitchFamily="34" charset="0"/>
-                  <a:sym typeface="Calibri" panose="020F0502020204030204" pitchFamily="34" charset="0"/>
-                </a:rPr>
-                <a:t>relevant a word is to a document in a collection of </a:t>
-              </a:r>
-              <a:r>
-                <a:rPr lang="en-US" altLang="zh-CN" sz="3200" dirty="0" smtClean="0">
-                  <a:solidFill>
-                    <a:srgbClr val="17375E"/>
-                  </a:solidFill>
-                  <a:latin typeface="Calibri" panose="020F0502020204030204" pitchFamily="34" charset="0"/>
-                  <a:sym typeface="Calibri" panose="020F0502020204030204" pitchFamily="34" charset="0"/>
-                </a:rPr>
-                <a:t>documents“.</a:t>
+                <a:t> is short for term frequency–inverse document frequency. Term frequency refers to how common does a word occur in one document, while inverse document frequency refers to how common does a word occur across a set of documents. It’s a statistical measurement that "evaluate show relevant a word is to a document in a collection of documents“.</a:t>
               </a:r>
             </a:p>
             <a:p>
@@ -14112,37 +13713,7 @@
                   <a:latin typeface="Calibri" panose="020F0502020204030204" pitchFamily="34" charset="0"/>
                   <a:sym typeface="Calibri" panose="020F0502020204030204" pitchFamily="34" charset="0"/>
                 </a:rPr>
-                <a:t> </a:t>
-              </a:r>
-              <a:r>
-                <a:rPr lang="en-US" altLang="zh-CN" sz="3200" b="1" dirty="0" smtClean="0">
-                  <a:solidFill>
-                    <a:srgbClr val="17375E"/>
-                  </a:solidFill>
-                  <a:latin typeface="Calibri" panose="020F0502020204030204" pitchFamily="34" charset="0"/>
-                  <a:sym typeface="Calibri" panose="020F0502020204030204" pitchFamily="34" charset="0"/>
-                </a:rPr>
-                <a:t>package</a:t>
-              </a:r>
-              <a:r>
-                <a:rPr lang="en-US" altLang="zh-CN" sz="3200" b="1" dirty="0">
-                  <a:solidFill>
-                    <a:srgbClr val="17375E"/>
-                  </a:solidFill>
-                  <a:latin typeface="Calibri" panose="020F0502020204030204" pitchFamily="34" charset="0"/>
-                  <a:sym typeface="Calibri" panose="020F0502020204030204" pitchFamily="34" charset="0"/>
-                </a:rPr>
-                <a:t>: </a:t>
-              </a:r>
-              <a:r>
-                <a:rPr lang="en-US" altLang="zh-CN" sz="3200" dirty="0" smtClean="0">
-                  <a:solidFill>
-                    <a:srgbClr val="17375E"/>
-                  </a:solidFill>
-                  <a:latin typeface="Calibri" panose="020F0502020204030204" pitchFamily="34" charset="0"/>
-                  <a:sym typeface="Calibri" panose="020F0502020204030204" pitchFamily="34" charset="0"/>
-                </a:rPr>
-                <a:t>The </a:t>
+                <a:t> package: </a:t>
               </a:r>
               <a:r>
                 <a:rPr lang="en-US" altLang="zh-CN" sz="3200" dirty="0">
@@ -14152,17 +13723,23 @@
                   <a:latin typeface="Calibri" panose="020F0502020204030204" pitchFamily="34" charset="0"/>
                   <a:sym typeface="Calibri" panose="020F0502020204030204" pitchFamily="34" charset="0"/>
                 </a:rPr>
-                <a:t>Linear SVC refers to the linear support vector classification. </a:t>
+                <a:t>The Linear SVC refers to the linear support vector classification. The Regularization parameter tells the SVM optimization "how much you want to avoid misclassifying each training example". The random forest is composed of a number of decision trees, which takes  the  advantage  of  the  wisdom  of crowds. The MLP Classifier relies on an underlying Neural Network to perform the task of classification</a:t>
               </a:r>
+            </a:p>
+            <a:p>
+              <a:pPr marL="457200" indent="-457200" algn="just">
+                <a:buFont typeface="Arial" panose="020B0604020202020204" pitchFamily="34" charset="0"/>
+                <a:buChar char="•"/>
+              </a:pPr>
               <a:r>
-                <a:rPr lang="en-US" altLang="zh-CN" sz="3200" dirty="0" smtClean="0">
+                <a:rPr lang="en-US" altLang="zh-CN" sz="3200" b="1" dirty="0">
                   <a:solidFill>
                     <a:srgbClr val="17375E"/>
                   </a:solidFill>
                   <a:latin typeface="Calibri" panose="020F0502020204030204" pitchFamily="34" charset="0"/>
                   <a:sym typeface="Calibri" panose="020F0502020204030204" pitchFamily="34" charset="0"/>
                 </a:rPr>
-                <a:t>The </a:t>
+                <a:t>Surprise package: </a:t>
               </a:r>
               <a:r>
                 <a:rPr lang="en-US" altLang="zh-CN" sz="3200" dirty="0">
@@ -14172,17 +13749,17 @@
                   <a:latin typeface="Calibri" panose="020F0502020204030204" pitchFamily="34" charset="0"/>
                   <a:sym typeface="Calibri" panose="020F0502020204030204" pitchFamily="34" charset="0"/>
                 </a:rPr>
-                <a:t>Regularization </a:t>
+                <a:t>The SVD and </a:t>
               </a:r>
               <a:r>
-                <a:rPr lang="en-US" altLang="zh-CN" sz="3200" dirty="0" smtClean="0">
+                <a:rPr lang="en-US" altLang="zh-CN" sz="3200" dirty="0" err="1">
                   <a:solidFill>
                     <a:srgbClr val="17375E"/>
                   </a:solidFill>
                   <a:latin typeface="Calibri" panose="020F0502020204030204" pitchFamily="34" charset="0"/>
                   <a:sym typeface="Calibri" panose="020F0502020204030204" pitchFamily="34" charset="0"/>
                 </a:rPr>
-                <a:t>parameter tells </a:t>
+                <a:t>SVDpp</a:t>
               </a:r>
               <a:r>
                 <a:rPr lang="en-US" altLang="zh-CN" sz="3200" dirty="0">
@@ -14192,17 +13769,17 @@
                   <a:latin typeface="Calibri" panose="020F0502020204030204" pitchFamily="34" charset="0"/>
                   <a:sym typeface="Calibri" panose="020F0502020204030204" pitchFamily="34" charset="0"/>
                 </a:rPr>
-                <a:t>the SVM optimization "how </a:t>
+                <a:t> methods are matrix factorization based algorithms. They extract user features and item features by gradient descent method. In addition, they add user bias, item bias and data set bias to optimize the prediction results. KNN-Baseline and </a:t>
               </a:r>
               <a:r>
-                <a:rPr lang="en-US" altLang="zh-CN" sz="3200" dirty="0" smtClean="0">
+                <a:rPr lang="en-US" altLang="zh-CN" sz="3200" dirty="0" err="1">
                   <a:solidFill>
                     <a:srgbClr val="17375E"/>
                   </a:solidFill>
                   <a:latin typeface="Calibri" panose="020F0502020204030204" pitchFamily="34" charset="0"/>
                   <a:sym typeface="Calibri" panose="020F0502020204030204" pitchFamily="34" charset="0"/>
                 </a:rPr>
-                <a:t>much you </a:t>
+                <a:t>KNNWithZScore</a:t>
               </a:r>
               <a:r>
                 <a:rPr lang="en-US" altLang="zh-CN" sz="3200" dirty="0">
@@ -14212,95 +13789,8 @@
                   <a:latin typeface="Calibri" panose="020F0502020204030204" pitchFamily="34" charset="0"/>
                   <a:sym typeface="Calibri" panose="020F0502020204030204" pitchFamily="34" charset="0"/>
                 </a:rPr>
-                <a:t>want to avoid misclassifying each training example". The random forest is composed of a number of </a:t>
+                <a:t> are methods related to similarity based clustering. </a:t>
               </a:r>
-              <a:r>
-                <a:rPr lang="en-US" altLang="zh-CN" sz="3200" dirty="0" smtClean="0">
-                  <a:solidFill>
-                    <a:srgbClr val="17375E"/>
-                  </a:solidFill>
-                  <a:latin typeface="Calibri" panose="020F0502020204030204" pitchFamily="34" charset="0"/>
-                  <a:sym typeface="Calibri" panose="020F0502020204030204" pitchFamily="34" charset="0"/>
-                </a:rPr>
-                <a:t>decision trees, which takes  </a:t>
-              </a:r>
-              <a:r>
-                <a:rPr lang="en-US" altLang="zh-CN" sz="3200" dirty="0">
-                  <a:solidFill>
-                    <a:srgbClr val="17375E"/>
-                  </a:solidFill>
-                  <a:latin typeface="Calibri" panose="020F0502020204030204" pitchFamily="34" charset="0"/>
-                  <a:sym typeface="Calibri" panose="020F0502020204030204" pitchFamily="34" charset="0"/>
-                </a:rPr>
-                <a:t>the  advantage  of  the  wisdom  </a:t>
-              </a:r>
-              <a:r>
-                <a:rPr lang="en-US" altLang="zh-CN" sz="3200" dirty="0" smtClean="0">
-                  <a:solidFill>
-                    <a:srgbClr val="17375E"/>
-                  </a:solidFill>
-                  <a:latin typeface="Calibri" panose="020F0502020204030204" pitchFamily="34" charset="0"/>
-                  <a:sym typeface="Calibri" panose="020F0502020204030204" pitchFamily="34" charset="0"/>
-                </a:rPr>
-                <a:t>of crowds</a:t>
-              </a:r>
-              <a:r>
-                <a:rPr lang="en-US" altLang="zh-CN" sz="3200" dirty="0">
-                  <a:solidFill>
-                    <a:srgbClr val="17375E"/>
-                  </a:solidFill>
-                  <a:latin typeface="Calibri" panose="020F0502020204030204" pitchFamily="34" charset="0"/>
-                  <a:sym typeface="Calibri" panose="020F0502020204030204" pitchFamily="34" charset="0"/>
-                </a:rPr>
-                <a:t>. The MLP Classifier </a:t>
-              </a:r>
-              <a:r>
-                <a:rPr lang="en-US" altLang="zh-CN" sz="3200" dirty="0" smtClean="0">
-                  <a:solidFill>
-                    <a:srgbClr val="17375E"/>
-                  </a:solidFill>
-                  <a:latin typeface="Calibri" panose="020F0502020204030204" pitchFamily="34" charset="0"/>
-                  <a:sym typeface="Calibri" panose="020F0502020204030204" pitchFamily="34" charset="0"/>
-                </a:rPr>
-                <a:t>relies </a:t>
-              </a:r>
-              <a:r>
-                <a:rPr lang="en-US" altLang="zh-CN" sz="3200" dirty="0">
-                  <a:solidFill>
-                    <a:srgbClr val="17375E"/>
-                  </a:solidFill>
-                  <a:latin typeface="Calibri" panose="020F0502020204030204" pitchFamily="34" charset="0"/>
-                  <a:sym typeface="Calibri" panose="020F0502020204030204" pitchFamily="34" charset="0"/>
-                </a:rPr>
-                <a:t>on an underlying Neural </a:t>
-              </a:r>
-              <a:r>
-                <a:rPr lang="en-US" altLang="zh-CN" sz="3200" dirty="0" smtClean="0">
-                  <a:solidFill>
-                    <a:srgbClr val="17375E"/>
-                  </a:solidFill>
-                  <a:latin typeface="Calibri" panose="020F0502020204030204" pitchFamily="34" charset="0"/>
-                  <a:sym typeface="Calibri" panose="020F0502020204030204" pitchFamily="34" charset="0"/>
-                </a:rPr>
-                <a:t>Network to </a:t>
-              </a:r>
-              <a:r>
-                <a:rPr lang="en-US" altLang="zh-CN" sz="3200" dirty="0">
-                  <a:solidFill>
-                    <a:srgbClr val="17375E"/>
-                  </a:solidFill>
-                  <a:latin typeface="Calibri" panose="020F0502020204030204" pitchFamily="34" charset="0"/>
-                  <a:sym typeface="Calibri" panose="020F0502020204030204" pitchFamily="34" charset="0"/>
-                </a:rPr>
-                <a:t>perform the task of classification</a:t>
-              </a:r>
-              <a:endParaRPr lang="en-US" altLang="zh-CN" sz="3200" dirty="0">
-                <a:solidFill>
-                  <a:srgbClr val="17375E"/>
-                </a:solidFill>
-                <a:latin typeface="Calibri" panose="020F0502020204030204" pitchFamily="34" charset="0"/>
-                <a:sym typeface="Calibri" panose="020F0502020204030204" pitchFamily="34" charset="0"/>
-              </a:endParaRPr>
             </a:p>
           </p:txBody>
         </p:sp>
@@ -14313,7 +13803,7 @@
         </p:nvSpPr>
         <p:spPr>
           <a:xfrm>
-            <a:off x="18502440" y="6103275"/>
+            <a:off x="18473653" y="14036472"/>
             <a:ext cx="7909211" cy="707886"/>
           </a:xfrm>
           <a:prstGeom prst="rect">
@@ -14329,7 +13819,7 @@
           <a:p>
             <a:pPr algn="ctr"/>
             <a:r>
-              <a:rPr lang="en-US" altLang="zh-CN" sz="4000" b="1" u="sng" dirty="0" smtClean="0">
+              <a:rPr lang="en-US" altLang="zh-CN" sz="4000" b="1" u="sng" dirty="0">
                 <a:solidFill>
                   <a:srgbClr val="17375E"/>
                 </a:solidFill>
@@ -14355,10 +13845,10 @@
         </p:nvGrpSpPr>
         <p:grpSpPr>
           <a:xfrm>
-            <a:off x="18536308" y="18640792"/>
-            <a:ext cx="7931716" cy="1292661"/>
-            <a:chOff x="18583255" y="10620558"/>
-            <a:chExt cx="7931716" cy="1292661"/>
+            <a:off x="18473653" y="21426929"/>
+            <a:ext cx="7994371" cy="3998808"/>
+            <a:chOff x="18520600" y="7914411"/>
+            <a:chExt cx="7994371" cy="3998808"/>
           </a:xfrm>
         </p:grpSpPr>
         <p:sp>
@@ -14369,7 +13859,7 @@
           </p:nvSpPr>
           <p:spPr>
             <a:xfrm>
-              <a:off x="18583255" y="10620558"/>
+              <a:off x="18520600" y="7914411"/>
               <a:ext cx="7909210" cy="707886"/>
             </a:xfrm>
             <a:prstGeom prst="rect">
@@ -14438,7 +13928,7 @@
         </p:nvGrpSpPr>
         <p:grpSpPr>
           <a:xfrm>
-            <a:off x="18605652" y="26917205"/>
+            <a:off x="18605652" y="27247469"/>
             <a:ext cx="7934514" cy="2723366"/>
             <a:chOff x="18583256" y="23961981"/>
             <a:chExt cx="7934514" cy="2723366"/>
@@ -14545,16 +14035,16 @@
                   </a:solidFill>
                   <a:latin typeface="Calibri" panose="020F0502020204030204" pitchFamily="34" charset="0"/>
                 </a:rPr>
-                <a:t> from the University of </a:t>
+                <a:t> from the University of Michigan School of Information; GSIs [Kwame Robinson, </a:t>
               </a:r>
               <a:r>
-                <a:rPr lang="en-US" altLang="zh-CN" sz="3200" dirty="0" smtClean="0">
+                <a:rPr lang="en-US" altLang="zh-CN" sz="3200" dirty="0" err="1">
                   <a:solidFill>
                     <a:srgbClr val="17375E"/>
                   </a:solidFill>
                   <a:latin typeface="Calibri" panose="020F0502020204030204" pitchFamily="34" charset="0"/>
                 </a:rPr>
-                <a:t>Michigan School </a:t>
+                <a:t>Lingyun</a:t>
               </a:r>
               <a:r>
                 <a:rPr lang="en-US" altLang="zh-CN" sz="3200" dirty="0">
@@ -14563,28 +14053,10 @@
                   </a:solidFill>
                   <a:latin typeface="Calibri" panose="020F0502020204030204" pitchFamily="34" charset="0"/>
                 </a:rPr>
-                <a:t>of Information; GSIs [Kwame Robinson, </a:t>
-              </a:r>
-              <a:r>
-                <a:rPr lang="en-US" altLang="zh-CN" sz="3200" dirty="0" err="1" smtClean="0">
-                  <a:solidFill>
-                    <a:srgbClr val="17375E"/>
-                  </a:solidFill>
-                  <a:latin typeface="Calibri" panose="020F0502020204030204" pitchFamily="34" charset="0"/>
-                </a:rPr>
-                <a:t>Lingyun</a:t>
-              </a:r>
-              <a:r>
-                <a:rPr lang="en-US" altLang="zh-CN" sz="3200" dirty="0" smtClean="0">
-                  <a:solidFill>
-                    <a:srgbClr val="17375E"/>
-                  </a:solidFill>
-                  <a:latin typeface="Calibri" panose="020F0502020204030204" pitchFamily="34" charset="0"/>
-                </a:rPr>
                 <a:t> </a:t>
               </a:r>
               <a:r>
-                <a:rPr lang="en-US" altLang="zh-CN" sz="3200" dirty="0" err="1" smtClean="0">
+                <a:rPr lang="en-US" altLang="zh-CN" sz="3200" dirty="0" err="1">
                   <a:solidFill>
                     <a:srgbClr val="17375E"/>
                   </a:solidFill>
@@ -14599,32 +14071,8 @@
                   </a:solidFill>
                   <a:latin typeface="Calibri" panose="020F0502020204030204" pitchFamily="34" charset="0"/>
                 </a:rPr>
-                <a:t>] for SI 671 at University of Michigan School of </a:t>
+                <a:t>] for SI 671 at University of Michigan School of Information.</a:t>
               </a:r>
-              <a:r>
-                <a:rPr lang="en-US" altLang="zh-CN" sz="3200" dirty="0" smtClean="0">
-                  <a:solidFill>
-                    <a:srgbClr val="17375E"/>
-                  </a:solidFill>
-                  <a:latin typeface="Calibri" panose="020F0502020204030204" pitchFamily="34" charset="0"/>
-                </a:rPr>
-                <a:t>Information</a:t>
-              </a:r>
-              <a:r>
-                <a:rPr lang="en-US" altLang="zh-CN" sz="3200" dirty="0">
-                  <a:solidFill>
-                    <a:srgbClr val="17375E"/>
-                  </a:solidFill>
-                  <a:latin typeface="Calibri" panose="020F0502020204030204" pitchFamily="34" charset="0"/>
-                </a:rPr>
-                <a:t>.</a:t>
-              </a:r>
-              <a:endParaRPr lang="en-US" altLang="zh-CN" sz="3200" dirty="0">
-                <a:solidFill>
-                  <a:srgbClr val="17375E"/>
-                </a:solidFill>
-                <a:latin typeface="Calibri" panose="020F0502020204030204" pitchFamily="34" charset="0"/>
-              </a:endParaRPr>
             </a:p>
           </p:txBody>
         </p:sp>
@@ -14718,7 +14166,7 @@
             <a:p>
               <a:pPr lvl="0" algn="just"/>
               <a:r>
-                <a:rPr lang="en-US" altLang="zh-CN" sz="3200" dirty="0" smtClean="0">
+                <a:rPr lang="en-US" altLang="zh-CN" sz="3200" dirty="0">
                   <a:solidFill>
                     <a:srgbClr val="17365D"/>
                   </a:solidFill>
@@ -14728,18 +14176,8 @@
                 <a:t>items</a:t>
               </a:r>
               <a:r>
-                <a:rPr lang="zh-CN" altLang="en-US" sz="3200" dirty="0" smtClean="0"/>
+                <a:rPr lang="zh-CN" altLang="en-US" sz="3200" dirty="0"/>
                 <a:t> </a:t>
-              </a:r>
-              <a:r>
-                <a:rPr lang="en-US" altLang="zh-CN" sz="3200" dirty="0" smtClean="0">
-                  <a:solidFill>
-                    <a:srgbClr val="17365D"/>
-                  </a:solidFill>
-                  <a:latin typeface="Calibri" panose="020F0502020204030204" pitchFamily="34" charset="0"/>
-                  <a:sym typeface="Calibri" panose="020F0502020204030204" pitchFamily="34" charset="0"/>
-                </a:rPr>
-                <a:t>in </a:t>
               </a:r>
               <a:r>
                 <a:rPr lang="en-US" altLang="zh-CN" sz="3200" dirty="0">
@@ -14749,35 +14187,8 @@
                   <a:latin typeface="Calibri" panose="020F0502020204030204" pitchFamily="34" charset="0"/>
                   <a:sym typeface="Calibri" panose="020F0502020204030204" pitchFamily="34" charset="0"/>
                 </a:rPr>
-                <a:t>the shops, we will focus on the digit music in this project. </a:t>
+                <a:t>in the shops, we will focus on the digit music in this project. For those who share the similar preference of the songs, they may have more things in common. </a:t>
               </a:r>
-              <a:r>
-                <a:rPr lang="en-US" altLang="zh-CN" sz="3200" dirty="0" smtClean="0">
-                  <a:solidFill>
-                    <a:srgbClr val="17365D"/>
-                  </a:solidFill>
-                  <a:latin typeface="Calibri" panose="020F0502020204030204" pitchFamily="34" charset="0"/>
-                  <a:sym typeface="Calibri" panose="020F0502020204030204" pitchFamily="34" charset="0"/>
-                </a:rPr>
-                <a:t>For </a:t>
-              </a:r>
-              <a:r>
-                <a:rPr lang="en-US" altLang="zh-CN" sz="3200" dirty="0">
-                  <a:solidFill>
-                    <a:srgbClr val="17365D"/>
-                  </a:solidFill>
-                  <a:latin typeface="Calibri" panose="020F0502020204030204" pitchFamily="34" charset="0"/>
-                  <a:sym typeface="Calibri" panose="020F0502020204030204" pitchFamily="34" charset="0"/>
-                </a:rPr>
-                <a:t>those who share the similar preference of the songs, they may have more things in common. </a:t>
-              </a:r>
-              <a:endParaRPr lang="en-US" altLang="zh-CN" sz="3200" dirty="0">
-                <a:solidFill>
-                  <a:srgbClr val="17365D"/>
-                </a:solidFill>
-                <a:latin typeface="Calibri" panose="020F0502020204030204" pitchFamily="34" charset="0"/>
-                <a:sym typeface="Calibri" panose="020F0502020204030204" pitchFamily="34" charset="0"/>
-              </a:endParaRPr>
             </a:p>
           </p:txBody>
         </p:sp>
@@ -14812,77 +14223,7 @@
                   <a:latin typeface="Calibri" panose="020F0502020204030204" pitchFamily="34" charset="0"/>
                   <a:sym typeface="Calibri" panose="020F0502020204030204" pitchFamily="34" charset="0"/>
                 </a:rPr>
-                <a:t>When people shopping on the internet, they may easily refer to the items recommended by the </a:t>
-              </a:r>
-              <a:r>
-                <a:rPr lang="en-US" altLang="zh-CN" sz="3200" dirty="0" smtClean="0">
-                  <a:solidFill>
-                    <a:srgbClr val="17365D"/>
-                  </a:solidFill>
-                  <a:latin typeface="Calibri" panose="020F0502020204030204" pitchFamily="34" charset="0"/>
-                  <a:sym typeface="Calibri" panose="020F0502020204030204" pitchFamily="34" charset="0"/>
-                </a:rPr>
-                <a:t>website. </a:t>
-              </a:r>
-              <a:r>
-                <a:rPr lang="en-US" altLang="zh-CN" sz="3200" dirty="0">
-                  <a:solidFill>
-                    <a:srgbClr val="17365D"/>
-                  </a:solidFill>
-                  <a:latin typeface="Calibri" panose="020F0502020204030204" pitchFamily="34" charset="0"/>
-                  <a:sym typeface="Calibri" panose="020F0502020204030204" pitchFamily="34" charset="0"/>
-                </a:rPr>
-                <a:t>On the other hand, the shops are always trying to </a:t>
-              </a:r>
-              <a:r>
-                <a:rPr lang="en-US" altLang="zh-CN" sz="3200" dirty="0" smtClean="0">
-                  <a:solidFill>
-                    <a:srgbClr val="17365D"/>
-                  </a:solidFill>
-                  <a:latin typeface="Calibri" panose="020F0502020204030204" pitchFamily="34" charset="0"/>
-                  <a:sym typeface="Calibri" panose="020F0502020204030204" pitchFamily="34" charset="0"/>
-                </a:rPr>
-                <a:t>recommend products to the customers to earn more money. </a:t>
-              </a:r>
-              <a:r>
-                <a:rPr lang="en-US" altLang="zh-CN" sz="3200" dirty="0">
-                  <a:solidFill>
-                    <a:srgbClr val="17365D"/>
-                  </a:solidFill>
-                  <a:latin typeface="Calibri" panose="020F0502020204030204" pitchFamily="34" charset="0"/>
-                  <a:sym typeface="Calibri" panose="020F0502020204030204" pitchFamily="34" charset="0"/>
-                </a:rPr>
-                <a:t>Thus, a well trained recommendation system is necessary for all of </a:t>
-              </a:r>
-              <a:r>
-                <a:rPr lang="en-US" altLang="zh-CN" sz="3200" dirty="0" smtClean="0">
-                  <a:solidFill>
-                    <a:srgbClr val="17365D"/>
-                  </a:solidFill>
-                  <a:latin typeface="Calibri" panose="020F0502020204030204" pitchFamily="34" charset="0"/>
-                  <a:sym typeface="Calibri" panose="020F0502020204030204" pitchFamily="34" charset="0"/>
-                </a:rPr>
-                <a:t>us</a:t>
-              </a:r>
-              <a:r>
-                <a:rPr lang="en-US" altLang="zh-CN" sz="3200" dirty="0">
-                  <a:solidFill>
-                    <a:srgbClr val="17365D"/>
-                  </a:solidFill>
-                  <a:latin typeface="Calibri" panose="020F0502020204030204" pitchFamily="34" charset="0"/>
-                  <a:sym typeface="Calibri" panose="020F0502020204030204" pitchFamily="34" charset="0"/>
-                </a:rPr>
-                <a:t>. Among all kinds of </a:t>
-              </a:r>
-              <a:r>
-                <a:rPr lang="en-US" altLang="zh-CN" sz="3200" dirty="0" smtClean="0">
-                  <a:solidFill>
-                    <a:srgbClr val="17365D"/>
-                  </a:solidFill>
-                  <a:latin typeface="Calibri" panose="020F0502020204030204" pitchFamily="34" charset="0"/>
-                  <a:sym typeface="Calibri" panose="020F0502020204030204" pitchFamily="34" charset="0"/>
-                </a:rPr>
-                <a:t>the</a:t>
+                <a:t>When people shopping on the internet, they may easily refer to the items recommended by the website. On the other hand, the shops are always trying to recommend products to the customers to earn more money. Thus, a well trained recommendation system is necessary for all of us. Among all kinds of the</a:t>
               </a:r>
               <a:endParaRPr lang="zh-CN" altLang="en-US" dirty="0"/>
             </a:p>
@@ -15133,7 +14474,7 @@
         </p:nvSpPr>
         <p:spPr>
           <a:xfrm>
-            <a:off x="18584369" y="6759157"/>
+            <a:off x="18555582" y="14692354"/>
             <a:ext cx="7897333" cy="2062103"/>
           </a:xfrm>
           <a:prstGeom prst="rect">
@@ -15149,62 +14490,15 @@
           <a:p>
             <a:pPr algn="just"/>
             <a:r>
-              <a:rPr lang="en-US" altLang="zh-CN" sz="3200" dirty="0" smtClean="0">
+              <a:rPr lang="en-US" altLang="zh-CN" sz="3200" dirty="0">
                 <a:solidFill>
                   <a:srgbClr val="17375E"/>
                 </a:solidFill>
                 <a:latin typeface="Calibri" panose="020F0502020204030204" pitchFamily="34" charset="0"/>
                 <a:sym typeface="Calibri" panose="020F0502020204030204" pitchFamily="34" charset="0"/>
               </a:rPr>
-              <a:t>We split </a:t>
+              <a:t>We split our data set into the training set and the validation set with the proportion 3:1 in the pre-process. The experiment results are shown in the table below:</a:t>
             </a:r>
-            <a:r>
-              <a:rPr lang="en-US" altLang="zh-CN" sz="3200" dirty="0">
-                <a:solidFill>
-                  <a:srgbClr val="17375E"/>
-                </a:solidFill>
-                <a:latin typeface="Calibri" panose="020F0502020204030204" pitchFamily="34" charset="0"/>
-                <a:sym typeface="Calibri" panose="020F0502020204030204" pitchFamily="34" charset="0"/>
-              </a:rPr>
-              <a:t>our data set into the training set and the validation set with the proportion 3:1 in the pre-process. </a:t>
-            </a:r>
-            <a:r>
-              <a:rPr lang="en-US" altLang="zh-CN" sz="3200" dirty="0" smtClean="0">
-                <a:solidFill>
-                  <a:srgbClr val="17375E"/>
-                </a:solidFill>
-                <a:latin typeface="Calibri" panose="020F0502020204030204" pitchFamily="34" charset="0"/>
-                <a:sym typeface="Calibri" panose="020F0502020204030204" pitchFamily="34" charset="0"/>
-              </a:rPr>
-              <a:t>The </a:t>
-            </a:r>
-            <a:r>
-              <a:rPr lang="en-US" altLang="zh-CN" sz="3200" dirty="0">
-                <a:solidFill>
-                  <a:srgbClr val="17375E"/>
-                </a:solidFill>
-                <a:latin typeface="Calibri" panose="020F0502020204030204" pitchFamily="34" charset="0"/>
-                <a:sym typeface="Calibri" panose="020F0502020204030204" pitchFamily="34" charset="0"/>
-              </a:rPr>
-              <a:t>experiment results are shown in the table </a:t>
-            </a:r>
-            <a:r>
-              <a:rPr lang="en-US" altLang="zh-CN" sz="3200" dirty="0" smtClean="0">
-                <a:solidFill>
-                  <a:srgbClr val="17375E"/>
-                </a:solidFill>
-                <a:latin typeface="Calibri" panose="020F0502020204030204" pitchFamily="34" charset="0"/>
-                <a:sym typeface="Calibri" panose="020F0502020204030204" pitchFamily="34" charset="0"/>
-              </a:rPr>
-              <a:t>below:</a:t>
-            </a:r>
-            <a:endParaRPr lang="en-US" altLang="zh-CN" sz="3200" dirty="0">
-              <a:solidFill>
-                <a:srgbClr val="17375E"/>
-              </a:solidFill>
-              <a:latin typeface="Calibri" panose="020F0502020204030204" pitchFamily="34" charset="0"/>
-              <a:sym typeface="Calibri" panose="020F0502020204030204" pitchFamily="34" charset="0"/>
-            </a:endParaRPr>
           </a:p>
         </p:txBody>
       </p:sp>
@@ -15230,7 +14524,7 @@
         </p:blipFill>
         <p:spPr>
           <a:xfrm>
-            <a:off x="18634439" y="8696192"/>
+            <a:off x="18605652" y="16629389"/>
             <a:ext cx="7795416" cy="4773740"/>
           </a:xfrm>
           <a:prstGeom prst="rect">
@@ -15238,6 +14532,507 @@
           </a:prstGeom>
         </p:spPr>
       </p:pic>
+      <mc:AlternateContent xmlns:mc="http://schemas.openxmlformats.org/markup-compatibility/2006">
+        <mc:Choice xmlns:a14="http://schemas.microsoft.com/office/drawing/2010/main" Requires="a14">
+          <p:sp>
+            <p:nvSpPr>
+              <p:cNvPr id="38" name="文本框 37">
+                <a:extLst>
+                  <a:ext uri="{FF2B5EF4-FFF2-40B4-BE49-F238E27FC236}">
+                    <a16:creationId xmlns:a16="http://schemas.microsoft.com/office/drawing/2014/main" id="{DA09F910-C09E-43F5-BCDD-78A5B31C53F5}"/>
+                  </a:ext>
+                </a:extLst>
+              </p:cNvPr>
+              <p:cNvSpPr txBox="1"/>
+              <p:nvPr/>
+            </p:nvSpPr>
+            <p:spPr>
+              <a:xfrm>
+                <a:off x="18559357" y="6090649"/>
+                <a:ext cx="7897333" cy="7847726"/>
+              </a:xfrm>
+              <a:prstGeom prst="rect">
+                <a:avLst/>
+              </a:prstGeom>
+              <a:noFill/>
+            </p:spPr>
+            <p:txBody>
+              <a:bodyPr wrap="square" rtlCol="0">
+                <a:spAutoFit/>
+              </a:bodyPr>
+              <a:lstStyle/>
+              <a:p>
+                <a:pPr marL="457200" lvl="1" indent="-457200" algn="just">
+                  <a:buFont typeface="Arial" panose="020B0604020202020204" pitchFamily="34" charset="0"/>
+                  <a:buChar char="•"/>
+                </a:pPr>
+                <a:r>
+                  <a:rPr lang="en-US" altLang="zh-CN" sz="3200" b="1" dirty="0">
+                    <a:solidFill>
+                      <a:srgbClr val="17375E"/>
+                    </a:solidFill>
+                    <a:latin typeface="Calibri" panose="020F0502020204030204" pitchFamily="34" charset="0"/>
+                    <a:sym typeface="Calibri" panose="020F0502020204030204" pitchFamily="34" charset="0"/>
+                  </a:rPr>
+                  <a:t>SVD decomposition and reconstruction: </a:t>
+                </a:r>
+                <a:r>
+                  <a:rPr lang="en-US" altLang="zh-CN" sz="3200" dirty="0">
+                    <a:solidFill>
+                      <a:srgbClr val="17375E"/>
+                    </a:solidFill>
+                    <a:latin typeface="Calibri" panose="020F0502020204030204" pitchFamily="34" charset="0"/>
+                    <a:sym typeface="Calibri" panose="020F0502020204030204" pitchFamily="34" charset="0"/>
+                  </a:rPr>
+                  <a:t>Using SVD decomposition and picking an appropriate rank, the features of the matrix will be extracted. Reconstructing the prediction matrix by multiplying </a:t>
+                </a:r>
+                <a14:m>
+                  <m:oMath xmlns:m="http://schemas.openxmlformats.org/officeDocument/2006/math">
+                    <m:sSup>
+                      <m:sSupPr>
+                        <m:ctrlPr>
+                          <a:rPr lang="en-US" altLang="zh-CN" sz="3200" i="1" smtClean="0">
+                            <a:solidFill>
+                              <a:srgbClr val="17375E"/>
+                            </a:solidFill>
+                            <a:latin typeface="Cambria Math" panose="02040503050406030204" pitchFamily="18" charset="0"/>
+                            <a:sym typeface="Calibri" panose="020F0502020204030204" pitchFamily="34" charset="0"/>
+                          </a:rPr>
+                        </m:ctrlPr>
+                      </m:sSupPr>
+                      <m:e>
+                        <m:r>
+                          <a:rPr lang="en-US" altLang="zh-CN" sz="3200" b="0" i="1" smtClean="0">
+                            <a:solidFill>
+                              <a:srgbClr val="17375E"/>
+                            </a:solidFill>
+                            <a:latin typeface="Cambria Math" panose="02040503050406030204" pitchFamily="18" charset="0"/>
+                            <a:sym typeface="Calibri" panose="020F0502020204030204" pitchFamily="34" charset="0"/>
+                          </a:rPr>
+                          <m:t>𝑈</m:t>
+                        </m:r>
+                        <m:r>
+                          <m:rPr>
+                            <m:sty m:val="p"/>
+                          </m:rPr>
+                          <a:rPr lang="en-US" altLang="zh-CN" sz="3200" i="1">
+                            <a:solidFill>
+                              <a:srgbClr val="17375E"/>
+                            </a:solidFill>
+                            <a:latin typeface="Cambria Math" panose="02040503050406030204" pitchFamily="18" charset="0"/>
+                            <a:sym typeface="Calibri" panose="020F0502020204030204" pitchFamily="34" charset="0"/>
+                          </a:rPr>
+                          <m:t>Σ</m:t>
+                        </m:r>
+                        <m:r>
+                          <a:rPr lang="en-US" altLang="zh-CN" sz="3200" b="0" i="1" smtClean="0">
+                            <a:solidFill>
+                              <a:srgbClr val="17375E"/>
+                            </a:solidFill>
+                            <a:latin typeface="Cambria Math" panose="02040503050406030204" pitchFamily="18" charset="0"/>
+                            <a:sym typeface="Calibri" panose="020F0502020204030204" pitchFamily="34" charset="0"/>
+                          </a:rPr>
+                          <m:t>𝑉</m:t>
+                        </m:r>
+                      </m:e>
+                      <m:sup>
+                        <m:r>
+                          <a:rPr lang="en-US" altLang="zh-CN" sz="3200" b="0" i="1" smtClean="0">
+                            <a:solidFill>
+                              <a:srgbClr val="17375E"/>
+                            </a:solidFill>
+                            <a:latin typeface="Cambria Math" panose="02040503050406030204" pitchFamily="18" charset="0"/>
+                            <a:sym typeface="Calibri" panose="020F0502020204030204" pitchFamily="34" charset="0"/>
+                          </a:rPr>
+                          <m:t>𝑇</m:t>
+                        </m:r>
+                      </m:sup>
+                    </m:sSup>
+                  </m:oMath>
+                </a14:m>
+                <a:r>
+                  <a:rPr lang="en-US" altLang="zh-CN" sz="3200" dirty="0">
+                    <a:solidFill>
+                      <a:srgbClr val="17375E"/>
+                    </a:solidFill>
+                    <a:latin typeface="Calibri" panose="020F0502020204030204" pitchFamily="34" charset="0"/>
+                    <a:sym typeface="Calibri" panose="020F0502020204030204" pitchFamily="34" charset="0"/>
+                  </a:rPr>
+                  <a:t> is not accurate enough, thus our method doing previous steps recursively and write back the known values, until the prediction matrix converges.</a:t>
+                </a:r>
+              </a:p>
+              <a:p>
+                <a:pPr marL="457200" indent="-457200" algn="just">
+                  <a:buFont typeface="Arial" panose="020B0604020202020204" pitchFamily="34" charset="0"/>
+                  <a:buChar char="•"/>
+                </a:pPr>
+                <a:r>
+                  <a:rPr lang="en-US" altLang="zh-CN" sz="3200" b="1" dirty="0">
+                    <a:solidFill>
+                      <a:srgbClr val="17375E"/>
+                    </a:solidFill>
+                    <a:latin typeface="Calibri" panose="020F0502020204030204" pitchFamily="34" charset="0"/>
+                    <a:sym typeface="Calibri" panose="020F0502020204030204" pitchFamily="34" charset="0"/>
+                  </a:rPr>
+                  <a:t>Similarity based SVD: </a:t>
+                </a:r>
+                <a:r>
+                  <a:rPr lang="en-US" altLang="zh-CN" sz="3200" dirty="0">
+                    <a:solidFill>
+                      <a:srgbClr val="17375E"/>
+                    </a:solidFill>
+                    <a:latin typeface="Calibri" panose="020F0502020204030204" pitchFamily="34" charset="0"/>
+                    <a:sym typeface="Calibri" panose="020F0502020204030204" pitchFamily="34" charset="0"/>
+                  </a:rPr>
+                  <a:t>Use SVD to extract features from the original  matrix and reconstruct the matrix with selected rank. Compute the cosine distance between item ratings as the similarity, and compute the estimated rating by</a:t>
+                </a:r>
+                <a14:m>
+                  <m:oMath xmlns:m="http://schemas.openxmlformats.org/officeDocument/2006/math">
+                    <m:r>
+                      <a:rPr lang="en-US" altLang="zh-CN" sz="3200" b="0" i="0" smtClean="0">
+                        <a:solidFill>
+                          <a:srgbClr val="17375E"/>
+                        </a:solidFill>
+                        <a:latin typeface="Cambria Math" panose="02040503050406030204" pitchFamily="18" charset="0"/>
+                        <a:sym typeface="Calibri" panose="020F0502020204030204" pitchFamily="34" charset="0"/>
+                      </a:rPr>
+                      <m:t> </m:t>
+                    </m:r>
+                    <m:f>
+                      <m:fPr>
+                        <m:ctrlPr>
+                          <a:rPr lang="en-US" altLang="zh-CN" sz="3200" i="1" smtClean="0">
+                            <a:solidFill>
+                              <a:srgbClr val="17375E"/>
+                            </a:solidFill>
+                            <a:latin typeface="Cambria Math" panose="02040503050406030204" pitchFamily="18" charset="0"/>
+                            <a:sym typeface="Calibri" panose="020F0502020204030204" pitchFamily="34" charset="0"/>
+                          </a:rPr>
+                        </m:ctrlPr>
+                      </m:fPr>
+                      <m:num>
+                        <m:r>
+                          <m:rPr>
+                            <m:nor/>
+                          </m:rPr>
+                          <a:rPr lang="en-US" altLang="zh-CN" sz="3200" dirty="0">
+                            <a:solidFill>
+                              <a:srgbClr val="17375E"/>
+                            </a:solidFill>
+                            <a:latin typeface="Calibri" panose="020F0502020204030204" pitchFamily="34" charset="0"/>
+                            <a:sym typeface="Calibri" panose="020F0502020204030204" pitchFamily="34" charset="0"/>
+                          </a:rPr>
+                          <m:t>Σsim</m:t>
+                        </m:r>
+                        <m:r>
+                          <m:rPr>
+                            <m:nor/>
+                          </m:rPr>
+                          <a:rPr lang="en-US" altLang="zh-CN" sz="3200" dirty="0">
+                            <a:solidFill>
+                              <a:srgbClr val="17375E"/>
+                            </a:solidFill>
+                            <a:latin typeface="Calibri" panose="020F0502020204030204" pitchFamily="34" charset="0"/>
+                            <a:sym typeface="Calibri" panose="020F0502020204030204" pitchFamily="34" charset="0"/>
+                          </a:rPr>
+                          <m:t>(</m:t>
+                        </m:r>
+                        <m:r>
+                          <m:rPr>
+                            <m:nor/>
+                          </m:rPr>
+                          <a:rPr lang="en-US" altLang="zh-CN" sz="3200" dirty="0">
+                            <a:solidFill>
+                              <a:srgbClr val="17375E"/>
+                            </a:solidFill>
+                            <a:latin typeface="Calibri" panose="020F0502020204030204" pitchFamily="34" charset="0"/>
+                            <a:sym typeface="Calibri" panose="020F0502020204030204" pitchFamily="34" charset="0"/>
+                          </a:rPr>
+                          <m:t>u</m:t>
+                        </m:r>
+                        <m:r>
+                          <m:rPr>
+                            <m:nor/>
+                          </m:rPr>
+                          <a:rPr lang="en-US" altLang="zh-CN" sz="3200" dirty="0">
+                            <a:solidFill>
+                              <a:srgbClr val="17375E"/>
+                            </a:solidFill>
+                            <a:latin typeface="Calibri" panose="020F0502020204030204" pitchFamily="34" charset="0"/>
+                            <a:sym typeface="Calibri" panose="020F0502020204030204" pitchFamily="34" charset="0"/>
+                          </a:rPr>
+                          <m:t>, </m:t>
+                        </m:r>
+                        <m:r>
+                          <m:rPr>
+                            <m:nor/>
+                          </m:rPr>
+                          <a:rPr lang="en-US" altLang="zh-CN" sz="3200" dirty="0">
+                            <a:solidFill>
+                              <a:srgbClr val="17375E"/>
+                            </a:solidFill>
+                            <a:latin typeface="Calibri" panose="020F0502020204030204" pitchFamily="34" charset="0"/>
+                            <a:sym typeface="Calibri" panose="020F0502020204030204" pitchFamily="34" charset="0"/>
+                          </a:rPr>
+                          <m:t>v</m:t>
+                        </m:r>
+                        <m:r>
+                          <m:rPr>
+                            <m:nor/>
+                          </m:rPr>
+                          <a:rPr lang="en-US" altLang="zh-CN" sz="3200" dirty="0">
+                            <a:solidFill>
+                              <a:srgbClr val="17375E"/>
+                            </a:solidFill>
+                            <a:latin typeface="Calibri" panose="020F0502020204030204" pitchFamily="34" charset="0"/>
+                            <a:sym typeface="Calibri" panose="020F0502020204030204" pitchFamily="34" charset="0"/>
+                          </a:rPr>
+                          <m:t>)*</m:t>
+                        </m:r>
+                        <m:r>
+                          <m:rPr>
+                            <m:nor/>
+                          </m:rPr>
+                          <a:rPr lang="en-US" altLang="zh-CN" sz="3200" dirty="0">
+                            <a:solidFill>
+                              <a:srgbClr val="17375E"/>
+                            </a:solidFill>
+                            <a:latin typeface="Calibri" panose="020F0502020204030204" pitchFamily="34" charset="0"/>
+                            <a:sym typeface="Calibri" panose="020F0502020204030204" pitchFamily="34" charset="0"/>
+                          </a:rPr>
+                          <m:t>rating</m:t>
+                        </m:r>
+                        <m:r>
+                          <m:rPr>
+                            <m:nor/>
+                          </m:rPr>
+                          <a:rPr lang="en-US" altLang="zh-CN" sz="3200" dirty="0">
+                            <a:solidFill>
+                              <a:srgbClr val="17375E"/>
+                            </a:solidFill>
+                            <a:latin typeface="Calibri" panose="020F0502020204030204" pitchFamily="34" charset="0"/>
+                            <a:sym typeface="Calibri" panose="020F0502020204030204" pitchFamily="34" charset="0"/>
+                          </a:rPr>
+                          <m:t>(</m:t>
+                        </m:r>
+                        <m:r>
+                          <m:rPr>
+                            <m:nor/>
+                          </m:rPr>
+                          <a:rPr lang="en-US" altLang="zh-CN" sz="3200" dirty="0">
+                            <a:solidFill>
+                              <a:srgbClr val="17375E"/>
+                            </a:solidFill>
+                            <a:latin typeface="Calibri" panose="020F0502020204030204" pitchFamily="34" charset="0"/>
+                            <a:sym typeface="Calibri" panose="020F0502020204030204" pitchFamily="34" charset="0"/>
+                          </a:rPr>
+                          <m:t>u</m:t>
+                        </m:r>
+                        <m:r>
+                          <m:rPr>
+                            <m:nor/>
+                          </m:rPr>
+                          <a:rPr lang="en-US" altLang="zh-CN" sz="3200" dirty="0">
+                            <a:solidFill>
+                              <a:srgbClr val="17375E"/>
+                            </a:solidFill>
+                            <a:latin typeface="Calibri" panose="020F0502020204030204" pitchFamily="34" charset="0"/>
+                            <a:sym typeface="Calibri" panose="020F0502020204030204" pitchFamily="34" charset="0"/>
+                          </a:rPr>
+                          <m:t>)</m:t>
+                        </m:r>
+                      </m:num>
+                      <m:den>
+                        <m:r>
+                          <m:rPr>
+                            <m:nor/>
+                          </m:rPr>
+                          <a:rPr lang="en-US" altLang="zh-CN" sz="3200" dirty="0">
+                            <a:solidFill>
+                              <a:srgbClr val="17375E"/>
+                            </a:solidFill>
+                            <a:latin typeface="Calibri" panose="020F0502020204030204" pitchFamily="34" charset="0"/>
+                            <a:sym typeface="Calibri" panose="020F0502020204030204" pitchFamily="34" charset="0"/>
+                          </a:rPr>
+                          <m:t>Σsim</m:t>
+                        </m:r>
+                        <m:r>
+                          <m:rPr>
+                            <m:nor/>
+                          </m:rPr>
+                          <a:rPr lang="en-US" altLang="zh-CN" sz="3200" dirty="0">
+                            <a:solidFill>
+                              <a:srgbClr val="17375E"/>
+                            </a:solidFill>
+                            <a:latin typeface="Calibri" panose="020F0502020204030204" pitchFamily="34" charset="0"/>
+                            <a:sym typeface="Calibri" panose="020F0502020204030204" pitchFamily="34" charset="0"/>
+                          </a:rPr>
+                          <m:t>(</m:t>
+                        </m:r>
+                        <m:r>
+                          <m:rPr>
+                            <m:nor/>
+                          </m:rPr>
+                          <a:rPr lang="en-US" altLang="zh-CN" sz="3200" dirty="0">
+                            <a:solidFill>
+                              <a:srgbClr val="17375E"/>
+                            </a:solidFill>
+                            <a:latin typeface="Calibri" panose="020F0502020204030204" pitchFamily="34" charset="0"/>
+                            <a:sym typeface="Calibri" panose="020F0502020204030204" pitchFamily="34" charset="0"/>
+                          </a:rPr>
+                          <m:t>u</m:t>
+                        </m:r>
+                        <m:r>
+                          <m:rPr>
+                            <m:nor/>
+                          </m:rPr>
+                          <a:rPr lang="en-US" altLang="zh-CN" sz="3200" dirty="0">
+                            <a:solidFill>
+                              <a:srgbClr val="17375E"/>
+                            </a:solidFill>
+                            <a:latin typeface="Calibri" panose="020F0502020204030204" pitchFamily="34" charset="0"/>
+                            <a:sym typeface="Calibri" panose="020F0502020204030204" pitchFamily="34" charset="0"/>
+                          </a:rPr>
+                          <m:t>, </m:t>
+                        </m:r>
+                        <m:r>
+                          <m:rPr>
+                            <m:nor/>
+                          </m:rPr>
+                          <a:rPr lang="en-US" altLang="zh-CN" sz="3200" dirty="0">
+                            <a:solidFill>
+                              <a:srgbClr val="17375E"/>
+                            </a:solidFill>
+                            <a:latin typeface="Calibri" panose="020F0502020204030204" pitchFamily="34" charset="0"/>
+                            <a:sym typeface="Calibri" panose="020F0502020204030204" pitchFamily="34" charset="0"/>
+                          </a:rPr>
+                          <m:t>v</m:t>
+                        </m:r>
+                        <m:r>
+                          <m:rPr>
+                            <m:nor/>
+                          </m:rPr>
+                          <a:rPr lang="en-US" altLang="zh-CN" sz="3200" dirty="0">
+                            <a:solidFill>
+                              <a:srgbClr val="17375E"/>
+                            </a:solidFill>
+                            <a:latin typeface="Calibri" panose="020F0502020204030204" pitchFamily="34" charset="0"/>
+                            <a:sym typeface="Calibri" panose="020F0502020204030204" pitchFamily="34" charset="0"/>
+                          </a:rPr>
+                          <m:t>)</m:t>
+                        </m:r>
+                      </m:den>
+                    </m:f>
+                    <m:r>
+                      <a:rPr lang="en-US" altLang="zh-CN" sz="3200" b="0" i="0" smtClean="0">
+                        <a:solidFill>
+                          <a:srgbClr val="17375E"/>
+                        </a:solidFill>
+                        <a:latin typeface="Cambria Math" panose="02040503050406030204" pitchFamily="18" charset="0"/>
+                        <a:sym typeface="Calibri" panose="020F0502020204030204" pitchFamily="34" charset="0"/>
+                      </a:rPr>
+                      <m:t>.</m:t>
+                    </m:r>
+                  </m:oMath>
+                </a14:m>
+                <a:endParaRPr lang="en-US" altLang="zh-CN" sz="3200" dirty="0">
+                  <a:solidFill>
+                    <a:srgbClr val="17375E"/>
+                  </a:solidFill>
+                  <a:latin typeface="Calibri" panose="020F0502020204030204" pitchFamily="34" charset="0"/>
+                  <a:sym typeface="Calibri" panose="020F0502020204030204" pitchFamily="34" charset="0"/>
+                </a:endParaRPr>
+              </a:p>
+            </p:txBody>
+          </p:sp>
+        </mc:Choice>
+        <mc:Fallback>
+          <p:sp>
+            <p:nvSpPr>
+              <p:cNvPr id="38" name="文本框 37">
+                <a:extLst>
+                  <a:ext uri="{FF2B5EF4-FFF2-40B4-BE49-F238E27FC236}">
+                    <a16:creationId xmlns:a16="http://schemas.microsoft.com/office/drawing/2014/main" id="{DA09F910-C09E-43F5-BCDD-78A5B31C53F5}"/>
+                  </a:ext>
+                </a:extLst>
+              </p:cNvPr>
+              <p:cNvSpPr txBox="1">
+                <a:spLocks noRot="1" noChangeAspect="1" noMove="1" noResize="1" noEditPoints="1" noAdjustHandles="1" noChangeArrowheads="1" noChangeShapeType="1" noTextEdit="1"/>
+              </p:cNvSpPr>
+              <p:nvPr/>
+            </p:nvSpPr>
+            <p:spPr>
+              <a:xfrm>
+                <a:off x="18559357" y="6090649"/>
+                <a:ext cx="7897333" cy="7847726"/>
+              </a:xfrm>
+              <a:prstGeom prst="rect">
+                <a:avLst/>
+              </a:prstGeom>
+              <a:blipFill>
+                <a:blip r:embed="rId8"/>
+                <a:stretch>
+                  <a:fillRect l="-1776" t="-1010" r="-1931"/>
+                </a:stretch>
+              </a:blipFill>
+            </p:spPr>
+            <p:txBody>
+              <a:bodyPr/>
+              <a:lstStyle/>
+              <a:p>
+                <a:r>
+                  <a:rPr lang="zh-CN" altLang="en-US">
+                    <a:noFill/>
+                  </a:rPr>
+                  <a:t> </a:t>
+                </a:r>
+              </a:p>
+            </p:txBody>
+          </p:sp>
+        </mc:Fallback>
+      </mc:AlternateContent>
+      <p:sp>
+        <p:nvSpPr>
+          <p:cNvPr id="39" name="文本框 38">
+            <a:extLst>
+              <a:ext uri="{FF2B5EF4-FFF2-40B4-BE49-F238E27FC236}">
+                <a16:creationId xmlns:a16="http://schemas.microsoft.com/office/drawing/2014/main" id="{52AD5F7A-31D8-4BD0-A074-02F62A3E6D5C}"/>
+              </a:ext>
+            </a:extLst>
+          </p:cNvPr>
+          <p:cNvSpPr txBox="1"/>
+          <p:nvPr/>
+        </p:nvSpPr>
+        <p:spPr>
+          <a:xfrm>
+            <a:off x="18555582" y="21948899"/>
+            <a:ext cx="7897333" cy="5509200"/>
+          </a:xfrm>
+          <a:prstGeom prst="rect">
+            <a:avLst/>
+          </a:prstGeom>
+          <a:noFill/>
+        </p:spPr>
+        <p:txBody>
+          <a:bodyPr wrap="square" rtlCol="0">
+            <a:spAutoFit/>
+          </a:bodyPr>
+          <a:lstStyle/>
+          <a:p>
+            <a:pPr algn="just"/>
+            <a:r>
+              <a:rPr lang="en-US" altLang="zh-CN" sz="3200" dirty="0">
+                <a:solidFill>
+                  <a:srgbClr val="17375E"/>
+                </a:solidFill>
+                <a:latin typeface="Calibri" panose="020F0502020204030204" pitchFamily="34" charset="0"/>
+                <a:sym typeface="Calibri" panose="020F0502020204030204" pitchFamily="34" charset="0"/>
+              </a:rPr>
+              <a:t>The Random Forest method is the most stable one. The similarity based SVD method has the best performance on a large data set, but the similarity based SVD method still needs experiments on larger data set to prove its efficiency. Machine Learning methods in the Surprise package all works well and the performance doesn’t vary much when the dataset changes. SVD decomposition and reconstruction method highly relies on the quality of data set.</a:t>
+            </a:r>
+          </a:p>
+        </p:txBody>
+      </p:sp>
     </p:spTree>
   </p:cSld>
   <p:clrMapOvr>
